--- a/presentation.pptx
+++ b/presentation.pptx
@@ -28,6 +28,7 @@
     <p:sldId id="263" r:id="rId21"/>
     <p:sldId id="264" r:id="rId22"/>
     <p:sldId id="265" r:id="rId23"/>
+    <p:sldId id="266" r:id="rId24"/>
   </p:sldIdLst>
   <p:sldSz cx="9144000" cy="5143500"/>
   <p:notesSz cx="6858000" cy="9144000"/>
@@ -53,7 +54,7 @@
       </p:grpSpPr>
       <p:sp>
         <p:nvSpPr>
-          <p:cNvPr id="38" name="PlaceHolder 1"/>
+          <p:cNvPr id="30" name="PlaceHolder 1"/>
           <p:cNvSpPr>
             <a:spLocks noGrp="1"/>
           </p:cNvSpPr>
@@ -79,8 +80,9 @@
             <a:noAutofit/>
           </a:bodyPr>
           <a:p>
-            <a:r>
-              <a:rPr b="0" lang="en-US" sz="1400" spc="-1" strike="noStrike">
+            <a:pPr algn="ctr"/>
+            <a:r>
+              <a:rPr b="0" lang="en-US" sz="4400" spc="-1" strike="noStrike">
                 <a:solidFill>
                   <a:srgbClr val="000000"/>
                 </a:solidFill>
@@ -88,7 +90,7 @@
               </a:rPr>
               <a:t>Click to move the slide</a:t>
             </a:r>
-            <a:endParaRPr b="0" lang="en-US" sz="1400" spc="-1" strike="noStrike">
+            <a:endParaRPr b="0" lang="en-US" sz="4400" spc="-1" strike="noStrike">
               <a:solidFill>
                 <a:srgbClr val="000000"/>
               </a:solidFill>
@@ -99,7 +101,7 @@
       </p:sp>
       <p:sp>
         <p:nvSpPr>
-          <p:cNvPr id="39" name="PlaceHolder 2"/>
+          <p:cNvPr id="31" name="PlaceHolder 2"/>
           <p:cNvSpPr>
             <a:spLocks noGrp="1"/>
           </p:cNvSpPr>
@@ -148,7 +150,7 @@
       </p:sp>
       <p:sp>
         <p:nvSpPr>
-          <p:cNvPr id="40" name="PlaceHolder 3"/>
+          <p:cNvPr id="32" name="PlaceHolder 3"/>
           <p:cNvSpPr>
             <a:spLocks noGrp="1"/>
           </p:cNvSpPr>
@@ -197,7 +199,7 @@
       </p:sp>
       <p:sp>
         <p:nvSpPr>
-          <p:cNvPr id="41" name="PlaceHolder 4"/>
+          <p:cNvPr id="33" name="PlaceHolder 4"/>
           <p:cNvSpPr>
             <a:spLocks noGrp="1"/>
           </p:cNvSpPr>
@@ -257,7 +259,7 @@
       </p:sp>
       <p:sp>
         <p:nvSpPr>
-          <p:cNvPr id="42" name="PlaceHolder 5"/>
+          <p:cNvPr id="34" name="PlaceHolder 5"/>
           <p:cNvSpPr>
             <a:spLocks noGrp="1"/>
           </p:cNvSpPr>
@@ -317,7 +319,7 @@
       </p:sp>
       <p:sp>
         <p:nvSpPr>
-          <p:cNvPr id="43" name="PlaceHolder 6"/>
+          <p:cNvPr id="35" name="PlaceHolder 6"/>
           <p:cNvSpPr>
             <a:spLocks noGrp="1"/>
           </p:cNvSpPr>
@@ -357,7 +359,7 @@
             <a:pPr indent="0" algn="r">
               <a:buNone/>
             </a:pPr>
-            <a:fld id="{BCED95F3-0260-4E10-ACD2-2590833CB1C3}" type="slidenum">
+            <a:fld id="{F17D73A5-89E2-4A51-B95C-58A876B3A54C}" type="slidenum">
               <a:rPr b="0" lang="en-US" sz="1400" spc="-1" strike="noStrike">
                 <a:solidFill>
                   <a:srgbClr val="000000"/>
@@ -400,7 +402,7 @@
       </p:grpSpPr>
       <p:sp>
         <p:nvSpPr>
-          <p:cNvPr id="75" name="PlaceHolder 1"/>
+          <p:cNvPr id="70" name="PlaceHolder 1"/>
           <p:cNvSpPr>
             <a:spLocks noGrp="1"/>
           </p:cNvSpPr>
@@ -411,7 +413,7 @@
         <p:spPr>
           <a:xfrm>
             <a:off x="381240" y="685800"/>
-            <a:ext cx="6095520" cy="3428640"/>
+            <a:ext cx="6095160" cy="3428280"/>
           </a:xfrm>
           <a:prstGeom prst="rect">
             <a:avLst/>
@@ -423,7 +425,7 @@
       </p:sp>
       <p:sp>
         <p:nvSpPr>
-          <p:cNvPr id="76" name="PlaceHolder 2"/>
+          <p:cNvPr id="71" name="PlaceHolder 2"/>
           <p:cNvSpPr>
             <a:spLocks noGrp="1"/>
           </p:cNvSpPr>
@@ -434,7 +436,7 @@
         <p:spPr>
           <a:xfrm>
             <a:off x="685800" y="4343400"/>
-            <a:ext cx="5486040" cy="4114440"/>
+            <a:ext cx="5485680" cy="4114080"/>
           </a:xfrm>
           <a:prstGeom prst="rect">
             <a:avLst/>
@@ -449,7 +451,7 @@
             <a:noAutofit/>
           </a:bodyPr>
           <a:p>
-            <a:pPr indent="0">
+            <a:pPr marL="216000" indent="0">
               <a:lnSpc>
                 <a:spcPct val="100000"/>
               </a:lnSpc>
@@ -481,7 +483,7 @@
 </p:notes>
 </file>
 
-<file path=ppt/notesSlides/notesSlide9.xml><?xml version="1.0" encoding="utf-8"?>
+<file path=ppt/notesSlides/notesSlide11.xml><?xml version="1.0" encoding="utf-8"?>
 <p:notes xmlns:a="http://schemas.openxmlformats.org/drawingml/2006/main" xmlns:p="http://schemas.openxmlformats.org/presentationml/2006/main" xmlns:r="http://schemas.openxmlformats.org/officeDocument/2006/relationships" xmlns:p14="http://schemas.microsoft.com/office/powerpoint/2010/main" xmlns:p15="http://schemas.microsoft.com/office/powerpoint/2012/main" xmlns:mc="http://schemas.openxmlformats.org/markup-compatibility/2006">
   <p:cSld>
     <p:spTree>
@@ -500,7 +502,7 @@
       </p:grpSpPr>
       <p:sp>
         <p:nvSpPr>
-          <p:cNvPr id="73" name="PlaceHolder 1"/>
+          <p:cNvPr id="72" name="PlaceHolder 1"/>
           <p:cNvSpPr>
             <a:spLocks noGrp="1"/>
           </p:cNvSpPr>
@@ -511,7 +513,7 @@
         <p:spPr>
           <a:xfrm>
             <a:off x="381240" y="685800"/>
-            <a:ext cx="6095520" cy="3428640"/>
+            <a:ext cx="6095160" cy="3428280"/>
           </a:xfrm>
           <a:prstGeom prst="rect">
             <a:avLst/>
@@ -523,7 +525,7 @@
       </p:sp>
       <p:sp>
         <p:nvSpPr>
-          <p:cNvPr id="74" name="PlaceHolder 2"/>
+          <p:cNvPr id="73" name="PlaceHolder 2"/>
           <p:cNvSpPr>
             <a:spLocks noGrp="1"/>
           </p:cNvSpPr>
@@ -534,7 +536,7 @@
         <p:spPr>
           <a:xfrm>
             <a:off x="685800" y="4343400"/>
-            <a:ext cx="5486040" cy="4114440"/>
+            <a:ext cx="5485680" cy="4114080"/>
           </a:xfrm>
           <a:prstGeom prst="rect">
             <a:avLst/>
@@ -549,7 +551,107 @@
             <a:noAutofit/>
           </a:bodyPr>
           <a:p>
-            <a:pPr indent="0">
+            <a:pPr marL="216000" indent="0">
+              <a:lnSpc>
+                <a:spcPct val="100000"/>
+              </a:lnSpc>
+              <a:buNone/>
+              <a:tabLst>
+                <a:tab algn="l" pos="0"/>
+              </a:tabLst>
+            </a:pPr>
+            <a:r>
+              <a:rPr b="0" lang="en" sz="1100" spc="-1" strike="noStrike">
+                <a:solidFill>
+                  <a:srgbClr val="000000"/>
+                </a:solidFill>
+                <a:latin typeface="Arial"/>
+              </a:rPr>
+              <a:t>Create a QR Code</a:t>
+            </a:r>
+            <a:endParaRPr b="0" lang="en-US" sz="1100" spc="-1" strike="noStrike">
+              <a:solidFill>
+                <a:srgbClr val="000000"/>
+              </a:solidFill>
+              <a:latin typeface="Arial"/>
+            </a:endParaRPr>
+          </a:p>
+        </p:txBody>
+      </p:sp>
+    </p:spTree>
+  </p:cSld>
+</p:notes>
+</file>
+
+<file path=ppt/notesSlides/notesSlide2.xml><?xml version="1.0" encoding="utf-8"?>
+<p:notes xmlns:a="http://schemas.openxmlformats.org/drawingml/2006/main" xmlns:p="http://schemas.openxmlformats.org/presentationml/2006/main" xmlns:r="http://schemas.openxmlformats.org/officeDocument/2006/relationships" xmlns:p14="http://schemas.microsoft.com/office/powerpoint/2010/main" xmlns:p15="http://schemas.microsoft.com/office/powerpoint/2012/main" xmlns:mc="http://schemas.openxmlformats.org/markup-compatibility/2006">
+  <p:cSld>
+    <p:spTree>
+      <p:nvGrpSpPr>
+        <p:cNvPr id="1" name=""/>
+        <p:cNvGrpSpPr/>
+        <p:nvPr/>
+      </p:nvGrpSpPr>
+      <p:grpSpPr>
+        <a:xfrm>
+          <a:off x="0" y="0"/>
+          <a:ext cx="0" cy="0"/>
+          <a:chOff x="0" y="0"/>
+          <a:chExt cx="0" cy="0"/>
+        </a:xfrm>
+      </p:grpSpPr>
+      <p:sp>
+        <p:nvSpPr>
+          <p:cNvPr id="68" name="PlaceHolder 1"/>
+          <p:cNvSpPr>
+            <a:spLocks noGrp="1"/>
+          </p:cNvSpPr>
+          <p:nvPr>
+            <p:ph type="sldImg"/>
+          </p:nvPr>
+        </p:nvSpPr>
+        <p:spPr>
+          <a:xfrm>
+            <a:off x="381240" y="685800"/>
+            <a:ext cx="6095160" cy="3428280"/>
+          </a:xfrm>
+          <a:prstGeom prst="rect">
+            <a:avLst/>
+          </a:prstGeom>
+          <a:ln w="0">
+            <a:noFill/>
+          </a:ln>
+        </p:spPr>
+      </p:sp>
+      <p:sp>
+        <p:nvSpPr>
+          <p:cNvPr id="69" name="PlaceHolder 2"/>
+          <p:cNvSpPr>
+            <a:spLocks noGrp="1"/>
+          </p:cNvSpPr>
+          <p:nvPr>
+            <p:ph type="body"/>
+          </p:nvPr>
+        </p:nvSpPr>
+        <p:spPr>
+          <a:xfrm>
+            <a:off x="685800" y="4343400"/>
+            <a:ext cx="5485680" cy="4114080"/>
+          </a:xfrm>
+          <a:prstGeom prst="rect">
+            <a:avLst/>
+          </a:prstGeom>
+          <a:noFill/>
+          <a:ln w="0">
+            <a:noFill/>
+          </a:ln>
+        </p:spPr>
+        <p:txBody>
+          <a:bodyPr lIns="91440" rIns="91440" tIns="91440" bIns="91440" anchor="t">
+            <a:noAutofit/>
+          </a:bodyPr>
+          <a:p>
+            <a:pPr marL="216000" indent="0">
               <a:lnSpc>
                 <a:spcPct val="100000"/>
               </a:lnSpc>
@@ -610,8 +712,8 @@
         </p:nvSpPr>
         <p:spPr>
           <a:xfrm>
-            <a:off x="311760" y="444960"/>
-            <a:ext cx="8520120" cy="572400"/>
+            <a:off x="311760" y="418320"/>
+            <a:ext cx="8519760" cy="625320"/>
           </a:xfrm>
           <a:prstGeom prst="rect">
             <a:avLst/>
@@ -626,12 +728,12 @@
             <a:noAutofit/>
           </a:bodyPr>
           <a:p>
-            <a:pPr indent="0">
+            <a:pPr indent="0" algn="ctr">
               <a:buNone/>
             </a:pPr>
-            <a:endParaRPr b="0" lang="en-US" sz="1400" spc="-1" strike="noStrike">
-              <a:solidFill>
-                <a:srgbClr val="000000"/>
+            <a:endParaRPr b="0" lang="en-US" sz="4400" spc="-1" strike="noStrike">
+              <a:solidFill>
+                <a:srgbClr val="ffffff"/>
               </a:solidFill>
               <a:latin typeface="Arial"/>
             </a:endParaRPr>
@@ -651,7 +753,7 @@
         <p:spPr>
           <a:xfrm>
             <a:off x="311760" y="1152360"/>
-            <a:ext cx="8520120" cy="3416040"/>
+            <a:ext cx="8519760" cy="3415680"/>
           </a:xfrm>
           <a:prstGeom prst="rect">
             <a:avLst/>
@@ -692,7 +794,7 @@
         <p:txBody>
           <a:bodyPr/>
           <a:p>
-            <a:fld id="{0CE5113E-1CDE-448B-8AAA-4A843DBC5E51}" type="slidenum">
+            <a:fld id="{AB366D03-148F-440D-9135-0202DD284C2C}" type="slidenum">
               <a:t>&lt;#&gt;</a:t>
             </a:fld>
           </a:p>
@@ -734,7 +836,7 @@
         <p:txBody>
           <a:bodyPr/>
           <a:p>
-            <a:fld id="{2E179AF6-784B-4B1F-9602-E57F06BA12E6}" type="slidenum">
+            <a:fld id="{3E4F81C3-3CA6-4B1F-8140-C29D4CC23918}" type="slidenum">
               <a:t>&lt;#&gt;</a:t>
             </a:fld>
           </a:p>
@@ -776,7 +878,7 @@
         <p:txBody>
           <a:bodyPr/>
           <a:p>
-            <a:fld id="{12000B2D-76F9-4B57-8569-8DBE29C3C1F0}" type="slidenum">
+            <a:fld id="{23026326-F8B4-4C21-9C0A-4595A485975A}" type="slidenum">
               <a:t>&lt;#&gt;</a:t>
             </a:fld>
           </a:p>
@@ -818,7 +920,7 @@
         <p:txBody>
           <a:bodyPr/>
           <a:p>
-            <a:fld id="{FE00D255-A55D-4AAC-BED3-DB01868C5557}" type="slidenum">
+            <a:fld id="{67D9D982-BFFC-4175-AAC5-E7BFEF3D2916}" type="slidenum">
               <a:t>&lt;#&gt;</a:t>
             </a:fld>
           </a:p>
@@ -860,7 +962,7 @@
         <p:txBody>
           <a:bodyPr/>
           <a:p>
-            <a:fld id="{6B5DE372-B5B5-454E-A87F-F026ECC6B595}" type="slidenum">
+            <a:fld id="{9274935C-1D43-4C57-A164-F59A5B0D215F}" type="slidenum">
               <a:t>&lt;#&gt;</a:t>
             </a:fld>
           </a:p>
@@ -902,7 +1004,7 @@
         <p:txBody>
           <a:bodyPr/>
           <a:p>
-            <a:fld id="{F6D0DC2D-8323-4C0B-8C7D-6FD599B2A998}" type="slidenum">
+            <a:fld id="{BADAB9A4-AE4F-4C46-BDA0-02C2CB3D9894}" type="slidenum">
               <a:t>&lt;#&gt;</a:t>
             </a:fld>
           </a:p>
@@ -932,7 +1034,7 @@
       </p:grpSpPr>
       <p:sp>
         <p:nvSpPr>
-          <p:cNvPr id="15" name="PlaceHolder 1"/>
+          <p:cNvPr id="13" name="PlaceHolder 1"/>
           <p:cNvSpPr>
             <a:spLocks noGrp="1"/>
           </p:cNvSpPr>
@@ -942,8 +1044,8 @@
         </p:nvSpPr>
         <p:spPr>
           <a:xfrm>
-            <a:off x="311760" y="444960"/>
-            <a:ext cx="8520120" cy="572400"/>
+            <a:off x="311760" y="418320"/>
+            <a:ext cx="8519760" cy="625320"/>
           </a:xfrm>
           <a:prstGeom prst="rect">
             <a:avLst/>
@@ -958,12 +1060,12 @@
             <a:noAutofit/>
           </a:bodyPr>
           <a:p>
-            <a:pPr indent="0">
+            <a:pPr indent="0" algn="ctr">
               <a:buNone/>
             </a:pPr>
-            <a:endParaRPr b="0" lang="en-US" sz="1400" spc="-1" strike="noStrike">
-              <a:solidFill>
-                <a:srgbClr val="000000"/>
+            <a:endParaRPr b="0" lang="en-US" sz="4400" spc="-1" strike="noStrike">
+              <a:solidFill>
+                <a:srgbClr val="ffffff"/>
               </a:solidFill>
               <a:latin typeface="Arial"/>
             </a:endParaRPr>
@@ -972,7 +1074,7 @@
       </p:sp>
       <p:sp>
         <p:nvSpPr>
-          <p:cNvPr id="16" name="PlaceHolder 2"/>
+          <p:cNvPr id="14" name="PlaceHolder 2"/>
           <p:cNvSpPr>
             <a:spLocks noGrp="1"/>
           </p:cNvSpPr>
@@ -983,7 +1085,7 @@
         <p:spPr>
           <a:xfrm>
             <a:off x="311760" y="1152360"/>
-            <a:ext cx="8520120" cy="3416040"/>
+            <a:ext cx="8519760" cy="3415680"/>
           </a:xfrm>
           <a:prstGeom prst="rect">
             <a:avLst/>
@@ -1004,9 +1106,9 @@
               </a:spcBef>
               <a:buNone/>
             </a:pPr>
-            <a:endParaRPr b="0" lang="en-US" sz="1400" spc="-1" strike="noStrike">
-              <a:solidFill>
-                <a:srgbClr val="000000"/>
+            <a:endParaRPr b="0" lang="en-US" sz="3200" spc="-1" strike="noStrike">
+              <a:solidFill>
+                <a:srgbClr val="ffffff"/>
               </a:solidFill>
               <a:latin typeface="Arial"/>
             </a:endParaRPr>
@@ -1027,7 +1129,7 @@
         <p:txBody>
           <a:bodyPr/>
           <a:p>
-            <a:fld id="{3157DD3F-43C6-402F-BBC9-6DCF7939C797}" type="slidenum">
+            <a:fld id="{C0984A70-E238-457B-945F-13CFBB6282CC}" type="slidenum">
               <a:t>&lt;#&gt;</a:t>
             </a:fld>
           </a:p>
@@ -1057,7 +1159,7 @@
       </p:grpSpPr>
       <p:sp>
         <p:nvSpPr>
-          <p:cNvPr id="21" name="PlaceHolder 1"/>
+          <p:cNvPr id="19" name="PlaceHolder 1"/>
           <p:cNvSpPr>
             <a:spLocks noGrp="1"/>
           </p:cNvSpPr>
@@ -1067,8 +1169,8 @@
         </p:nvSpPr>
         <p:spPr>
           <a:xfrm>
-            <a:off x="311760" y="444960"/>
-            <a:ext cx="8520120" cy="572400"/>
+            <a:off x="311760" y="418320"/>
+            <a:ext cx="8519760" cy="625320"/>
           </a:xfrm>
           <a:prstGeom prst="rect">
             <a:avLst/>
@@ -1083,12 +1185,12 @@
             <a:noAutofit/>
           </a:bodyPr>
           <a:p>
-            <a:pPr indent="0">
+            <a:pPr indent="0" algn="ctr">
               <a:buNone/>
             </a:pPr>
-            <a:endParaRPr b="0" lang="en-US" sz="1400" spc="-1" strike="noStrike">
-              <a:solidFill>
-                <a:srgbClr val="000000"/>
+            <a:endParaRPr b="0" lang="en-US" sz="4400" spc="-1" strike="noStrike">
+              <a:solidFill>
+                <a:srgbClr val="ffffff"/>
               </a:solidFill>
               <a:latin typeface="Arial"/>
             </a:endParaRPr>
@@ -1097,7 +1199,7 @@
       </p:sp>
       <p:sp>
         <p:nvSpPr>
-          <p:cNvPr id="22" name="PlaceHolder 2"/>
+          <p:cNvPr id="20" name="PlaceHolder 2"/>
           <p:cNvSpPr>
             <a:spLocks noGrp="1"/>
           </p:cNvSpPr>
@@ -1108,7 +1210,7 @@
         <p:spPr>
           <a:xfrm>
             <a:off x="311760" y="1152360"/>
-            <a:ext cx="4157640" cy="3416040"/>
+            <a:ext cx="4157280" cy="3415680"/>
           </a:xfrm>
           <a:prstGeom prst="rect">
             <a:avLst/>
@@ -1129,9 +1231,9 @@
               </a:spcBef>
               <a:buNone/>
             </a:pPr>
-            <a:endParaRPr b="0" lang="en-US" sz="1400" spc="-1" strike="noStrike">
-              <a:solidFill>
-                <a:srgbClr val="000000"/>
+            <a:endParaRPr b="0" lang="en-US" sz="3200" spc="-1" strike="noStrike">
+              <a:solidFill>
+                <a:srgbClr val="ffffff"/>
               </a:solidFill>
               <a:latin typeface="Arial"/>
             </a:endParaRPr>
@@ -1140,7 +1242,7 @@
       </p:sp>
       <p:sp>
         <p:nvSpPr>
-          <p:cNvPr id="23" name="PlaceHolder 3"/>
+          <p:cNvPr id="21" name="PlaceHolder 3"/>
           <p:cNvSpPr>
             <a:spLocks noGrp="1"/>
           </p:cNvSpPr>
@@ -1150,8 +1252,8 @@
         </p:nvSpPr>
         <p:spPr>
           <a:xfrm>
-            <a:off x="4677840" y="1152360"/>
-            <a:ext cx="4157640" cy="3416040"/>
+            <a:off x="4677120" y="1152360"/>
+            <a:ext cx="4157280" cy="3415680"/>
           </a:xfrm>
           <a:prstGeom prst="rect">
             <a:avLst/>
@@ -1172,9 +1274,9 @@
               </a:spcBef>
               <a:buNone/>
             </a:pPr>
-            <a:endParaRPr b="0" lang="en-US" sz="1400" spc="-1" strike="noStrike">
-              <a:solidFill>
-                <a:srgbClr val="000000"/>
+            <a:endParaRPr b="0" lang="en-US" sz="3200" spc="-1" strike="noStrike">
+              <a:solidFill>
+                <a:srgbClr val="ffffff"/>
               </a:solidFill>
               <a:latin typeface="Arial"/>
             </a:endParaRPr>
@@ -1195,7 +1297,7 @@
         <p:txBody>
           <a:bodyPr/>
           <a:p>
-            <a:fld id="{05DC977F-6442-43A7-912F-019B908731D1}" type="slidenum">
+            <a:fld id="{468737E7-A333-43E9-9BF5-935E1F0CF4AE}" type="slidenum">
               <a:t>&lt;#&gt;</a:t>
             </a:fld>
           </a:p>
@@ -1225,7 +1327,7 @@
       </p:grpSpPr>
       <p:sp>
         <p:nvSpPr>
-          <p:cNvPr id="26" name="PlaceHolder 1"/>
+          <p:cNvPr id="24" name="PlaceHolder 1"/>
           <p:cNvSpPr>
             <a:spLocks noGrp="1"/>
           </p:cNvSpPr>
@@ -1235,8 +1337,8 @@
         </p:nvSpPr>
         <p:spPr>
           <a:xfrm>
-            <a:off x="311760" y="444960"/>
-            <a:ext cx="8520120" cy="572400"/>
+            <a:off x="311760" y="418320"/>
+            <a:ext cx="8519760" cy="625320"/>
           </a:xfrm>
           <a:prstGeom prst="rect">
             <a:avLst/>
@@ -1251,12 +1353,12 @@
             <a:noAutofit/>
           </a:bodyPr>
           <a:p>
-            <a:pPr indent="0">
+            <a:pPr indent="0" algn="ctr">
               <a:buNone/>
             </a:pPr>
-            <a:endParaRPr b="0" lang="en-US" sz="1400" spc="-1" strike="noStrike">
-              <a:solidFill>
-                <a:srgbClr val="000000"/>
+            <a:endParaRPr b="0" lang="en-US" sz="4400" spc="-1" strike="noStrike">
+              <a:solidFill>
+                <a:srgbClr val="ffffff"/>
               </a:solidFill>
               <a:latin typeface="Arial"/>
             </a:endParaRPr>
@@ -1277,7 +1379,7 @@
         <p:txBody>
           <a:bodyPr/>
           <a:p>
-            <a:fld id="{70ABEDE9-6472-431A-AD34-59E0579E9958}" type="slidenum">
+            <a:fld id="{ED6AAB80-6E65-4206-A676-6A39F20C8B82}" type="slidenum">
               <a:t>&lt;#&gt;</a:t>
             </a:fld>
           </a:p>
@@ -1319,7 +1421,7 @@
         <p:txBody>
           <a:bodyPr/>
           <a:p>
-            <a:fld id="{9FAA0A23-04C9-4465-9203-CE1363B475C1}" type="slidenum">
+            <a:fld id="{62BCD3BA-55AB-4BA1-93CF-B0CA70C09BBF}" type="slidenum">
               <a:t>&lt;#&gt;</a:t>
             </a:fld>
           </a:p>
@@ -1361,7 +1463,7 @@
         <p:txBody>
           <a:bodyPr/>
           <a:p>
-            <a:fld id="{7FD879E5-B373-4B20-9B43-B4944F4005FD}" type="slidenum">
+            <a:fld id="{196B0816-1BEB-4116-A0F3-45AF76C24EB0}" type="slidenum">
               <a:t>&lt;#&gt;</a:t>
             </a:fld>
           </a:p>
@@ -1408,8 +1510,8 @@
         </p:nvSpPr>
         <p:spPr>
           <a:xfrm>
-            <a:off x="311760" y="744480"/>
-            <a:ext cx="8520120" cy="2052360"/>
+            <a:off x="311760" y="444960"/>
+            <a:ext cx="8519760" cy="572040"/>
           </a:xfrm>
           <a:prstGeom prst="rect">
             <a:avLst/>
@@ -1420,25 +1522,25 @@
           </a:ln>
         </p:spPr>
         <p:txBody>
-          <a:bodyPr lIns="91440" rIns="91440" tIns="91440" bIns="91440" anchor="b">
-            <a:normAutofit/>
+          <a:bodyPr lIns="0" rIns="0" tIns="0" bIns="0" anchor="ctr">
+            <a:noAutofit/>
           </a:bodyPr>
           <a:p>
             <a:pPr indent="0">
               <a:buNone/>
             </a:pPr>
             <a:r>
-              <a:rPr b="0" lang="en-US" sz="5200" spc="-1" strike="noStrike">
-                <a:solidFill>
-                  <a:srgbClr val="000000"/>
+              <a:rPr b="0" lang="en-US" sz="1800" spc="-1" strike="noStrike">
+                <a:solidFill>
+                  <a:srgbClr val="ffffff"/>
                 </a:solidFill>
                 <a:latin typeface="Arial"/>
               </a:rPr>
               <a:t>Click to edit the title text format</a:t>
             </a:r>
-            <a:endParaRPr b="0" lang="en-US" sz="5200" spc="-1" strike="noStrike">
-              <a:solidFill>
-                <a:srgbClr val="000000"/>
+            <a:endParaRPr b="0" lang="en-US" sz="1800" spc="-1" strike="noStrike">
+              <a:solidFill>
+                <a:srgbClr val="ffffff"/>
               </a:solidFill>
               <a:latin typeface="Arial"/>
             </a:endParaRPr>
@@ -1458,7 +1560,7 @@
         <p:spPr>
           <a:xfrm>
             <a:off x="8472600" y="4663080"/>
-            <a:ext cx="548280" cy="393120"/>
+            <a:ext cx="547920" cy="392760"/>
           </a:xfrm>
           <a:prstGeom prst="rect">
             <a:avLst/>
@@ -1470,7 +1572,7 @@
         </p:spPr>
         <p:txBody>
           <a:bodyPr lIns="91440" rIns="91440" tIns="91440" bIns="91440" anchor="ctr">
-            <a:normAutofit/>
+            <a:noAutofit/>
           </a:bodyPr>
           <a:lstStyle>
             <a:lvl1pPr indent="0" algn="r">
@@ -1500,7 +1602,7 @@
                 <a:tab algn="l" pos="0"/>
               </a:tabLst>
             </a:pPr>
-            <a:fld id="{2AFAC62B-1792-43E7-B0A9-03DAA47EEE2F}" type="slidenum">
+            <a:fld id="{AC511417-30BC-44EB-8194-9B4B5F5A6AE4}" type="slidenum">
               <a:rPr b="0" lang="en" sz="1000" spc="-1" strike="noStrike">
                 <a:solidFill>
                   <a:schemeClr val="lt2"/>
@@ -1559,17 +1661,26 @@
               <a:buChar char=""/>
             </a:pPr>
             <a:r>
-              <a:rPr b="0" lang="en-US" sz="1400" spc="-1" strike="noStrike">
-                <a:solidFill>
-                  <a:srgbClr val="000000"/>
-                </a:solidFill>
-                <a:latin typeface="Arial"/>
-              </a:rPr>
-              <a:t>Click to edit the outline text format</a:t>
-            </a:r>
-            <a:endParaRPr b="0" lang="en-US" sz="1400" spc="-1" strike="noStrike">
-              <a:solidFill>
-                <a:srgbClr val="000000"/>
+              <a:rPr b="0" lang="en-US" sz="3200" spc="-1" strike="noStrike">
+                <a:solidFill>
+                  <a:srgbClr val="ffffff"/>
+                </a:solidFill>
+                <a:latin typeface="Arial"/>
+              </a:rPr>
+              <a:t>Click to edit the </a:t>
+            </a:r>
+            <a:r>
+              <a:rPr b="0" lang="en-US" sz="3200" spc="-1" strike="noStrike">
+                <a:solidFill>
+                  <a:srgbClr val="ffffff"/>
+                </a:solidFill>
+                <a:latin typeface="Arial"/>
+              </a:rPr>
+              <a:t>outline text format</a:t>
+            </a:r>
+            <a:endParaRPr b="0" lang="en-US" sz="3200" spc="-1" strike="noStrike">
+              <a:solidFill>
+                <a:srgbClr val="ffffff"/>
               </a:solidFill>
               <a:latin typeface="Arial"/>
             </a:endParaRPr>
@@ -1587,17 +1698,17 @@
               <a:buChar char=""/>
             </a:pPr>
             <a:r>
-              <a:rPr b="0" lang="en-US" sz="1400" spc="-1" strike="noStrike">
-                <a:solidFill>
-                  <a:srgbClr val="000000"/>
+              <a:rPr b="0" lang="en-US" sz="2800" spc="-1" strike="noStrike">
+                <a:solidFill>
+                  <a:srgbClr val="ffffff"/>
                 </a:solidFill>
                 <a:latin typeface="Arial"/>
               </a:rPr>
               <a:t>Second Outline Level</a:t>
             </a:r>
-            <a:endParaRPr b="0" lang="en-US" sz="1400" spc="-1" strike="noStrike">
-              <a:solidFill>
-                <a:srgbClr val="000000"/>
+            <a:endParaRPr b="0" lang="en-US" sz="2800" spc="-1" strike="noStrike">
+              <a:solidFill>
+                <a:srgbClr val="ffffff"/>
               </a:solidFill>
               <a:latin typeface="Arial"/>
             </a:endParaRPr>
@@ -1615,17 +1726,17 @@
               <a:buChar char=""/>
             </a:pPr>
             <a:r>
-              <a:rPr b="0" lang="en-US" sz="1400" spc="-1" strike="noStrike">
-                <a:solidFill>
-                  <a:srgbClr val="000000"/>
+              <a:rPr b="0" lang="en-US" sz="2400" spc="-1" strike="noStrike">
+                <a:solidFill>
+                  <a:srgbClr val="ffffff"/>
                 </a:solidFill>
                 <a:latin typeface="Arial"/>
               </a:rPr>
               <a:t>Third Outline Level</a:t>
             </a:r>
-            <a:endParaRPr b="0" lang="en-US" sz="1400" spc="-1" strike="noStrike">
-              <a:solidFill>
-                <a:srgbClr val="000000"/>
+            <a:endParaRPr b="0" lang="en-US" sz="2400" spc="-1" strike="noStrike">
+              <a:solidFill>
+                <a:srgbClr val="ffffff"/>
               </a:solidFill>
               <a:latin typeface="Arial"/>
             </a:endParaRPr>
@@ -1643,17 +1754,17 @@
               <a:buChar char=""/>
             </a:pPr>
             <a:r>
-              <a:rPr b="0" lang="en-US" sz="1400" spc="-1" strike="noStrike">
-                <a:solidFill>
-                  <a:srgbClr val="000000"/>
+              <a:rPr b="0" lang="en-US" sz="2000" spc="-1" strike="noStrike">
+                <a:solidFill>
+                  <a:srgbClr val="ffffff"/>
                 </a:solidFill>
                 <a:latin typeface="Arial"/>
               </a:rPr>
               <a:t>Fourth Outline Level</a:t>
             </a:r>
-            <a:endParaRPr b="0" lang="en-US" sz="1400" spc="-1" strike="noStrike">
-              <a:solidFill>
-                <a:srgbClr val="000000"/>
+            <a:endParaRPr b="0" lang="en-US" sz="2000" spc="-1" strike="noStrike">
+              <a:solidFill>
+                <a:srgbClr val="ffffff"/>
               </a:solidFill>
               <a:latin typeface="Arial"/>
             </a:endParaRPr>
@@ -1673,24 +1784,15 @@
             <a:r>
               <a:rPr b="0" lang="en-US" sz="2000" spc="-1" strike="noStrike">
                 <a:solidFill>
-                  <a:srgbClr val="000000"/>
-                </a:solidFill>
-                <a:latin typeface="Arial"/>
-              </a:rPr>
-              <a:t>Fifth Outline </a:t>
-            </a:r>
-            <a:r>
-              <a:rPr b="0" lang="en-US" sz="2000" spc="-1" strike="noStrike">
-                <a:solidFill>
-                  <a:srgbClr val="000000"/>
-                </a:solidFill>
-                <a:latin typeface="Arial"/>
-              </a:rPr>
-              <a:t>Level</a:t>
+                  <a:srgbClr val="ffffff"/>
+                </a:solidFill>
+                <a:latin typeface="Arial"/>
+              </a:rPr>
+              <a:t>Fifth Outline Level</a:t>
             </a:r>
             <a:endParaRPr b="0" lang="en-US" sz="2000" spc="-1" strike="noStrike">
               <a:solidFill>
-                <a:srgbClr val="000000"/>
+                <a:srgbClr val="ffffff"/>
               </a:solidFill>
               <a:latin typeface="Arial"/>
             </a:endParaRPr>
@@ -1710,7 +1812,7 @@
             <a:r>
               <a:rPr b="0" lang="en-US" sz="2000" spc="-1" strike="noStrike">
                 <a:solidFill>
-                  <a:srgbClr val="000000"/>
+                  <a:srgbClr val="ffffff"/>
                 </a:solidFill>
                 <a:latin typeface="Arial"/>
               </a:rPr>
@@ -1719,7 +1821,7 @@
             <a:r>
               <a:rPr b="0" lang="en-US" sz="2000" spc="-1" strike="noStrike">
                 <a:solidFill>
-                  <a:srgbClr val="000000"/>
+                  <a:srgbClr val="ffffff"/>
                 </a:solidFill>
                 <a:latin typeface="Arial"/>
               </a:rPr>
@@ -1727,7 +1829,7 @@
             </a:r>
             <a:endParaRPr b="0" lang="en-US" sz="2000" spc="-1" strike="noStrike">
               <a:solidFill>
-                <a:srgbClr val="000000"/>
+                <a:srgbClr val="ffffff"/>
               </a:solidFill>
               <a:latin typeface="Arial"/>
             </a:endParaRPr>
@@ -1747,7 +1849,7 @@
             <a:r>
               <a:rPr b="0" lang="en-US" sz="2000" spc="-1" strike="noStrike">
                 <a:solidFill>
-                  <a:srgbClr val="000000"/>
+                  <a:srgbClr val="ffffff"/>
                 </a:solidFill>
                 <a:latin typeface="Arial"/>
               </a:rPr>
@@ -1756,24 +1858,15 @@
             <a:r>
               <a:rPr b="0" lang="en-US" sz="2000" spc="-1" strike="noStrike">
                 <a:solidFill>
-                  <a:srgbClr val="000000"/>
-                </a:solidFill>
-                <a:latin typeface="Arial"/>
-              </a:rPr>
-              <a:t>Outline </a:t>
-            </a:r>
-            <a:r>
-              <a:rPr b="0" lang="en-US" sz="2000" spc="-1" strike="noStrike">
-                <a:solidFill>
-                  <a:srgbClr val="000000"/>
-                </a:solidFill>
-                <a:latin typeface="Arial"/>
-              </a:rPr>
-              <a:t>Level</a:t>
+                  <a:srgbClr val="ffffff"/>
+                </a:solidFill>
+                <a:latin typeface="Arial"/>
+              </a:rPr>
+              <a:t>Outline Level</a:t>
             </a:r>
             <a:endParaRPr b="0" lang="en-US" sz="2000" spc="-1" strike="noStrike">
               <a:solidFill>
-                <a:srgbClr val="000000"/>
+                <a:srgbClr val="ffffff"/>
               </a:solidFill>
               <a:latin typeface="Arial"/>
             </a:endParaRPr>
@@ -1815,14 +1908,14 @@
       </p:grpSpPr>
       <p:sp>
         <p:nvSpPr>
-          <p:cNvPr id="32" name="Google Shape;36;p9"/>
+          <p:cNvPr id="27" name="Google Shape;36;p9"/>
           <p:cNvSpPr/>
           <p:nvPr/>
         </p:nvSpPr>
         <p:spPr>
           <a:xfrm>
             <a:off x="4572000" y="0"/>
-            <a:ext cx="4571640" cy="5143320"/>
+            <a:ext cx="4571280" cy="5142960"/>
           </a:xfrm>
           <a:prstGeom prst="rect">
             <a:avLst/>
@@ -1841,7 +1934,7 @@
           <a:fontRef idx="minor"/>
         </p:style>
         <p:txBody>
-          <a:bodyPr tIns="91440" bIns="91440" anchor="ctr">
+          <a:bodyPr lIns="90000" rIns="90000" tIns="91440" bIns="91440" anchor="ctr">
             <a:noAutofit/>
           </a:bodyPr>
           <a:p>
@@ -1864,67 +1957,18 @@
       </p:sp>
       <p:sp>
         <p:nvSpPr>
-          <p:cNvPr id="33" name="PlaceHolder 1"/>
+          <p:cNvPr id="28" name="PlaceHolder 1"/>
           <p:cNvSpPr>
             <a:spLocks noGrp="1"/>
           </p:cNvSpPr>
           <p:nvPr>
-            <p:ph type="title"/>
+            <p:ph type="sldNum" idx="10"/>
           </p:nvPr>
         </p:nvSpPr>
         <p:spPr>
           <a:xfrm>
-            <a:off x="265680" y="1233000"/>
-            <a:ext cx="4044960" cy="1482120"/>
-          </a:xfrm>
-          <a:prstGeom prst="rect">
-            <a:avLst/>
-          </a:prstGeom>
-          <a:noFill/>
-          <a:ln w="0">
-            <a:noFill/>
-          </a:ln>
-        </p:spPr>
-        <p:txBody>
-          <a:bodyPr lIns="91440" rIns="91440" tIns="91440" bIns="91440" anchor="b">
-            <a:normAutofit/>
-          </a:bodyPr>
-          <a:p>
-            <a:pPr indent="0">
-              <a:buNone/>
-            </a:pPr>
-            <a:r>
-              <a:rPr b="0" lang="en-US" sz="4200" spc="-1" strike="noStrike">
-                <a:solidFill>
-                  <a:srgbClr val="000000"/>
-                </a:solidFill>
-                <a:latin typeface="Arial"/>
-              </a:rPr>
-              <a:t>Click to edit the title text format</a:t>
-            </a:r>
-            <a:endParaRPr b="0" lang="en-US" sz="4200" spc="-1" strike="noStrike">
-              <a:solidFill>
-                <a:srgbClr val="000000"/>
-              </a:solidFill>
-              <a:latin typeface="Arial"/>
-            </a:endParaRPr>
-          </a:p>
-        </p:txBody>
-      </p:sp>
-      <p:sp>
-        <p:nvSpPr>
-          <p:cNvPr id="34" name="PlaceHolder 2"/>
-          <p:cNvSpPr>
-            <a:spLocks noGrp="1"/>
-          </p:cNvSpPr>
-          <p:nvPr>
-            <p:ph type="body"/>
-          </p:nvPr>
-        </p:nvSpPr>
-        <p:spPr>
-          <a:xfrm>
-            <a:off x="4939560" y="724320"/>
-            <a:ext cx="3836520" cy="3694680"/>
+            <a:off x="8472600" y="4663080"/>
+            <a:ext cx="547920" cy="392760"/>
           </a:xfrm>
           <a:prstGeom prst="rect">
             <a:avLst/>
@@ -1936,232 +1980,7 @@
         </p:spPr>
         <p:txBody>
           <a:bodyPr lIns="91440" rIns="91440" tIns="91440" bIns="91440" anchor="ctr">
-            <a:normAutofit fontScale="87222" lnSpcReduction="10000"/>
-          </a:bodyPr>
-          <a:p>
-            <a:pPr marL="432000" indent="-324000">
-              <a:spcBef>
-                <a:spcPts val="1417"/>
-              </a:spcBef>
-              <a:buClr>
-                <a:srgbClr val="ffffff"/>
-              </a:buClr>
-              <a:buSzPct val="45000"/>
-              <a:buFont typeface="Wingdings" charset="2"/>
-              <a:buChar char=""/>
-            </a:pPr>
-            <a:r>
-              <a:rPr b="0" lang="en-US" sz="1800" spc="-1" strike="noStrike">
-                <a:solidFill>
-                  <a:srgbClr val="000000"/>
-                </a:solidFill>
-                <a:latin typeface="Arial"/>
-              </a:rPr>
-              <a:t>Click to edit the outline text format</a:t>
-            </a:r>
-            <a:endParaRPr b="0" lang="en-US" sz="1800" spc="-1" strike="noStrike">
-              <a:solidFill>
-                <a:srgbClr val="000000"/>
-              </a:solidFill>
-              <a:latin typeface="Arial"/>
-            </a:endParaRPr>
-          </a:p>
-          <a:p>
-            <a:pPr lvl="1" marL="864000" indent="-324000">
-              <a:spcBef>
-                <a:spcPts val="1134"/>
-              </a:spcBef>
-              <a:buClr>
-                <a:srgbClr val="ffffff"/>
-              </a:buClr>
-              <a:buSzPct val="75000"/>
-              <a:buFont typeface="Symbol" charset="2"/>
-              <a:buChar char=""/>
-            </a:pPr>
-            <a:r>
-              <a:rPr b="0" lang="en-US" sz="1800" spc="-1" strike="noStrike">
-                <a:solidFill>
-                  <a:srgbClr val="000000"/>
-                </a:solidFill>
-                <a:latin typeface="Arial"/>
-              </a:rPr>
-              <a:t>Second Outline Level</a:t>
-            </a:r>
-            <a:endParaRPr b="0" lang="en-US" sz="1800" spc="-1" strike="noStrike">
-              <a:solidFill>
-                <a:srgbClr val="000000"/>
-              </a:solidFill>
-              <a:latin typeface="Arial"/>
-            </a:endParaRPr>
-          </a:p>
-          <a:p>
-            <a:pPr lvl="2" marL="1296000" indent="-288000">
-              <a:spcBef>
-                <a:spcPts val="850"/>
-              </a:spcBef>
-              <a:buClr>
-                <a:srgbClr val="ffffff"/>
-              </a:buClr>
-              <a:buSzPct val="45000"/>
-              <a:buFont typeface="Wingdings" charset="2"/>
-              <a:buChar char=""/>
-            </a:pPr>
-            <a:r>
-              <a:rPr b="0" lang="en-US" sz="1800" spc="-1" strike="noStrike">
-                <a:solidFill>
-                  <a:srgbClr val="000000"/>
-                </a:solidFill>
-                <a:latin typeface="Arial"/>
-              </a:rPr>
-              <a:t>Third Outline Level</a:t>
-            </a:r>
-            <a:endParaRPr b="0" lang="en-US" sz="1800" spc="-1" strike="noStrike">
-              <a:solidFill>
-                <a:srgbClr val="000000"/>
-              </a:solidFill>
-              <a:latin typeface="Arial"/>
-            </a:endParaRPr>
-          </a:p>
-          <a:p>
-            <a:pPr lvl="3" marL="1728000" indent="-216000">
-              <a:spcBef>
-                <a:spcPts val="567"/>
-              </a:spcBef>
-              <a:buClr>
-                <a:srgbClr val="ffffff"/>
-              </a:buClr>
-              <a:buSzPct val="75000"/>
-              <a:buFont typeface="Symbol" charset="2"/>
-              <a:buChar char=""/>
-            </a:pPr>
-            <a:r>
-              <a:rPr b="0" lang="en-US" sz="1800" spc="-1" strike="noStrike">
-                <a:solidFill>
-                  <a:srgbClr val="000000"/>
-                </a:solidFill>
-                <a:latin typeface="Arial"/>
-              </a:rPr>
-              <a:t>Fourth Outline Level</a:t>
-            </a:r>
-            <a:endParaRPr b="0" lang="en-US" sz="1800" spc="-1" strike="noStrike">
-              <a:solidFill>
-                <a:srgbClr val="000000"/>
-              </a:solidFill>
-              <a:latin typeface="Arial"/>
-            </a:endParaRPr>
-          </a:p>
-          <a:p>
-            <a:pPr lvl="4" marL="2160000" indent="-216000">
-              <a:spcBef>
-                <a:spcPts val="283"/>
-              </a:spcBef>
-              <a:buClr>
-                <a:srgbClr val="ffffff"/>
-              </a:buClr>
-              <a:buSzPct val="45000"/>
-              <a:buFont typeface="Wingdings" charset="2"/>
-              <a:buChar char=""/>
-            </a:pPr>
-            <a:r>
-              <a:rPr b="0" lang="en-US" sz="1800" spc="-1" strike="noStrike">
-                <a:solidFill>
-                  <a:srgbClr val="000000"/>
-                </a:solidFill>
-                <a:latin typeface="Arial"/>
-              </a:rPr>
-              <a:t>Fifth Outline Level</a:t>
-            </a:r>
-            <a:endParaRPr b="0" lang="en-US" sz="1800" spc="-1" strike="noStrike">
-              <a:solidFill>
-                <a:srgbClr val="000000"/>
-              </a:solidFill>
-              <a:latin typeface="Arial"/>
-            </a:endParaRPr>
-          </a:p>
-          <a:p>
-            <a:pPr lvl="5" marL="2592000" indent="-216000">
-              <a:spcBef>
-                <a:spcPts val="283"/>
-              </a:spcBef>
-              <a:buClr>
-                <a:srgbClr val="ffffff"/>
-              </a:buClr>
-              <a:buSzPct val="45000"/>
-              <a:buFont typeface="Wingdings" charset="2"/>
-              <a:buChar char=""/>
-            </a:pPr>
-            <a:r>
-              <a:rPr b="0" lang="en-US" sz="1800" spc="-1" strike="noStrike">
-                <a:solidFill>
-                  <a:srgbClr val="000000"/>
-                </a:solidFill>
-                <a:latin typeface="Arial"/>
-              </a:rPr>
-              <a:t>Sixth Outline Level</a:t>
-            </a:r>
-            <a:endParaRPr b="0" lang="en-US" sz="1800" spc="-1" strike="noStrike">
-              <a:solidFill>
-                <a:srgbClr val="000000"/>
-              </a:solidFill>
-              <a:latin typeface="Arial"/>
-            </a:endParaRPr>
-          </a:p>
-          <a:p>
-            <a:pPr lvl="6" marL="3024000" indent="-216000">
-              <a:spcBef>
-                <a:spcPts val="283"/>
-              </a:spcBef>
-              <a:buClr>
-                <a:srgbClr val="ffffff"/>
-              </a:buClr>
-              <a:buSzPct val="45000"/>
-              <a:buFont typeface="Wingdings" charset="2"/>
-              <a:buChar char=""/>
-            </a:pPr>
-            <a:r>
-              <a:rPr b="0" lang="en-US" sz="1800" spc="-1" strike="noStrike">
-                <a:solidFill>
-                  <a:srgbClr val="000000"/>
-                </a:solidFill>
-                <a:latin typeface="Arial"/>
-              </a:rPr>
-              <a:t>Seventh Outline Level</a:t>
-            </a:r>
-            <a:endParaRPr b="0" lang="en-US" sz="1800" spc="-1" strike="noStrike">
-              <a:solidFill>
-                <a:srgbClr val="000000"/>
-              </a:solidFill>
-              <a:latin typeface="Arial"/>
-            </a:endParaRPr>
-          </a:p>
-        </p:txBody>
-      </p:sp>
-      <p:sp>
-        <p:nvSpPr>
-          <p:cNvPr id="35" name="PlaceHolder 3"/>
-          <p:cNvSpPr>
-            <a:spLocks noGrp="1"/>
-          </p:cNvSpPr>
-          <p:nvPr>
-            <p:ph type="sldNum" idx="10"/>
-          </p:nvPr>
-        </p:nvSpPr>
-        <p:spPr>
-          <a:xfrm>
-            <a:off x="8472600" y="4663080"/>
-            <a:ext cx="548280" cy="393120"/>
-          </a:xfrm>
-          <a:prstGeom prst="rect">
-            <a:avLst/>
-          </a:prstGeom>
-          <a:noFill/>
-          <a:ln w="0">
-            <a:noFill/>
-          </a:ln>
-        </p:spPr>
-        <p:txBody>
-          <a:bodyPr lIns="91440" rIns="91440" tIns="91440" bIns="91440" anchor="ctr">
-            <a:normAutofit/>
+            <a:noAutofit/>
           </a:bodyPr>
           <a:lstStyle>
             <a:lvl1pPr indent="0" algn="r">
@@ -2191,7 +2010,7 @@
                 <a:tab algn="l" pos="0"/>
               </a:tabLst>
             </a:pPr>
-            <a:fld id="{486B6C1A-D744-4F08-8260-B5DA6B1FE5F0}" type="slidenum">
+            <a:fld id="{9EB5E42D-243C-49DE-88E6-E9E84955BFD8}" type="slidenum">
               <a:rPr b="0" lang="en" sz="1000" spc="-1" strike="noStrike">
                 <a:solidFill>
                   <a:schemeClr val="lt2"/>
@@ -2245,18 +2064,18 @@
       </p:grpSpPr>
       <p:sp>
         <p:nvSpPr>
-          <p:cNvPr id="36" name="PlaceHolder 1"/>
+          <p:cNvPr id="29" name="PlaceHolder 1"/>
           <p:cNvSpPr>
             <a:spLocks noGrp="1"/>
           </p:cNvSpPr>
           <p:nvPr>
-            <p:ph type="body"/>
+            <p:ph type="sldNum" idx="11"/>
           </p:nvPr>
         </p:nvSpPr>
         <p:spPr>
           <a:xfrm>
-            <a:off x="311760" y="4230720"/>
-            <a:ext cx="5998320" cy="604800"/>
+            <a:off x="8472600" y="4663080"/>
+            <a:ext cx="547920" cy="392760"/>
           </a:xfrm>
           <a:prstGeom prst="rect">
             <a:avLst/>
@@ -2268,232 +2087,7 @@
         </p:spPr>
         <p:txBody>
           <a:bodyPr lIns="91440" rIns="91440" tIns="91440" bIns="91440" anchor="ctr">
-            <a:normAutofit fontScale="1111"/>
-          </a:bodyPr>
-          <a:p>
-            <a:pPr marL="432000" indent="-324000">
-              <a:spcBef>
-                <a:spcPts val="1417"/>
-              </a:spcBef>
-              <a:buClr>
-                <a:srgbClr val="ffffff"/>
-              </a:buClr>
-              <a:buSzPct val="45000"/>
-              <a:buFont typeface="Wingdings" charset="2"/>
-              <a:buChar char=""/>
-            </a:pPr>
-            <a:r>
-              <a:rPr b="0" lang="en-US" sz="1800" spc="-1" strike="noStrike">
-                <a:solidFill>
-                  <a:srgbClr val="000000"/>
-                </a:solidFill>
-                <a:latin typeface="Arial"/>
-              </a:rPr>
-              <a:t>Click to edit the outline text format</a:t>
-            </a:r>
-            <a:endParaRPr b="0" lang="en-US" sz="1800" spc="-1" strike="noStrike">
-              <a:solidFill>
-                <a:srgbClr val="000000"/>
-              </a:solidFill>
-              <a:latin typeface="Arial"/>
-            </a:endParaRPr>
-          </a:p>
-          <a:p>
-            <a:pPr lvl="1" marL="864000" indent="-324000">
-              <a:spcBef>
-                <a:spcPts val="1134"/>
-              </a:spcBef>
-              <a:buClr>
-                <a:srgbClr val="ffffff"/>
-              </a:buClr>
-              <a:buSzPct val="75000"/>
-              <a:buFont typeface="Symbol" charset="2"/>
-              <a:buChar char=""/>
-            </a:pPr>
-            <a:r>
-              <a:rPr b="0" lang="en-US" sz="1800" spc="-1" strike="noStrike">
-                <a:solidFill>
-                  <a:srgbClr val="000000"/>
-                </a:solidFill>
-                <a:latin typeface="Arial"/>
-              </a:rPr>
-              <a:t>Second Outline Level</a:t>
-            </a:r>
-            <a:endParaRPr b="0" lang="en-US" sz="1800" spc="-1" strike="noStrike">
-              <a:solidFill>
-                <a:srgbClr val="000000"/>
-              </a:solidFill>
-              <a:latin typeface="Arial"/>
-            </a:endParaRPr>
-          </a:p>
-          <a:p>
-            <a:pPr lvl="2" marL="1296000" indent="-288000">
-              <a:spcBef>
-                <a:spcPts val="850"/>
-              </a:spcBef>
-              <a:buClr>
-                <a:srgbClr val="ffffff"/>
-              </a:buClr>
-              <a:buSzPct val="45000"/>
-              <a:buFont typeface="Wingdings" charset="2"/>
-              <a:buChar char=""/>
-            </a:pPr>
-            <a:r>
-              <a:rPr b="0" lang="en-US" sz="1800" spc="-1" strike="noStrike">
-                <a:solidFill>
-                  <a:srgbClr val="000000"/>
-                </a:solidFill>
-                <a:latin typeface="Arial"/>
-              </a:rPr>
-              <a:t>Third Outline Level</a:t>
-            </a:r>
-            <a:endParaRPr b="0" lang="en-US" sz="1800" spc="-1" strike="noStrike">
-              <a:solidFill>
-                <a:srgbClr val="000000"/>
-              </a:solidFill>
-              <a:latin typeface="Arial"/>
-            </a:endParaRPr>
-          </a:p>
-          <a:p>
-            <a:pPr lvl="3" marL="1728000" indent="-216000">
-              <a:spcBef>
-                <a:spcPts val="567"/>
-              </a:spcBef>
-              <a:buClr>
-                <a:srgbClr val="ffffff"/>
-              </a:buClr>
-              <a:buSzPct val="75000"/>
-              <a:buFont typeface="Symbol" charset="2"/>
-              <a:buChar char=""/>
-            </a:pPr>
-            <a:r>
-              <a:rPr b="0" lang="en-US" sz="1800" spc="-1" strike="noStrike">
-                <a:solidFill>
-                  <a:srgbClr val="000000"/>
-                </a:solidFill>
-                <a:latin typeface="Arial"/>
-              </a:rPr>
-              <a:t>Fourth Outline Level</a:t>
-            </a:r>
-            <a:endParaRPr b="0" lang="en-US" sz="1800" spc="-1" strike="noStrike">
-              <a:solidFill>
-                <a:srgbClr val="000000"/>
-              </a:solidFill>
-              <a:latin typeface="Arial"/>
-            </a:endParaRPr>
-          </a:p>
-          <a:p>
-            <a:pPr lvl="4" marL="2160000" indent="-216000">
-              <a:spcBef>
-                <a:spcPts val="283"/>
-              </a:spcBef>
-              <a:buClr>
-                <a:srgbClr val="ffffff"/>
-              </a:buClr>
-              <a:buSzPct val="45000"/>
-              <a:buFont typeface="Wingdings" charset="2"/>
-              <a:buChar char=""/>
-            </a:pPr>
-            <a:r>
-              <a:rPr b="0" lang="en-US" sz="1800" spc="-1" strike="noStrike">
-                <a:solidFill>
-                  <a:srgbClr val="000000"/>
-                </a:solidFill>
-                <a:latin typeface="Arial"/>
-              </a:rPr>
-              <a:t>Fifth Outline Level</a:t>
-            </a:r>
-            <a:endParaRPr b="0" lang="en-US" sz="1800" spc="-1" strike="noStrike">
-              <a:solidFill>
-                <a:srgbClr val="000000"/>
-              </a:solidFill>
-              <a:latin typeface="Arial"/>
-            </a:endParaRPr>
-          </a:p>
-          <a:p>
-            <a:pPr lvl="5" marL="2592000" indent="-216000">
-              <a:spcBef>
-                <a:spcPts val="283"/>
-              </a:spcBef>
-              <a:buClr>
-                <a:srgbClr val="ffffff"/>
-              </a:buClr>
-              <a:buSzPct val="45000"/>
-              <a:buFont typeface="Wingdings" charset="2"/>
-              <a:buChar char=""/>
-            </a:pPr>
-            <a:r>
-              <a:rPr b="0" lang="en-US" sz="1800" spc="-1" strike="noStrike">
-                <a:solidFill>
-                  <a:srgbClr val="000000"/>
-                </a:solidFill>
-                <a:latin typeface="Arial"/>
-              </a:rPr>
-              <a:t>Sixth Outline Level</a:t>
-            </a:r>
-            <a:endParaRPr b="0" lang="en-US" sz="1800" spc="-1" strike="noStrike">
-              <a:solidFill>
-                <a:srgbClr val="000000"/>
-              </a:solidFill>
-              <a:latin typeface="Arial"/>
-            </a:endParaRPr>
-          </a:p>
-          <a:p>
-            <a:pPr lvl="6" marL="3024000" indent="-216000">
-              <a:spcBef>
-                <a:spcPts val="283"/>
-              </a:spcBef>
-              <a:buClr>
-                <a:srgbClr val="ffffff"/>
-              </a:buClr>
-              <a:buSzPct val="45000"/>
-              <a:buFont typeface="Wingdings" charset="2"/>
-              <a:buChar char=""/>
-            </a:pPr>
-            <a:r>
-              <a:rPr b="0" lang="en-US" sz="1800" spc="-1" strike="noStrike">
-                <a:solidFill>
-                  <a:srgbClr val="000000"/>
-                </a:solidFill>
-                <a:latin typeface="Arial"/>
-              </a:rPr>
-              <a:t>Seventh Outline Level</a:t>
-            </a:r>
-            <a:endParaRPr b="0" lang="en-US" sz="1800" spc="-1" strike="noStrike">
-              <a:solidFill>
-                <a:srgbClr val="000000"/>
-              </a:solidFill>
-              <a:latin typeface="Arial"/>
-            </a:endParaRPr>
-          </a:p>
-        </p:txBody>
-      </p:sp>
-      <p:sp>
-        <p:nvSpPr>
-          <p:cNvPr id="37" name="PlaceHolder 2"/>
-          <p:cNvSpPr>
-            <a:spLocks noGrp="1"/>
-          </p:cNvSpPr>
-          <p:nvPr>
-            <p:ph type="sldNum" idx="11"/>
-          </p:nvPr>
-        </p:nvSpPr>
-        <p:spPr>
-          <a:xfrm>
-            <a:off x="8472600" y="4663080"/>
-            <a:ext cx="548280" cy="393120"/>
-          </a:xfrm>
-          <a:prstGeom prst="rect">
-            <a:avLst/>
-          </a:prstGeom>
-          <a:noFill/>
-          <a:ln w="0">
-            <a:noFill/>
-          </a:ln>
-        </p:spPr>
-        <p:txBody>
-          <a:bodyPr lIns="91440" rIns="91440" tIns="91440" bIns="91440" anchor="ctr">
-            <a:normAutofit/>
+            <a:noAutofit/>
           </a:bodyPr>
           <a:lstStyle>
             <a:lvl1pPr indent="0" algn="r">
@@ -2523,7 +2117,7 @@
                 <a:tab algn="l" pos="0"/>
               </a:tabLst>
             </a:pPr>
-            <a:fld id="{7F7B198E-6F4F-4E4E-9A59-7D31C2EDB22A}" type="slidenum">
+            <a:fld id="{1F3E5D5A-33C6-44FE-9D6E-5CDF1D507F7B}" type="slidenum">
               <a:rPr b="0" lang="en" sz="1000" spc="-1" strike="noStrike">
                 <a:solidFill>
                   <a:schemeClr val="lt2"/>
@@ -2582,291 +2176,13 @@
             <a:spLocks noGrp="1"/>
           </p:cNvSpPr>
           <p:nvPr>
-            <p:ph type="title"/>
-          </p:nvPr>
-        </p:nvSpPr>
-        <p:spPr>
-          <a:xfrm>
-            <a:off x="311760" y="1106280"/>
-            <a:ext cx="8520120" cy="1963080"/>
-          </a:xfrm>
-          <a:prstGeom prst="rect">
-            <a:avLst/>
-          </a:prstGeom>
-          <a:noFill/>
-          <a:ln w="0">
-            <a:noFill/>
-          </a:ln>
-        </p:spPr>
-        <p:txBody>
-          <a:bodyPr lIns="91440" rIns="91440" tIns="91440" bIns="91440" anchor="b">
-            <a:normAutofit fontScale="98341"/>
-          </a:bodyPr>
-          <a:p>
-            <a:pPr indent="0" algn="ctr">
-              <a:lnSpc>
-                <a:spcPct val="100000"/>
-              </a:lnSpc>
-              <a:buNone/>
-            </a:pPr>
-            <a:r>
-              <a:rPr b="0" lang="en-US" sz="12000" spc="-1" strike="noStrike">
-                <a:solidFill>
-                  <a:schemeClr val="dk1"/>
-                </a:solidFill>
-                <a:latin typeface="Arial"/>
-                <a:ea typeface="Arial"/>
-              </a:rPr>
-              <a:t>xx%</a:t>
-            </a:r>
-            <a:endParaRPr b="0" lang="en-US" sz="12000" spc="-1" strike="noStrike">
-              <a:solidFill>
-                <a:srgbClr val="000000"/>
-              </a:solidFill>
-              <a:latin typeface="Arial"/>
-            </a:endParaRPr>
-          </a:p>
-        </p:txBody>
-      </p:sp>
-      <p:sp>
-        <p:nvSpPr>
-          <p:cNvPr id="6" name="PlaceHolder 2"/>
-          <p:cNvSpPr>
-            <a:spLocks noGrp="1"/>
-          </p:cNvSpPr>
-          <p:nvPr>
-            <p:ph type="body"/>
-          </p:nvPr>
-        </p:nvSpPr>
-        <p:spPr>
-          <a:xfrm>
-            <a:off x="311760" y="3152160"/>
-            <a:ext cx="8520120" cy="1300320"/>
-          </a:xfrm>
-          <a:prstGeom prst="rect">
-            <a:avLst/>
-          </a:prstGeom>
-          <a:noFill/>
-          <a:ln w="0">
-            <a:noFill/>
-          </a:ln>
-        </p:spPr>
-        <p:txBody>
-          <a:bodyPr lIns="91440" rIns="91440" tIns="91440" bIns="91440" anchor="t">
-            <a:normAutofit fontScale="50000" lnSpcReduction="20000"/>
-          </a:bodyPr>
-          <a:p>
-            <a:pPr marL="432000" indent="-324000">
-              <a:spcBef>
-                <a:spcPts val="1417"/>
-              </a:spcBef>
-              <a:buClr>
-                <a:srgbClr val="ffffff"/>
-              </a:buClr>
-              <a:buSzPct val="45000"/>
-              <a:buFont typeface="Wingdings" charset="2"/>
-              <a:buChar char=""/>
-            </a:pPr>
-            <a:r>
-              <a:rPr b="0" lang="en-US" sz="1800" spc="-1" strike="noStrike">
-                <a:solidFill>
-                  <a:srgbClr val="000000"/>
-                </a:solidFill>
-                <a:latin typeface="Arial"/>
-              </a:rPr>
-              <a:t>Click to edit the outline text format</a:t>
-            </a:r>
-            <a:endParaRPr b="0" lang="en-US" sz="1800" spc="-1" strike="noStrike">
-              <a:solidFill>
-                <a:srgbClr val="000000"/>
-              </a:solidFill>
-              <a:latin typeface="Arial"/>
-            </a:endParaRPr>
-          </a:p>
-          <a:p>
-            <a:pPr lvl="1" marL="864000" indent="-324000">
-              <a:spcBef>
-                <a:spcPts val="1134"/>
-              </a:spcBef>
-              <a:buClr>
-                <a:srgbClr val="ffffff"/>
-              </a:buClr>
-              <a:buSzPct val="75000"/>
-              <a:buFont typeface="Symbol" charset="2"/>
-              <a:buChar char=""/>
-            </a:pPr>
-            <a:r>
-              <a:rPr b="0" lang="en-US" sz="1800" spc="-1" strike="noStrike">
-                <a:solidFill>
-                  <a:srgbClr val="000000"/>
-                </a:solidFill>
-                <a:latin typeface="Arial"/>
-              </a:rPr>
-              <a:t>Second Outline Level</a:t>
-            </a:r>
-            <a:endParaRPr b="0" lang="en-US" sz="1800" spc="-1" strike="noStrike">
-              <a:solidFill>
-                <a:srgbClr val="000000"/>
-              </a:solidFill>
-              <a:latin typeface="Arial"/>
-            </a:endParaRPr>
-          </a:p>
-          <a:p>
-            <a:pPr lvl="2" marL="1296000" indent="-288000">
-              <a:spcBef>
-                <a:spcPts val="850"/>
-              </a:spcBef>
-              <a:buClr>
-                <a:srgbClr val="ffffff"/>
-              </a:buClr>
-              <a:buSzPct val="45000"/>
-              <a:buFont typeface="Wingdings" charset="2"/>
-              <a:buChar char=""/>
-            </a:pPr>
-            <a:r>
-              <a:rPr b="0" lang="en-US" sz="1800" spc="-1" strike="noStrike">
-                <a:solidFill>
-                  <a:srgbClr val="000000"/>
-                </a:solidFill>
-                <a:latin typeface="Arial"/>
-              </a:rPr>
-              <a:t>Third Outline Level</a:t>
-            </a:r>
-            <a:endParaRPr b="0" lang="en-US" sz="1800" spc="-1" strike="noStrike">
-              <a:solidFill>
-                <a:srgbClr val="000000"/>
-              </a:solidFill>
-              <a:latin typeface="Arial"/>
-            </a:endParaRPr>
-          </a:p>
-          <a:p>
-            <a:pPr lvl="3" marL="1728000" indent="-216000">
-              <a:spcBef>
-                <a:spcPts val="567"/>
-              </a:spcBef>
-              <a:buClr>
-                <a:srgbClr val="ffffff"/>
-              </a:buClr>
-              <a:buSzPct val="75000"/>
-              <a:buFont typeface="Symbol" charset="2"/>
-              <a:buChar char=""/>
-            </a:pPr>
-            <a:r>
-              <a:rPr b="0" lang="en-US" sz="1800" spc="-1" strike="noStrike">
-                <a:solidFill>
-                  <a:srgbClr val="000000"/>
-                </a:solidFill>
-                <a:latin typeface="Arial"/>
-              </a:rPr>
-              <a:t>Fourth Outline Level</a:t>
-            </a:r>
-            <a:endParaRPr b="0" lang="en-US" sz="1800" spc="-1" strike="noStrike">
-              <a:solidFill>
-                <a:srgbClr val="000000"/>
-              </a:solidFill>
-              <a:latin typeface="Arial"/>
-            </a:endParaRPr>
-          </a:p>
-          <a:p>
-            <a:pPr lvl="4" marL="2160000" indent="-216000">
-              <a:spcBef>
-                <a:spcPts val="283"/>
-              </a:spcBef>
-              <a:buClr>
-                <a:srgbClr val="ffffff"/>
-              </a:buClr>
-              <a:buSzPct val="45000"/>
-              <a:buFont typeface="Wingdings" charset="2"/>
-              <a:buChar char=""/>
-            </a:pPr>
-            <a:r>
-              <a:rPr b="0" lang="en-US" sz="1800" spc="-1" strike="noStrike">
-                <a:solidFill>
-                  <a:srgbClr val="000000"/>
-                </a:solidFill>
-                <a:latin typeface="Arial"/>
-              </a:rPr>
-              <a:t>Fifth Outline Level</a:t>
-            </a:r>
-            <a:endParaRPr b="0" lang="en-US" sz="1800" spc="-1" strike="noStrike">
-              <a:solidFill>
-                <a:srgbClr val="000000"/>
-              </a:solidFill>
-              <a:latin typeface="Arial"/>
-            </a:endParaRPr>
-          </a:p>
-          <a:p>
-            <a:pPr lvl="5" marL="2592000" indent="-216000">
-              <a:spcBef>
-                <a:spcPts val="283"/>
-              </a:spcBef>
-              <a:buClr>
-                <a:srgbClr val="ffffff"/>
-              </a:buClr>
-              <a:buSzPct val="45000"/>
-              <a:buFont typeface="Wingdings" charset="2"/>
-              <a:buChar char=""/>
-            </a:pPr>
-            <a:r>
-              <a:rPr b="0" lang="en-US" sz="1800" spc="-1" strike="noStrike">
-                <a:solidFill>
-                  <a:srgbClr val="000000"/>
-                </a:solidFill>
-                <a:latin typeface="Arial"/>
-              </a:rPr>
-              <a:t>Sixth Outline Level</a:t>
-            </a:r>
-            <a:endParaRPr b="0" lang="en-US" sz="1800" spc="-1" strike="noStrike">
-              <a:solidFill>
-                <a:srgbClr val="000000"/>
-              </a:solidFill>
-              <a:latin typeface="Arial"/>
-            </a:endParaRPr>
-          </a:p>
-          <a:p>
-            <a:pPr lvl="6" marL="3024000" indent="-216000">
-              <a:spcBef>
-                <a:spcPts val="283"/>
-              </a:spcBef>
-              <a:buClr>
-                <a:srgbClr val="ffffff"/>
-              </a:buClr>
-              <a:buSzPct val="45000"/>
-              <a:buFont typeface="Wingdings" charset="2"/>
-              <a:buChar char=""/>
-            </a:pPr>
-            <a:r>
-              <a:rPr b="0" lang="en-US" sz="1800" spc="-1" strike="noStrike">
-                <a:solidFill>
-                  <a:srgbClr val="000000"/>
-                </a:solidFill>
-                <a:latin typeface="Arial"/>
-              </a:rPr>
-              <a:t>Seventh Outline Level</a:t>
-            </a:r>
-            <a:endParaRPr b="0" lang="en-US" sz="1800" spc="-1" strike="noStrike">
-              <a:solidFill>
-                <a:srgbClr val="000000"/>
-              </a:solidFill>
-              <a:latin typeface="Arial"/>
-            </a:endParaRPr>
-          </a:p>
-        </p:txBody>
-      </p:sp>
-      <p:sp>
-        <p:nvSpPr>
-          <p:cNvPr id="7" name="PlaceHolder 3"/>
-          <p:cNvSpPr>
-            <a:spLocks noGrp="1"/>
-          </p:cNvSpPr>
-          <p:nvPr>
             <p:ph type="sldNum" idx="2"/>
           </p:nvPr>
         </p:nvSpPr>
         <p:spPr>
           <a:xfrm>
             <a:off x="8472600" y="4663080"/>
-            <a:ext cx="548280" cy="393120"/>
+            <a:ext cx="547920" cy="392760"/>
           </a:xfrm>
           <a:prstGeom prst="rect">
             <a:avLst/>
@@ -2878,7 +2194,7 @@
         </p:spPr>
         <p:txBody>
           <a:bodyPr lIns="91440" rIns="91440" tIns="91440" bIns="91440" anchor="ctr">
-            <a:normAutofit/>
+            <a:noAutofit/>
           </a:bodyPr>
           <a:lstStyle>
             <a:lvl1pPr indent="0" algn="r">
@@ -2908,7 +2224,7 @@
                 <a:tab algn="l" pos="0"/>
               </a:tabLst>
             </a:pPr>
-            <a:fld id="{7152319F-B8B2-4EE1-A740-8A63B150AB1C}" type="slidenum">
+            <a:fld id="{88F8666E-6B84-4791-AD00-232D3962252C}" type="slidenum">
               <a:rPr b="0" lang="en" sz="1000" spc="-1" strike="noStrike">
                 <a:solidFill>
                   <a:schemeClr val="lt2"/>
@@ -2962,7 +2278,7 @@
       </p:grpSpPr>
       <p:sp>
         <p:nvSpPr>
-          <p:cNvPr id="8" name="PlaceHolder 1"/>
+          <p:cNvPr id="6" name="PlaceHolder 1"/>
           <p:cNvSpPr>
             <a:spLocks noGrp="1"/>
           </p:cNvSpPr>
@@ -2973,7 +2289,7 @@
         <p:spPr>
           <a:xfrm>
             <a:off x="8472600" y="4663080"/>
-            <a:ext cx="548280" cy="393120"/>
+            <a:ext cx="547920" cy="392760"/>
           </a:xfrm>
           <a:prstGeom prst="rect">
             <a:avLst/>
@@ -2985,7 +2301,7 @@
         </p:spPr>
         <p:txBody>
           <a:bodyPr lIns="91440" rIns="91440" tIns="91440" bIns="91440" anchor="ctr">
-            <a:normAutofit/>
+            <a:noAutofit/>
           </a:bodyPr>
           <a:lstStyle>
             <a:lvl1pPr indent="0" algn="r">
@@ -3015,7 +2331,7 @@
                 <a:tab algn="l" pos="0"/>
               </a:tabLst>
             </a:pPr>
-            <a:fld id="{39366246-7FE4-434D-BD1C-C1E466EAA50A}" type="slidenum">
+            <a:fld id="{400E4634-BACB-4E43-BE39-6B33A210974A}" type="slidenum">
               <a:rPr b="0" lang="en" sz="1000" spc="-1" strike="noStrike">
                 <a:solidFill>
                   <a:schemeClr val="lt2"/>
@@ -3069,18 +2385,18 @@
       </p:grpSpPr>
       <p:sp>
         <p:nvSpPr>
-          <p:cNvPr id="9" name="PlaceHolder 1"/>
+          <p:cNvPr id="7" name="PlaceHolder 1"/>
           <p:cNvSpPr>
             <a:spLocks noGrp="1"/>
           </p:cNvSpPr>
           <p:nvPr>
-            <p:ph type="title"/>
+            <p:ph type="sldNum" idx="4"/>
           </p:nvPr>
         </p:nvSpPr>
         <p:spPr>
           <a:xfrm>
-            <a:off x="311760" y="2151000"/>
-            <a:ext cx="8520120" cy="841320"/>
+            <a:off x="8472600" y="4663080"/>
+            <a:ext cx="547920" cy="392760"/>
           </a:xfrm>
           <a:prstGeom prst="rect">
             <a:avLst/>
@@ -3092,56 +2408,7 @@
         </p:spPr>
         <p:txBody>
           <a:bodyPr lIns="91440" rIns="91440" tIns="91440" bIns="91440" anchor="ctr">
-            <a:normAutofit/>
-          </a:bodyPr>
-          <a:p>
-            <a:pPr indent="0">
-              <a:buNone/>
-            </a:pPr>
-            <a:r>
-              <a:rPr b="0" lang="en-US" sz="3600" spc="-1" strike="noStrike">
-                <a:solidFill>
-                  <a:srgbClr val="000000"/>
-                </a:solidFill>
-                <a:latin typeface="Arial"/>
-              </a:rPr>
-              <a:t>Click to edit the title text format</a:t>
-            </a:r>
-            <a:endParaRPr b="0" lang="en-US" sz="3600" spc="-1" strike="noStrike">
-              <a:solidFill>
-                <a:srgbClr val="000000"/>
-              </a:solidFill>
-              <a:latin typeface="Arial"/>
-            </a:endParaRPr>
-          </a:p>
-        </p:txBody>
-      </p:sp>
-      <p:sp>
-        <p:nvSpPr>
-          <p:cNvPr id="10" name="PlaceHolder 2"/>
-          <p:cNvSpPr>
-            <a:spLocks noGrp="1"/>
-          </p:cNvSpPr>
-          <p:nvPr>
-            <p:ph type="sldNum" idx="4"/>
-          </p:nvPr>
-        </p:nvSpPr>
-        <p:spPr>
-          <a:xfrm>
-            <a:off x="8472600" y="4663080"/>
-            <a:ext cx="548280" cy="393120"/>
-          </a:xfrm>
-          <a:prstGeom prst="rect">
-            <a:avLst/>
-          </a:prstGeom>
-          <a:noFill/>
-          <a:ln w="0">
-            <a:noFill/>
-          </a:ln>
-        </p:spPr>
-        <p:txBody>
-          <a:bodyPr lIns="91440" rIns="91440" tIns="91440" bIns="91440" anchor="ctr">
-            <a:normAutofit/>
+            <a:noAutofit/>
           </a:bodyPr>
           <a:lstStyle>
             <a:lvl1pPr indent="0" algn="r">
@@ -3171,7 +2438,7 @@
                 <a:tab algn="l" pos="0"/>
               </a:tabLst>
             </a:pPr>
-            <a:fld id="{40311ACE-3C31-47B3-B22B-37F70393C240}" type="slidenum">
+            <a:fld id="{B1338344-459B-403A-98C1-3C912E870411}" type="slidenum">
               <a:rPr b="0" lang="en" sz="1000" spc="-1" strike="noStrike">
                 <a:solidFill>
                   <a:schemeClr val="lt2"/>
@@ -3192,7 +2459,56 @@
       </p:sp>
       <p:sp>
         <p:nvSpPr>
-          <p:cNvPr id="11" name="PlaceHolder 3"/>
+          <p:cNvPr id="8" name="PlaceHolder 2"/>
+          <p:cNvSpPr>
+            <a:spLocks noGrp="1"/>
+          </p:cNvSpPr>
+          <p:nvPr>
+            <p:ph type="title"/>
+          </p:nvPr>
+        </p:nvSpPr>
+        <p:spPr>
+          <a:xfrm>
+            <a:off x="457200" y="205200"/>
+            <a:ext cx="8229240" cy="858600"/>
+          </a:xfrm>
+          <a:prstGeom prst="rect">
+            <a:avLst/>
+          </a:prstGeom>
+          <a:noFill/>
+          <a:ln w="0">
+            <a:noFill/>
+          </a:ln>
+        </p:spPr>
+        <p:txBody>
+          <a:bodyPr lIns="0" rIns="0" tIns="0" bIns="0" anchor="ctr">
+            <a:noAutofit/>
+          </a:bodyPr>
+          <a:p>
+            <a:pPr indent="0" algn="ctr">
+              <a:buNone/>
+            </a:pPr>
+            <a:r>
+              <a:rPr b="0" lang="en-US" sz="4400" spc="-1" strike="noStrike">
+                <a:solidFill>
+                  <a:srgbClr val="ffffff"/>
+                </a:solidFill>
+                <a:latin typeface="Arial"/>
+              </a:rPr>
+              <a:t>Click to edit the title text format</a:t>
+            </a:r>
+            <a:endParaRPr b="0" lang="en-US" sz="4400" spc="-1" strike="noStrike">
+              <a:solidFill>
+                <a:srgbClr val="ffffff"/>
+              </a:solidFill>
+              <a:latin typeface="Arial"/>
+            </a:endParaRPr>
+          </a:p>
+        </p:txBody>
+      </p:sp>
+      <p:sp>
+        <p:nvSpPr>
+          <p:cNvPr id="9" name="PlaceHolder 3"/>
           <p:cNvSpPr>
             <a:spLocks noGrp="1"/>
           </p:cNvSpPr>
@@ -3230,17 +2546,26 @@
               <a:buChar char=""/>
             </a:pPr>
             <a:r>
-              <a:rPr b="0" lang="en-US" sz="1400" spc="-1" strike="noStrike">
-                <a:solidFill>
-                  <a:srgbClr val="000000"/>
-                </a:solidFill>
-                <a:latin typeface="Arial"/>
-              </a:rPr>
-              <a:t>Click to edit the outline text format</a:t>
-            </a:r>
-            <a:endParaRPr b="0" lang="en-US" sz="1400" spc="-1" strike="noStrike">
-              <a:solidFill>
-                <a:srgbClr val="000000"/>
+              <a:rPr b="0" lang="en-US" sz="3200" spc="-1" strike="noStrike">
+                <a:solidFill>
+                  <a:srgbClr val="ffffff"/>
+                </a:solidFill>
+                <a:latin typeface="Arial"/>
+              </a:rPr>
+              <a:t>Click to edit the </a:t>
+            </a:r>
+            <a:r>
+              <a:rPr b="0" lang="en-US" sz="3200" spc="-1" strike="noStrike">
+                <a:solidFill>
+                  <a:srgbClr val="ffffff"/>
+                </a:solidFill>
+                <a:latin typeface="Arial"/>
+              </a:rPr>
+              <a:t>outline text format</a:t>
+            </a:r>
+            <a:endParaRPr b="0" lang="en-US" sz="3200" spc="-1" strike="noStrike">
+              <a:solidFill>
+                <a:srgbClr val="ffffff"/>
               </a:solidFill>
               <a:latin typeface="Arial"/>
             </a:endParaRPr>
@@ -3258,17 +2583,26 @@
               <a:buChar char=""/>
             </a:pPr>
             <a:r>
-              <a:rPr b="0" lang="en-US" sz="1400" spc="-1" strike="noStrike">
-                <a:solidFill>
-                  <a:srgbClr val="000000"/>
-                </a:solidFill>
-                <a:latin typeface="Arial"/>
-              </a:rPr>
-              <a:t>Second Outline Level</a:t>
-            </a:r>
-            <a:endParaRPr b="0" lang="en-US" sz="1400" spc="-1" strike="noStrike">
-              <a:solidFill>
-                <a:srgbClr val="000000"/>
+              <a:rPr b="0" lang="en-US" sz="2800" spc="-1" strike="noStrike">
+                <a:solidFill>
+                  <a:srgbClr val="ffffff"/>
+                </a:solidFill>
+                <a:latin typeface="Arial"/>
+              </a:rPr>
+              <a:t>Second Outline </a:t>
+            </a:r>
+            <a:r>
+              <a:rPr b="0" lang="en-US" sz="2800" spc="-1" strike="noStrike">
+                <a:solidFill>
+                  <a:srgbClr val="ffffff"/>
+                </a:solidFill>
+                <a:latin typeface="Arial"/>
+              </a:rPr>
+              <a:t>Level</a:t>
+            </a:r>
+            <a:endParaRPr b="0" lang="en-US" sz="2800" spc="-1" strike="noStrike">
+              <a:solidFill>
+                <a:srgbClr val="ffffff"/>
               </a:solidFill>
               <a:latin typeface="Arial"/>
             </a:endParaRPr>
@@ -3286,17 +2620,17 @@
               <a:buChar char=""/>
             </a:pPr>
             <a:r>
-              <a:rPr b="0" lang="en-US" sz="1400" spc="-1" strike="noStrike">
-                <a:solidFill>
-                  <a:srgbClr val="000000"/>
+              <a:rPr b="0" lang="en-US" sz="2400" spc="-1" strike="noStrike">
+                <a:solidFill>
+                  <a:srgbClr val="ffffff"/>
                 </a:solidFill>
                 <a:latin typeface="Arial"/>
               </a:rPr>
               <a:t>Third Outline Level</a:t>
             </a:r>
-            <a:endParaRPr b="0" lang="en-US" sz="1400" spc="-1" strike="noStrike">
-              <a:solidFill>
-                <a:srgbClr val="000000"/>
+            <a:endParaRPr b="0" lang="en-US" sz="2400" spc="-1" strike="noStrike">
+              <a:solidFill>
+                <a:srgbClr val="ffffff"/>
               </a:solidFill>
               <a:latin typeface="Arial"/>
             </a:endParaRPr>
@@ -3314,17 +2648,17 @@
               <a:buChar char=""/>
             </a:pPr>
             <a:r>
-              <a:rPr b="0" lang="en-US" sz="1400" spc="-1" strike="noStrike">
-                <a:solidFill>
-                  <a:srgbClr val="000000"/>
+              <a:rPr b="0" lang="en-US" sz="2000" spc="-1" strike="noStrike">
+                <a:solidFill>
+                  <a:srgbClr val="ffffff"/>
                 </a:solidFill>
                 <a:latin typeface="Arial"/>
               </a:rPr>
               <a:t>Fourth Outline Level</a:t>
             </a:r>
-            <a:endParaRPr b="0" lang="en-US" sz="1400" spc="-1" strike="noStrike">
-              <a:solidFill>
-                <a:srgbClr val="000000"/>
+            <a:endParaRPr b="0" lang="en-US" sz="2000" spc="-1" strike="noStrike">
+              <a:solidFill>
+                <a:srgbClr val="ffffff"/>
               </a:solidFill>
               <a:latin typeface="Arial"/>
             </a:endParaRPr>
@@ -3344,15 +2678,24 @@
             <a:r>
               <a:rPr b="0" lang="en-US" sz="2000" spc="-1" strike="noStrike">
                 <a:solidFill>
-                  <a:srgbClr val="000000"/>
-                </a:solidFill>
-                <a:latin typeface="Arial"/>
-              </a:rPr>
-              <a:t>Fifth Outline Level</a:t>
+                  <a:srgbClr val="ffffff"/>
+                </a:solidFill>
+                <a:latin typeface="Arial"/>
+              </a:rPr>
+              <a:t>Fifth Outline </a:t>
+            </a:r>
+            <a:r>
+              <a:rPr b="0" lang="en-US" sz="2000" spc="-1" strike="noStrike">
+                <a:solidFill>
+                  <a:srgbClr val="ffffff"/>
+                </a:solidFill>
+                <a:latin typeface="Arial"/>
+              </a:rPr>
+              <a:t>Level</a:t>
             </a:r>
             <a:endParaRPr b="0" lang="en-US" sz="2000" spc="-1" strike="noStrike">
               <a:solidFill>
-                <a:srgbClr val="000000"/>
+                <a:srgbClr val="ffffff"/>
               </a:solidFill>
               <a:latin typeface="Arial"/>
             </a:endParaRPr>
@@ -3372,15 +2715,24 @@
             <a:r>
               <a:rPr b="0" lang="en-US" sz="2000" spc="-1" strike="noStrike">
                 <a:solidFill>
-                  <a:srgbClr val="000000"/>
-                </a:solidFill>
-                <a:latin typeface="Arial"/>
-              </a:rPr>
-              <a:t>Sixth Outline Level</a:t>
+                  <a:srgbClr val="ffffff"/>
+                </a:solidFill>
+                <a:latin typeface="Arial"/>
+              </a:rPr>
+              <a:t>Sixth Outline </a:t>
+            </a:r>
+            <a:r>
+              <a:rPr b="0" lang="en-US" sz="2000" spc="-1" strike="noStrike">
+                <a:solidFill>
+                  <a:srgbClr val="ffffff"/>
+                </a:solidFill>
+                <a:latin typeface="Arial"/>
+              </a:rPr>
+              <a:t>Level</a:t>
             </a:r>
             <a:endParaRPr b="0" lang="en-US" sz="2000" spc="-1" strike="noStrike">
               <a:solidFill>
-                <a:srgbClr val="000000"/>
+                <a:srgbClr val="ffffff"/>
               </a:solidFill>
               <a:latin typeface="Arial"/>
             </a:endParaRPr>
@@ -3400,15 +2752,33 @@
             <a:r>
               <a:rPr b="0" lang="en-US" sz="2000" spc="-1" strike="noStrike">
                 <a:solidFill>
-                  <a:srgbClr val="000000"/>
-                </a:solidFill>
-                <a:latin typeface="Arial"/>
-              </a:rPr>
-              <a:t>Seventh Outline Level</a:t>
+                  <a:srgbClr val="ffffff"/>
+                </a:solidFill>
+                <a:latin typeface="Arial"/>
+              </a:rPr>
+              <a:t>Seventh </a:t>
+            </a:r>
+            <a:r>
+              <a:rPr b="0" lang="en-US" sz="2000" spc="-1" strike="noStrike">
+                <a:solidFill>
+                  <a:srgbClr val="ffffff"/>
+                </a:solidFill>
+                <a:latin typeface="Arial"/>
+              </a:rPr>
+              <a:t>Outline </a:t>
+            </a:r>
+            <a:r>
+              <a:rPr b="0" lang="en-US" sz="2000" spc="-1" strike="noStrike">
+                <a:solidFill>
+                  <a:srgbClr val="ffffff"/>
+                </a:solidFill>
+                <a:latin typeface="Arial"/>
+              </a:rPr>
+              <a:t>Level</a:t>
             </a:r>
             <a:endParaRPr b="0" lang="en-US" sz="2000" spc="-1" strike="noStrike">
               <a:solidFill>
-                <a:srgbClr val="000000"/>
+                <a:srgbClr val="ffffff"/>
               </a:solidFill>
               <a:latin typeface="Arial"/>
             </a:endParaRPr>
@@ -3450,7 +2820,7 @@
       </p:grpSpPr>
       <p:sp>
         <p:nvSpPr>
-          <p:cNvPr id="12" name="PlaceHolder 1"/>
+          <p:cNvPr id="10" name="PlaceHolder 1"/>
           <p:cNvSpPr>
             <a:spLocks noGrp="1"/>
           </p:cNvSpPr>
@@ -3461,7 +2831,7 @@
         <p:spPr>
           <a:xfrm>
             <a:off x="311760" y="444960"/>
-            <a:ext cx="8520120" cy="572400"/>
+            <a:ext cx="8519760" cy="572040"/>
           </a:xfrm>
           <a:prstGeom prst="rect">
             <a:avLst/>
@@ -3472,25 +2842,25 @@
           </a:ln>
         </p:spPr>
         <p:txBody>
-          <a:bodyPr lIns="91440" rIns="91440" tIns="91440" bIns="91440" anchor="t">
-            <a:normAutofit fontScale="93550"/>
+          <a:bodyPr lIns="0" rIns="0" tIns="0" bIns="0" anchor="ctr">
+            <a:noAutofit/>
           </a:bodyPr>
           <a:p>
             <a:pPr indent="0">
               <a:buNone/>
             </a:pPr>
             <a:r>
-              <a:rPr b="0" lang="en-US" sz="2800" spc="-1" strike="noStrike">
-                <a:solidFill>
-                  <a:srgbClr val="000000"/>
+              <a:rPr b="0" lang="en-US" sz="1800" spc="-1" strike="noStrike">
+                <a:solidFill>
+                  <a:srgbClr val="ffffff"/>
                 </a:solidFill>
                 <a:latin typeface="Arial"/>
               </a:rPr>
               <a:t>Click to edit the title text format</a:t>
             </a:r>
-            <a:endParaRPr b="0" lang="en-US" sz="2800" spc="-1" strike="noStrike">
-              <a:solidFill>
-                <a:srgbClr val="000000"/>
+            <a:endParaRPr b="0" lang="en-US" sz="1800" spc="-1" strike="noStrike">
+              <a:solidFill>
+                <a:srgbClr val="ffffff"/>
               </a:solidFill>
               <a:latin typeface="Arial"/>
             </a:endParaRPr>
@@ -3499,7 +2869,7 @@
       </p:sp>
       <p:sp>
         <p:nvSpPr>
-          <p:cNvPr id="13" name="PlaceHolder 2"/>
+          <p:cNvPr id="11" name="PlaceHolder 2"/>
           <p:cNvSpPr>
             <a:spLocks noGrp="1"/>
           </p:cNvSpPr>
@@ -3510,7 +2880,7 @@
         <p:spPr>
           <a:xfrm>
             <a:off x="311760" y="1152360"/>
-            <a:ext cx="8520120" cy="3416040"/>
+            <a:ext cx="8519760" cy="3415680"/>
           </a:xfrm>
           <a:prstGeom prst="rect">
             <a:avLst/>
@@ -3521,7 +2891,7 @@
           </a:ln>
         </p:spPr>
         <p:txBody>
-          <a:bodyPr lIns="91440" rIns="91440" tIns="91440" bIns="91440" anchor="t">
+          <a:bodyPr lIns="0" rIns="0" tIns="0" bIns="0" anchor="t">
             <a:normAutofit/>
           </a:bodyPr>
           <a:p>
@@ -3539,7 +2909,7 @@
             <a:r>
               <a:rPr b="0" lang="en-US" sz="1800" spc="-1" strike="noStrike">
                 <a:solidFill>
-                  <a:srgbClr val="000000"/>
+                  <a:srgbClr val="ffffff"/>
                 </a:solidFill>
                 <a:latin typeface="Arial"/>
               </a:rPr>
@@ -3547,7 +2917,7 @@
             </a:r>
             <a:endParaRPr b="0" lang="en-US" sz="1800" spc="-1" strike="noStrike">
               <a:solidFill>
-                <a:srgbClr val="000000"/>
+                <a:srgbClr val="ffffff"/>
               </a:solidFill>
               <a:latin typeface="Arial"/>
             </a:endParaRPr>
@@ -3567,7 +2937,7 @@
             <a:r>
               <a:rPr b="0" lang="en-US" sz="1800" spc="-1" strike="noStrike">
                 <a:solidFill>
-                  <a:srgbClr val="000000"/>
+                  <a:srgbClr val="ffffff"/>
                 </a:solidFill>
                 <a:latin typeface="Arial"/>
               </a:rPr>
@@ -3575,7 +2945,7 @@
             </a:r>
             <a:endParaRPr b="0" lang="en-US" sz="1800" spc="-1" strike="noStrike">
               <a:solidFill>
-                <a:srgbClr val="000000"/>
+                <a:srgbClr val="ffffff"/>
               </a:solidFill>
               <a:latin typeface="Arial"/>
             </a:endParaRPr>
@@ -3595,7 +2965,7 @@
             <a:r>
               <a:rPr b="0" lang="en-US" sz="1800" spc="-1" strike="noStrike">
                 <a:solidFill>
-                  <a:srgbClr val="000000"/>
+                  <a:srgbClr val="ffffff"/>
                 </a:solidFill>
                 <a:latin typeface="Arial"/>
               </a:rPr>
@@ -3603,7 +2973,7 @@
             </a:r>
             <a:endParaRPr b="0" lang="en-US" sz="1800" spc="-1" strike="noStrike">
               <a:solidFill>
-                <a:srgbClr val="000000"/>
+                <a:srgbClr val="ffffff"/>
               </a:solidFill>
               <a:latin typeface="Arial"/>
             </a:endParaRPr>
@@ -3623,7 +2993,7 @@
             <a:r>
               <a:rPr b="0" lang="en-US" sz="1800" spc="-1" strike="noStrike">
                 <a:solidFill>
-                  <a:srgbClr val="000000"/>
+                  <a:srgbClr val="ffffff"/>
                 </a:solidFill>
                 <a:latin typeface="Arial"/>
               </a:rPr>
@@ -3631,7 +3001,7 @@
             </a:r>
             <a:endParaRPr b="0" lang="en-US" sz="1800" spc="-1" strike="noStrike">
               <a:solidFill>
-                <a:srgbClr val="000000"/>
+                <a:srgbClr val="ffffff"/>
               </a:solidFill>
               <a:latin typeface="Arial"/>
             </a:endParaRPr>
@@ -3651,7 +3021,7 @@
             <a:r>
               <a:rPr b="0" lang="en-US" sz="1800" spc="-1" strike="noStrike">
                 <a:solidFill>
-                  <a:srgbClr val="000000"/>
+                  <a:srgbClr val="ffffff"/>
                 </a:solidFill>
                 <a:latin typeface="Arial"/>
               </a:rPr>
@@ -3659,7 +3029,7 @@
             </a:r>
             <a:endParaRPr b="0" lang="en-US" sz="1800" spc="-1" strike="noStrike">
               <a:solidFill>
-                <a:srgbClr val="000000"/>
+                <a:srgbClr val="ffffff"/>
               </a:solidFill>
               <a:latin typeface="Arial"/>
             </a:endParaRPr>
@@ -3679,7 +3049,7 @@
             <a:r>
               <a:rPr b="0" lang="en-US" sz="1800" spc="-1" strike="noStrike">
                 <a:solidFill>
-                  <a:srgbClr val="000000"/>
+                  <a:srgbClr val="ffffff"/>
                 </a:solidFill>
                 <a:latin typeface="Arial"/>
               </a:rPr>
@@ -3687,7 +3057,7 @@
             </a:r>
             <a:endParaRPr b="0" lang="en-US" sz="1800" spc="-1" strike="noStrike">
               <a:solidFill>
-                <a:srgbClr val="000000"/>
+                <a:srgbClr val="ffffff"/>
               </a:solidFill>
               <a:latin typeface="Arial"/>
             </a:endParaRPr>
@@ -3707,7 +3077,7 @@
             <a:r>
               <a:rPr b="0" lang="en-US" sz="1800" spc="-1" strike="noStrike">
                 <a:solidFill>
-                  <a:srgbClr val="000000"/>
+                  <a:srgbClr val="ffffff"/>
                 </a:solidFill>
                 <a:latin typeface="Arial"/>
               </a:rPr>
@@ -3715,7 +3085,7 @@
             </a:r>
             <a:endParaRPr b="0" lang="en-US" sz="1800" spc="-1" strike="noStrike">
               <a:solidFill>
-                <a:srgbClr val="000000"/>
+                <a:srgbClr val="ffffff"/>
               </a:solidFill>
               <a:latin typeface="Arial"/>
             </a:endParaRPr>
@@ -3724,7 +3094,7 @@
       </p:sp>
       <p:sp>
         <p:nvSpPr>
-          <p:cNvPr id="14" name="PlaceHolder 3"/>
+          <p:cNvPr id="12" name="PlaceHolder 3"/>
           <p:cNvSpPr>
             <a:spLocks noGrp="1"/>
           </p:cNvSpPr>
@@ -3735,7 +3105,7 @@
         <p:spPr>
           <a:xfrm>
             <a:off x="8472600" y="4663080"/>
-            <a:ext cx="548280" cy="393120"/>
+            <a:ext cx="547920" cy="392760"/>
           </a:xfrm>
           <a:prstGeom prst="rect">
             <a:avLst/>
@@ -3747,7 +3117,7 @@
         </p:spPr>
         <p:txBody>
           <a:bodyPr lIns="91440" rIns="91440" tIns="91440" bIns="91440" anchor="ctr">
-            <a:normAutofit/>
+            <a:noAutofit/>
           </a:bodyPr>
           <a:lstStyle>
             <a:lvl1pPr indent="0" algn="r">
@@ -3777,7 +3147,7 @@
                 <a:tab algn="l" pos="0"/>
               </a:tabLst>
             </a:pPr>
-            <a:fld id="{341C6A96-FA0C-484E-B2AA-31D0015E6263}" type="slidenum">
+            <a:fld id="{10E9A15D-D2D8-491F-B304-49717215F4DA}" type="slidenum">
               <a:rPr b="0" lang="en" sz="1000" spc="-1" strike="noStrike">
                 <a:solidFill>
                   <a:schemeClr val="lt2"/>
@@ -3831,7 +3201,7 @@
       </p:grpSpPr>
       <p:sp>
         <p:nvSpPr>
-          <p:cNvPr id="17" name="PlaceHolder 1"/>
+          <p:cNvPr id="15" name="PlaceHolder 1"/>
           <p:cNvSpPr>
             <a:spLocks noGrp="1"/>
           </p:cNvSpPr>
@@ -3842,7 +3212,7 @@
         <p:spPr>
           <a:xfrm>
             <a:off x="311760" y="444960"/>
-            <a:ext cx="8520120" cy="572400"/>
+            <a:ext cx="8519760" cy="572040"/>
           </a:xfrm>
           <a:prstGeom prst="rect">
             <a:avLst/>
@@ -3853,25 +3223,25 @@
           </a:ln>
         </p:spPr>
         <p:txBody>
-          <a:bodyPr lIns="91440" rIns="91440" tIns="91440" bIns="91440" anchor="t">
-            <a:normAutofit fontScale="93550"/>
+          <a:bodyPr lIns="0" rIns="0" tIns="0" bIns="0" anchor="ctr">
+            <a:noAutofit/>
           </a:bodyPr>
           <a:p>
             <a:pPr indent="0">
               <a:buNone/>
             </a:pPr>
             <a:r>
-              <a:rPr b="0" lang="en-US" sz="2800" spc="-1" strike="noStrike">
-                <a:solidFill>
-                  <a:srgbClr val="000000"/>
+              <a:rPr b="0" lang="en-US" sz="1800" spc="-1" strike="noStrike">
+                <a:solidFill>
+                  <a:srgbClr val="ffffff"/>
                 </a:solidFill>
                 <a:latin typeface="Arial"/>
               </a:rPr>
               <a:t>Click to edit the title text format</a:t>
             </a:r>
-            <a:endParaRPr b="0" lang="en-US" sz="2800" spc="-1" strike="noStrike">
-              <a:solidFill>
-                <a:srgbClr val="000000"/>
+            <a:endParaRPr b="0" lang="en-US" sz="1800" spc="-1" strike="noStrike">
+              <a:solidFill>
+                <a:srgbClr val="ffffff"/>
               </a:solidFill>
               <a:latin typeface="Arial"/>
             </a:endParaRPr>
@@ -3880,7 +3250,7 @@
       </p:sp>
       <p:sp>
         <p:nvSpPr>
-          <p:cNvPr id="18" name="PlaceHolder 2"/>
+          <p:cNvPr id="16" name="PlaceHolder 2"/>
           <p:cNvSpPr>
             <a:spLocks noGrp="1"/>
           </p:cNvSpPr>
@@ -3891,7 +3261,7 @@
         <p:spPr>
           <a:xfrm>
             <a:off x="311760" y="1152360"/>
-            <a:ext cx="3999600" cy="3416040"/>
+            <a:ext cx="4157280" cy="3415680"/>
           </a:xfrm>
           <a:prstGeom prst="rect">
             <a:avLst/>
@@ -3902,7 +3272,7 @@
           </a:ln>
         </p:spPr>
         <p:txBody>
-          <a:bodyPr lIns="91440" rIns="91440" tIns="91440" bIns="91440" anchor="t">
+          <a:bodyPr lIns="0" rIns="0" tIns="0" bIns="0" anchor="t">
             <a:normAutofit/>
           </a:bodyPr>
           <a:p>
@@ -3918,17 +3288,17 @@
               <a:buChar char=""/>
             </a:pPr>
             <a:r>
-              <a:rPr b="0" lang="en-US" sz="1400" spc="-1" strike="noStrike">
-                <a:solidFill>
-                  <a:srgbClr val="000000"/>
+              <a:rPr b="0" lang="en-US" sz="1800" spc="-1" strike="noStrike">
+                <a:solidFill>
+                  <a:srgbClr val="ffffff"/>
                 </a:solidFill>
                 <a:latin typeface="Arial"/>
               </a:rPr>
               <a:t>Click to edit the outline text format</a:t>
             </a:r>
-            <a:endParaRPr b="0" lang="en-US" sz="1400" spc="-1" strike="noStrike">
-              <a:solidFill>
-                <a:srgbClr val="000000"/>
+            <a:endParaRPr b="0" lang="en-US" sz="1800" spc="-1" strike="noStrike">
+              <a:solidFill>
+                <a:srgbClr val="ffffff"/>
               </a:solidFill>
               <a:latin typeface="Arial"/>
             </a:endParaRPr>
@@ -3946,17 +3316,17 @@
               <a:buChar char=""/>
             </a:pPr>
             <a:r>
-              <a:rPr b="0" lang="en-US" sz="1400" spc="-1" strike="noStrike">
-                <a:solidFill>
-                  <a:srgbClr val="000000"/>
+              <a:rPr b="0" lang="en-US" sz="1800" spc="-1" strike="noStrike">
+                <a:solidFill>
+                  <a:srgbClr val="ffffff"/>
                 </a:solidFill>
                 <a:latin typeface="Arial"/>
               </a:rPr>
               <a:t>Second Outline Level</a:t>
             </a:r>
-            <a:endParaRPr b="0" lang="en-US" sz="1400" spc="-1" strike="noStrike">
-              <a:solidFill>
-                <a:srgbClr val="000000"/>
+            <a:endParaRPr b="0" lang="en-US" sz="1800" spc="-1" strike="noStrike">
+              <a:solidFill>
+                <a:srgbClr val="ffffff"/>
               </a:solidFill>
               <a:latin typeface="Arial"/>
             </a:endParaRPr>
@@ -3974,17 +3344,17 @@
               <a:buChar char=""/>
             </a:pPr>
             <a:r>
-              <a:rPr b="0" lang="en-US" sz="1400" spc="-1" strike="noStrike">
-                <a:solidFill>
-                  <a:srgbClr val="000000"/>
+              <a:rPr b="0" lang="en-US" sz="1800" spc="-1" strike="noStrike">
+                <a:solidFill>
+                  <a:srgbClr val="ffffff"/>
                 </a:solidFill>
                 <a:latin typeface="Arial"/>
               </a:rPr>
               <a:t>Third Outline Level</a:t>
             </a:r>
-            <a:endParaRPr b="0" lang="en-US" sz="1400" spc="-1" strike="noStrike">
-              <a:solidFill>
-                <a:srgbClr val="000000"/>
+            <a:endParaRPr b="0" lang="en-US" sz="1800" spc="-1" strike="noStrike">
+              <a:solidFill>
+                <a:srgbClr val="ffffff"/>
               </a:solidFill>
               <a:latin typeface="Arial"/>
             </a:endParaRPr>
@@ -4002,17 +3372,17 @@
               <a:buChar char=""/>
             </a:pPr>
             <a:r>
-              <a:rPr b="0" lang="en-US" sz="1400" spc="-1" strike="noStrike">
-                <a:solidFill>
-                  <a:srgbClr val="000000"/>
+              <a:rPr b="0" lang="en-US" sz="1800" spc="-1" strike="noStrike">
+                <a:solidFill>
+                  <a:srgbClr val="ffffff"/>
                 </a:solidFill>
                 <a:latin typeface="Arial"/>
               </a:rPr>
               <a:t>Fourth Outline Level</a:t>
             </a:r>
-            <a:endParaRPr b="0" lang="en-US" sz="1400" spc="-1" strike="noStrike">
-              <a:solidFill>
-                <a:srgbClr val="000000"/>
+            <a:endParaRPr b="0" lang="en-US" sz="1800" spc="-1" strike="noStrike">
+              <a:solidFill>
+                <a:srgbClr val="ffffff"/>
               </a:solidFill>
               <a:latin typeface="Arial"/>
             </a:endParaRPr>
@@ -4030,17 +3400,17 @@
               <a:buChar char=""/>
             </a:pPr>
             <a:r>
-              <a:rPr b="0" lang="en-US" sz="1400" spc="-1" strike="noStrike">
-                <a:solidFill>
-                  <a:srgbClr val="000000"/>
+              <a:rPr b="0" lang="en-US" sz="1800" spc="-1" strike="noStrike">
+                <a:solidFill>
+                  <a:srgbClr val="ffffff"/>
                 </a:solidFill>
                 <a:latin typeface="Arial"/>
               </a:rPr>
               <a:t>Fifth Outline Level</a:t>
             </a:r>
-            <a:endParaRPr b="0" lang="en-US" sz="1400" spc="-1" strike="noStrike">
-              <a:solidFill>
-                <a:srgbClr val="000000"/>
+            <a:endParaRPr b="0" lang="en-US" sz="1800" spc="-1" strike="noStrike">
+              <a:solidFill>
+                <a:srgbClr val="ffffff"/>
               </a:solidFill>
               <a:latin typeface="Arial"/>
             </a:endParaRPr>
@@ -4058,17 +3428,17 @@
               <a:buChar char=""/>
             </a:pPr>
             <a:r>
-              <a:rPr b="0" lang="en-US" sz="1400" spc="-1" strike="noStrike">
-                <a:solidFill>
-                  <a:srgbClr val="000000"/>
+              <a:rPr b="0" lang="en-US" sz="1800" spc="-1" strike="noStrike">
+                <a:solidFill>
+                  <a:srgbClr val="ffffff"/>
                 </a:solidFill>
                 <a:latin typeface="Arial"/>
               </a:rPr>
               <a:t>Sixth Outline Level</a:t>
             </a:r>
-            <a:endParaRPr b="0" lang="en-US" sz="1400" spc="-1" strike="noStrike">
-              <a:solidFill>
-                <a:srgbClr val="000000"/>
+            <a:endParaRPr b="0" lang="en-US" sz="1800" spc="-1" strike="noStrike">
+              <a:solidFill>
+                <a:srgbClr val="ffffff"/>
               </a:solidFill>
               <a:latin typeface="Arial"/>
             </a:endParaRPr>
@@ -4086,17 +3456,17 @@
               <a:buChar char=""/>
             </a:pPr>
             <a:r>
-              <a:rPr b="0" lang="en-US" sz="1400" spc="-1" strike="noStrike">
-                <a:solidFill>
-                  <a:srgbClr val="000000"/>
+              <a:rPr b="0" lang="en-US" sz="1800" spc="-1" strike="noStrike">
+                <a:solidFill>
+                  <a:srgbClr val="ffffff"/>
                 </a:solidFill>
                 <a:latin typeface="Arial"/>
               </a:rPr>
               <a:t>Seventh Outline Level</a:t>
             </a:r>
-            <a:endParaRPr b="0" lang="en-US" sz="1400" spc="-1" strike="noStrike">
-              <a:solidFill>
-                <a:srgbClr val="000000"/>
+            <a:endParaRPr b="0" lang="en-US" sz="1800" spc="-1" strike="noStrike">
+              <a:solidFill>
+                <a:srgbClr val="ffffff"/>
               </a:solidFill>
               <a:latin typeface="Arial"/>
             </a:endParaRPr>
@@ -4105,7 +3475,7 @@
       </p:sp>
       <p:sp>
         <p:nvSpPr>
-          <p:cNvPr id="19" name="PlaceHolder 3"/>
+          <p:cNvPr id="17" name="PlaceHolder 3"/>
           <p:cNvSpPr>
             <a:spLocks noGrp="1"/>
           </p:cNvSpPr>
@@ -4115,8 +3485,8 @@
         </p:nvSpPr>
         <p:spPr>
           <a:xfrm>
-            <a:off x="4832280" y="1152360"/>
-            <a:ext cx="3999600" cy="3416040"/>
+            <a:off x="4677840" y="1152360"/>
+            <a:ext cx="4157280" cy="3415680"/>
           </a:xfrm>
           <a:prstGeom prst="rect">
             <a:avLst/>
@@ -4127,7 +3497,7 @@
           </a:ln>
         </p:spPr>
         <p:txBody>
-          <a:bodyPr lIns="91440" rIns="91440" tIns="91440" bIns="91440" anchor="t">
+          <a:bodyPr lIns="0" rIns="0" tIns="0" bIns="0" anchor="t">
             <a:normAutofit/>
           </a:bodyPr>
           <a:p>
@@ -4143,17 +3513,17 @@
               <a:buChar char=""/>
             </a:pPr>
             <a:r>
-              <a:rPr b="0" lang="en-US" sz="1400" spc="-1" strike="noStrike">
-                <a:solidFill>
-                  <a:srgbClr val="000000"/>
+              <a:rPr b="0" lang="en-US" sz="1800" spc="-1" strike="noStrike">
+                <a:solidFill>
+                  <a:srgbClr val="ffffff"/>
                 </a:solidFill>
                 <a:latin typeface="Arial"/>
               </a:rPr>
               <a:t>Click to edit the outline text format</a:t>
             </a:r>
-            <a:endParaRPr b="0" lang="en-US" sz="1400" spc="-1" strike="noStrike">
-              <a:solidFill>
-                <a:srgbClr val="000000"/>
+            <a:endParaRPr b="0" lang="en-US" sz="1800" spc="-1" strike="noStrike">
+              <a:solidFill>
+                <a:srgbClr val="ffffff"/>
               </a:solidFill>
               <a:latin typeface="Arial"/>
             </a:endParaRPr>
@@ -4171,17 +3541,17 @@
               <a:buChar char=""/>
             </a:pPr>
             <a:r>
-              <a:rPr b="0" lang="en-US" sz="1400" spc="-1" strike="noStrike">
-                <a:solidFill>
-                  <a:srgbClr val="000000"/>
+              <a:rPr b="0" lang="en-US" sz="1800" spc="-1" strike="noStrike">
+                <a:solidFill>
+                  <a:srgbClr val="ffffff"/>
                 </a:solidFill>
                 <a:latin typeface="Arial"/>
               </a:rPr>
               <a:t>Second Outline Level</a:t>
             </a:r>
-            <a:endParaRPr b="0" lang="en-US" sz="1400" spc="-1" strike="noStrike">
-              <a:solidFill>
-                <a:srgbClr val="000000"/>
+            <a:endParaRPr b="0" lang="en-US" sz="1800" spc="-1" strike="noStrike">
+              <a:solidFill>
+                <a:srgbClr val="ffffff"/>
               </a:solidFill>
               <a:latin typeface="Arial"/>
             </a:endParaRPr>
@@ -4199,17 +3569,17 @@
               <a:buChar char=""/>
             </a:pPr>
             <a:r>
-              <a:rPr b="0" lang="en-US" sz="1400" spc="-1" strike="noStrike">
-                <a:solidFill>
-                  <a:srgbClr val="000000"/>
+              <a:rPr b="0" lang="en-US" sz="1800" spc="-1" strike="noStrike">
+                <a:solidFill>
+                  <a:srgbClr val="ffffff"/>
                 </a:solidFill>
                 <a:latin typeface="Arial"/>
               </a:rPr>
               <a:t>Third Outline Level</a:t>
             </a:r>
-            <a:endParaRPr b="0" lang="en-US" sz="1400" spc="-1" strike="noStrike">
-              <a:solidFill>
-                <a:srgbClr val="000000"/>
+            <a:endParaRPr b="0" lang="en-US" sz="1800" spc="-1" strike="noStrike">
+              <a:solidFill>
+                <a:srgbClr val="ffffff"/>
               </a:solidFill>
               <a:latin typeface="Arial"/>
             </a:endParaRPr>
@@ -4227,17 +3597,17 @@
               <a:buChar char=""/>
             </a:pPr>
             <a:r>
-              <a:rPr b="0" lang="en-US" sz="1400" spc="-1" strike="noStrike">
-                <a:solidFill>
-                  <a:srgbClr val="000000"/>
+              <a:rPr b="0" lang="en-US" sz="1800" spc="-1" strike="noStrike">
+                <a:solidFill>
+                  <a:srgbClr val="ffffff"/>
                 </a:solidFill>
                 <a:latin typeface="Arial"/>
               </a:rPr>
               <a:t>Fourth Outline Level</a:t>
             </a:r>
-            <a:endParaRPr b="0" lang="en-US" sz="1400" spc="-1" strike="noStrike">
-              <a:solidFill>
-                <a:srgbClr val="000000"/>
+            <a:endParaRPr b="0" lang="en-US" sz="1800" spc="-1" strike="noStrike">
+              <a:solidFill>
+                <a:srgbClr val="ffffff"/>
               </a:solidFill>
               <a:latin typeface="Arial"/>
             </a:endParaRPr>
@@ -4255,17 +3625,17 @@
               <a:buChar char=""/>
             </a:pPr>
             <a:r>
-              <a:rPr b="0" lang="en-US" sz="1400" spc="-1" strike="noStrike">
-                <a:solidFill>
-                  <a:srgbClr val="000000"/>
+              <a:rPr b="0" lang="en-US" sz="1800" spc="-1" strike="noStrike">
+                <a:solidFill>
+                  <a:srgbClr val="ffffff"/>
                 </a:solidFill>
                 <a:latin typeface="Arial"/>
               </a:rPr>
               <a:t>Fifth Outline Level</a:t>
             </a:r>
-            <a:endParaRPr b="0" lang="en-US" sz="1400" spc="-1" strike="noStrike">
-              <a:solidFill>
-                <a:srgbClr val="000000"/>
+            <a:endParaRPr b="0" lang="en-US" sz="1800" spc="-1" strike="noStrike">
+              <a:solidFill>
+                <a:srgbClr val="ffffff"/>
               </a:solidFill>
               <a:latin typeface="Arial"/>
             </a:endParaRPr>
@@ -4283,17 +3653,17 @@
               <a:buChar char=""/>
             </a:pPr>
             <a:r>
-              <a:rPr b="0" lang="en-US" sz="1400" spc="-1" strike="noStrike">
-                <a:solidFill>
-                  <a:srgbClr val="000000"/>
+              <a:rPr b="0" lang="en-US" sz="1800" spc="-1" strike="noStrike">
+                <a:solidFill>
+                  <a:srgbClr val="ffffff"/>
                 </a:solidFill>
                 <a:latin typeface="Arial"/>
               </a:rPr>
               <a:t>Sixth Outline Level</a:t>
             </a:r>
-            <a:endParaRPr b="0" lang="en-US" sz="1400" spc="-1" strike="noStrike">
-              <a:solidFill>
-                <a:srgbClr val="000000"/>
+            <a:endParaRPr b="0" lang="en-US" sz="1800" spc="-1" strike="noStrike">
+              <a:solidFill>
+                <a:srgbClr val="ffffff"/>
               </a:solidFill>
               <a:latin typeface="Arial"/>
             </a:endParaRPr>
@@ -4311,17 +3681,17 @@
               <a:buChar char=""/>
             </a:pPr>
             <a:r>
-              <a:rPr b="0" lang="en-US" sz="1400" spc="-1" strike="noStrike">
-                <a:solidFill>
-                  <a:srgbClr val="000000"/>
+              <a:rPr b="0" lang="en-US" sz="1800" spc="-1" strike="noStrike">
+                <a:solidFill>
+                  <a:srgbClr val="ffffff"/>
                 </a:solidFill>
                 <a:latin typeface="Arial"/>
               </a:rPr>
               <a:t>Seventh Outline Level</a:t>
             </a:r>
-            <a:endParaRPr b="0" lang="en-US" sz="1400" spc="-1" strike="noStrike">
-              <a:solidFill>
-                <a:srgbClr val="000000"/>
+            <a:endParaRPr b="0" lang="en-US" sz="1800" spc="-1" strike="noStrike">
+              <a:solidFill>
+                <a:srgbClr val="ffffff"/>
               </a:solidFill>
               <a:latin typeface="Arial"/>
             </a:endParaRPr>
@@ -4330,7 +3700,7 @@
       </p:sp>
       <p:sp>
         <p:nvSpPr>
-          <p:cNvPr id="20" name="PlaceHolder 4"/>
+          <p:cNvPr id="18" name="PlaceHolder 4"/>
           <p:cNvSpPr>
             <a:spLocks noGrp="1"/>
           </p:cNvSpPr>
@@ -4341,7 +3711,7 @@
         <p:spPr>
           <a:xfrm>
             <a:off x="8472600" y="4663080"/>
-            <a:ext cx="548280" cy="393120"/>
+            <a:ext cx="547920" cy="392760"/>
           </a:xfrm>
           <a:prstGeom prst="rect">
             <a:avLst/>
@@ -4353,7 +3723,7 @@
         </p:spPr>
         <p:txBody>
           <a:bodyPr lIns="91440" rIns="91440" tIns="91440" bIns="91440" anchor="ctr">
-            <a:normAutofit/>
+            <a:noAutofit/>
           </a:bodyPr>
           <a:lstStyle>
             <a:lvl1pPr indent="0" algn="r">
@@ -4383,7 +3753,7 @@
                 <a:tab algn="l" pos="0"/>
               </a:tabLst>
             </a:pPr>
-            <a:fld id="{99BF8E15-8E86-4D1E-9672-2FC22EB49E6F}" type="slidenum">
+            <a:fld id="{382C3191-8BF6-48F6-A00E-9AE95054906F}" type="slidenum">
               <a:rPr b="0" lang="en" sz="1000" spc="-1" strike="noStrike">
                 <a:solidFill>
                   <a:schemeClr val="lt2"/>
@@ -4437,7 +3807,7 @@
       </p:grpSpPr>
       <p:sp>
         <p:nvSpPr>
-          <p:cNvPr id="24" name="PlaceHolder 1"/>
+          <p:cNvPr id="22" name="PlaceHolder 1"/>
           <p:cNvSpPr>
             <a:spLocks noGrp="1"/>
           </p:cNvSpPr>
@@ -4448,7 +3818,7 @@
         <p:spPr>
           <a:xfrm>
             <a:off x="311760" y="444960"/>
-            <a:ext cx="8520120" cy="572400"/>
+            <a:ext cx="8519760" cy="572040"/>
           </a:xfrm>
           <a:prstGeom prst="rect">
             <a:avLst/>
@@ -4459,25 +3829,25 @@
           </a:ln>
         </p:spPr>
         <p:txBody>
-          <a:bodyPr lIns="91440" rIns="91440" tIns="91440" bIns="91440" anchor="t">
-            <a:normAutofit fontScale="93550"/>
+          <a:bodyPr lIns="0" rIns="0" tIns="0" bIns="0" anchor="ctr">
+            <a:noAutofit/>
           </a:bodyPr>
           <a:p>
             <a:pPr indent="0">
               <a:buNone/>
             </a:pPr>
             <a:r>
-              <a:rPr b="0" lang="en-US" sz="2800" spc="-1" strike="noStrike">
-                <a:solidFill>
-                  <a:srgbClr val="000000"/>
+              <a:rPr b="0" lang="en-US" sz="1800" spc="-1" strike="noStrike">
+                <a:solidFill>
+                  <a:srgbClr val="ffffff"/>
                 </a:solidFill>
                 <a:latin typeface="Arial"/>
               </a:rPr>
               <a:t>Click to edit the title text format</a:t>
             </a:r>
-            <a:endParaRPr b="0" lang="en-US" sz="2800" spc="-1" strike="noStrike">
-              <a:solidFill>
-                <a:srgbClr val="000000"/>
+            <a:endParaRPr b="0" lang="en-US" sz="1800" spc="-1" strike="noStrike">
+              <a:solidFill>
+                <a:srgbClr val="ffffff"/>
               </a:solidFill>
               <a:latin typeface="Arial"/>
             </a:endParaRPr>
@@ -4486,7 +3856,7 @@
       </p:sp>
       <p:sp>
         <p:nvSpPr>
-          <p:cNvPr id="25" name="PlaceHolder 2"/>
+          <p:cNvPr id="23" name="PlaceHolder 2"/>
           <p:cNvSpPr>
             <a:spLocks noGrp="1"/>
           </p:cNvSpPr>
@@ -4497,7 +3867,7 @@
         <p:spPr>
           <a:xfrm>
             <a:off x="8472600" y="4663080"/>
-            <a:ext cx="548280" cy="393120"/>
+            <a:ext cx="547920" cy="392760"/>
           </a:xfrm>
           <a:prstGeom prst="rect">
             <a:avLst/>
@@ -4509,7 +3879,7 @@
         </p:spPr>
         <p:txBody>
           <a:bodyPr lIns="91440" rIns="91440" tIns="91440" bIns="91440" anchor="ctr">
-            <a:normAutofit/>
+            <a:noAutofit/>
           </a:bodyPr>
           <a:lstStyle>
             <a:lvl1pPr indent="0" algn="r">
@@ -4539,7 +3909,7 @@
                 <a:tab algn="l" pos="0"/>
               </a:tabLst>
             </a:pPr>
-            <a:fld id="{2C3401E2-95A6-455E-A31A-FD529C39DBDF}" type="slidenum">
+            <a:fld id="{B65C54CF-9248-424F-AE3A-8D8E08745D48}" type="slidenum">
               <a:rPr b="0" lang="en" sz="1000" spc="-1" strike="noStrike">
                 <a:solidFill>
                   <a:schemeClr val="lt2"/>
@@ -4593,281 +3963,7 @@
       </p:grpSpPr>
       <p:sp>
         <p:nvSpPr>
-          <p:cNvPr id="27" name="PlaceHolder 1"/>
-          <p:cNvSpPr>
-            <a:spLocks noGrp="1"/>
-          </p:cNvSpPr>
-          <p:nvPr>
-            <p:ph type="title"/>
-          </p:nvPr>
-        </p:nvSpPr>
-        <p:spPr>
-          <a:xfrm>
-            <a:off x="311760" y="555480"/>
-            <a:ext cx="2807640" cy="755280"/>
-          </a:xfrm>
-          <a:prstGeom prst="rect">
-            <a:avLst/>
-          </a:prstGeom>
-          <a:noFill/>
-          <a:ln w="0">
-            <a:noFill/>
-          </a:ln>
-        </p:spPr>
-        <p:txBody>
-          <a:bodyPr lIns="91440" rIns="91440" tIns="91440" bIns="91440" anchor="b">
-            <a:normAutofit fontScale="81218"/>
-          </a:bodyPr>
-          <a:p>
-            <a:pPr indent="0">
-              <a:buNone/>
-            </a:pPr>
-            <a:r>
-              <a:rPr b="0" lang="en-US" sz="2400" spc="-1" strike="noStrike">
-                <a:solidFill>
-                  <a:srgbClr val="000000"/>
-                </a:solidFill>
-                <a:latin typeface="Arial"/>
-              </a:rPr>
-              <a:t>Click to edit the title text format</a:t>
-            </a:r>
-            <a:endParaRPr b="0" lang="en-US" sz="2400" spc="-1" strike="noStrike">
-              <a:solidFill>
-                <a:srgbClr val="000000"/>
-              </a:solidFill>
-              <a:latin typeface="Arial"/>
-            </a:endParaRPr>
-          </a:p>
-        </p:txBody>
-      </p:sp>
-      <p:sp>
-        <p:nvSpPr>
-          <p:cNvPr id="28" name="PlaceHolder 2"/>
-          <p:cNvSpPr>
-            <a:spLocks noGrp="1"/>
-          </p:cNvSpPr>
-          <p:nvPr>
-            <p:ph type="body"/>
-          </p:nvPr>
-        </p:nvSpPr>
-        <p:spPr>
-          <a:xfrm>
-            <a:off x="311760" y="1389600"/>
-            <a:ext cx="2807640" cy="3179160"/>
-          </a:xfrm>
-          <a:prstGeom prst="rect">
-            <a:avLst/>
-          </a:prstGeom>
-          <a:noFill/>
-          <a:ln w="0">
-            <a:noFill/>
-          </a:ln>
-        </p:spPr>
-        <p:txBody>
-          <a:bodyPr lIns="91440" rIns="91440" tIns="91440" bIns="91440" anchor="t">
-            <a:normAutofit fontScale="35861"/>
-          </a:bodyPr>
-          <a:p>
-            <a:pPr marL="432000" indent="-324000">
-              <a:spcBef>
-                <a:spcPts val="1417"/>
-              </a:spcBef>
-              <a:buClr>
-                <a:srgbClr val="ffffff"/>
-              </a:buClr>
-              <a:buSzPct val="45000"/>
-              <a:buFont typeface="Wingdings" charset="2"/>
-              <a:buChar char=""/>
-            </a:pPr>
-            <a:r>
-              <a:rPr b="0" lang="en-US" sz="1200" spc="-1" strike="noStrike">
-                <a:solidFill>
-                  <a:srgbClr val="000000"/>
-                </a:solidFill>
-                <a:latin typeface="Arial"/>
-              </a:rPr>
-              <a:t>Click to edit the outline text format</a:t>
-            </a:r>
-            <a:endParaRPr b="0" lang="en-US" sz="1200" spc="-1" strike="noStrike">
-              <a:solidFill>
-                <a:srgbClr val="000000"/>
-              </a:solidFill>
-              <a:latin typeface="Arial"/>
-            </a:endParaRPr>
-          </a:p>
-          <a:p>
-            <a:pPr lvl="1" marL="864000" indent="-324000">
-              <a:spcBef>
-                <a:spcPts val="1134"/>
-              </a:spcBef>
-              <a:buClr>
-                <a:srgbClr val="ffffff"/>
-              </a:buClr>
-              <a:buSzPct val="75000"/>
-              <a:buFont typeface="Symbol" charset="2"/>
-              <a:buChar char=""/>
-            </a:pPr>
-            <a:r>
-              <a:rPr b="0" lang="en-US" sz="1200" spc="-1" strike="noStrike">
-                <a:solidFill>
-                  <a:srgbClr val="000000"/>
-                </a:solidFill>
-                <a:latin typeface="Arial"/>
-              </a:rPr>
-              <a:t>Second Outline Level</a:t>
-            </a:r>
-            <a:endParaRPr b="0" lang="en-US" sz="1200" spc="-1" strike="noStrike">
-              <a:solidFill>
-                <a:srgbClr val="000000"/>
-              </a:solidFill>
-              <a:latin typeface="Arial"/>
-            </a:endParaRPr>
-          </a:p>
-          <a:p>
-            <a:pPr lvl="2" marL="1296000" indent="-288000">
-              <a:spcBef>
-                <a:spcPts val="850"/>
-              </a:spcBef>
-              <a:buClr>
-                <a:srgbClr val="ffffff"/>
-              </a:buClr>
-              <a:buSzPct val="45000"/>
-              <a:buFont typeface="Wingdings" charset="2"/>
-              <a:buChar char=""/>
-            </a:pPr>
-            <a:r>
-              <a:rPr b="0" lang="en-US" sz="1200" spc="-1" strike="noStrike">
-                <a:solidFill>
-                  <a:srgbClr val="000000"/>
-                </a:solidFill>
-                <a:latin typeface="Arial"/>
-              </a:rPr>
-              <a:t>Third Outline Level</a:t>
-            </a:r>
-            <a:endParaRPr b="0" lang="en-US" sz="1200" spc="-1" strike="noStrike">
-              <a:solidFill>
-                <a:srgbClr val="000000"/>
-              </a:solidFill>
-              <a:latin typeface="Arial"/>
-            </a:endParaRPr>
-          </a:p>
-          <a:p>
-            <a:pPr lvl="3" marL="1728000" indent="-216000">
-              <a:spcBef>
-                <a:spcPts val="567"/>
-              </a:spcBef>
-              <a:buClr>
-                <a:srgbClr val="ffffff"/>
-              </a:buClr>
-              <a:buSzPct val="75000"/>
-              <a:buFont typeface="Symbol" charset="2"/>
-              <a:buChar char=""/>
-            </a:pPr>
-            <a:r>
-              <a:rPr b="0" lang="en-US" sz="1200" spc="-1" strike="noStrike">
-                <a:solidFill>
-                  <a:srgbClr val="000000"/>
-                </a:solidFill>
-                <a:latin typeface="Arial"/>
-              </a:rPr>
-              <a:t>Fourth Outline Level</a:t>
-            </a:r>
-            <a:endParaRPr b="0" lang="en-US" sz="1200" spc="-1" strike="noStrike">
-              <a:solidFill>
-                <a:srgbClr val="000000"/>
-              </a:solidFill>
-              <a:latin typeface="Arial"/>
-            </a:endParaRPr>
-          </a:p>
-          <a:p>
-            <a:pPr lvl="4" marL="2160000" indent="-216000">
-              <a:spcBef>
-                <a:spcPts val="283"/>
-              </a:spcBef>
-              <a:buClr>
-                <a:srgbClr val="ffffff"/>
-              </a:buClr>
-              <a:buSzPct val="45000"/>
-              <a:buFont typeface="Wingdings" charset="2"/>
-              <a:buChar char=""/>
-            </a:pPr>
-            <a:r>
-              <a:rPr b="0" lang="en-US" sz="1200" spc="-1" strike="noStrike">
-                <a:solidFill>
-                  <a:srgbClr val="000000"/>
-                </a:solidFill>
-                <a:latin typeface="Arial"/>
-              </a:rPr>
-              <a:t>Fifth Outline Level</a:t>
-            </a:r>
-            <a:endParaRPr b="0" lang="en-US" sz="1200" spc="-1" strike="noStrike">
-              <a:solidFill>
-                <a:srgbClr val="000000"/>
-              </a:solidFill>
-              <a:latin typeface="Arial"/>
-            </a:endParaRPr>
-          </a:p>
-          <a:p>
-            <a:pPr lvl="5" marL="2592000" indent="-216000">
-              <a:spcBef>
-                <a:spcPts val="283"/>
-              </a:spcBef>
-              <a:buClr>
-                <a:srgbClr val="ffffff"/>
-              </a:buClr>
-              <a:buSzPct val="45000"/>
-              <a:buFont typeface="Wingdings" charset="2"/>
-              <a:buChar char=""/>
-            </a:pPr>
-            <a:r>
-              <a:rPr b="0" lang="en-US" sz="1200" spc="-1" strike="noStrike">
-                <a:solidFill>
-                  <a:srgbClr val="000000"/>
-                </a:solidFill>
-                <a:latin typeface="Arial"/>
-              </a:rPr>
-              <a:t>Sixth Outline Level</a:t>
-            </a:r>
-            <a:endParaRPr b="0" lang="en-US" sz="1200" spc="-1" strike="noStrike">
-              <a:solidFill>
-                <a:srgbClr val="000000"/>
-              </a:solidFill>
-              <a:latin typeface="Arial"/>
-            </a:endParaRPr>
-          </a:p>
-          <a:p>
-            <a:pPr lvl="6" marL="3024000" indent="-216000">
-              <a:spcBef>
-                <a:spcPts val="283"/>
-              </a:spcBef>
-              <a:buClr>
-                <a:srgbClr val="ffffff"/>
-              </a:buClr>
-              <a:buSzPct val="45000"/>
-              <a:buFont typeface="Wingdings" charset="2"/>
-              <a:buChar char=""/>
-            </a:pPr>
-            <a:r>
-              <a:rPr b="0" lang="en-US" sz="1200" spc="-1" strike="noStrike">
-                <a:solidFill>
-                  <a:srgbClr val="000000"/>
-                </a:solidFill>
-                <a:latin typeface="Arial"/>
-              </a:rPr>
-              <a:t>Seventh Outline Level</a:t>
-            </a:r>
-            <a:endParaRPr b="0" lang="en-US" sz="1200" spc="-1" strike="noStrike">
-              <a:solidFill>
-                <a:srgbClr val="000000"/>
-              </a:solidFill>
-              <a:latin typeface="Arial"/>
-            </a:endParaRPr>
-          </a:p>
-        </p:txBody>
-      </p:sp>
-      <p:sp>
-        <p:nvSpPr>
-          <p:cNvPr id="29" name="PlaceHolder 3"/>
+          <p:cNvPr id="25" name="PlaceHolder 1"/>
           <p:cNvSpPr>
             <a:spLocks noGrp="1"/>
           </p:cNvSpPr>
@@ -4878,7 +3974,7 @@
         <p:spPr>
           <a:xfrm>
             <a:off x="8472600" y="4663080"/>
-            <a:ext cx="548280" cy="393120"/>
+            <a:ext cx="547920" cy="392760"/>
           </a:xfrm>
           <a:prstGeom prst="rect">
             <a:avLst/>
@@ -4890,7 +3986,7 @@
         </p:spPr>
         <p:txBody>
           <a:bodyPr lIns="91440" rIns="91440" tIns="91440" bIns="91440" anchor="ctr">
-            <a:normAutofit/>
+            <a:noAutofit/>
           </a:bodyPr>
           <a:lstStyle>
             <a:lvl1pPr indent="0" algn="r">
@@ -4920,7 +4016,7 @@
                 <a:tab algn="l" pos="0"/>
               </a:tabLst>
             </a:pPr>
-            <a:fld id="{001B6DDB-C8B5-4787-AFBE-CCFCE0280BEC}" type="slidenum">
+            <a:fld id="{336E50C4-A240-4A0A-AF22-9637A2E0D700}" type="slidenum">
               <a:rPr b="0" lang="en" sz="1000" spc="-1" strike="noStrike">
                 <a:solidFill>
                   <a:schemeClr val="lt2"/>
@@ -4974,18 +4070,18 @@
       </p:grpSpPr>
       <p:sp>
         <p:nvSpPr>
-          <p:cNvPr id="30" name="PlaceHolder 1"/>
+          <p:cNvPr id="26" name="PlaceHolder 1"/>
           <p:cNvSpPr>
             <a:spLocks noGrp="1"/>
           </p:cNvSpPr>
           <p:nvPr>
-            <p:ph type="title"/>
+            <p:ph type="sldNum" idx="9"/>
           </p:nvPr>
         </p:nvSpPr>
         <p:spPr>
           <a:xfrm>
-            <a:off x="490320" y="450000"/>
-            <a:ext cx="6367320" cy="4090320"/>
+            <a:off x="8472600" y="4663080"/>
+            <a:ext cx="547920" cy="392760"/>
           </a:xfrm>
           <a:prstGeom prst="rect">
             <a:avLst/>
@@ -4997,56 +4093,7 @@
         </p:spPr>
         <p:txBody>
           <a:bodyPr lIns="91440" rIns="91440" tIns="91440" bIns="91440" anchor="ctr">
-            <a:normAutofit/>
-          </a:bodyPr>
-          <a:p>
-            <a:pPr indent="0">
-              <a:buNone/>
-            </a:pPr>
-            <a:r>
-              <a:rPr b="0" lang="en-US" sz="4800" spc="-1" strike="noStrike">
-                <a:solidFill>
-                  <a:srgbClr val="000000"/>
-                </a:solidFill>
-                <a:latin typeface="Arial"/>
-              </a:rPr>
-              <a:t>Click to edit the title text format</a:t>
-            </a:r>
-            <a:endParaRPr b="0" lang="en-US" sz="4800" spc="-1" strike="noStrike">
-              <a:solidFill>
-                <a:srgbClr val="000000"/>
-              </a:solidFill>
-              <a:latin typeface="Arial"/>
-            </a:endParaRPr>
-          </a:p>
-        </p:txBody>
-      </p:sp>
-      <p:sp>
-        <p:nvSpPr>
-          <p:cNvPr id="31" name="PlaceHolder 2"/>
-          <p:cNvSpPr>
-            <a:spLocks noGrp="1"/>
-          </p:cNvSpPr>
-          <p:nvPr>
-            <p:ph type="sldNum" idx="9"/>
-          </p:nvPr>
-        </p:nvSpPr>
-        <p:spPr>
-          <a:xfrm>
-            <a:off x="8472600" y="4663080"/>
-            <a:ext cx="548280" cy="393120"/>
-          </a:xfrm>
-          <a:prstGeom prst="rect">
-            <a:avLst/>
-          </a:prstGeom>
-          <a:noFill/>
-          <a:ln w="0">
-            <a:noFill/>
-          </a:ln>
-        </p:spPr>
-        <p:txBody>
-          <a:bodyPr lIns="91440" rIns="91440" tIns="91440" bIns="91440" anchor="ctr">
-            <a:normAutofit/>
+            <a:noAutofit/>
           </a:bodyPr>
           <a:lstStyle>
             <a:lvl1pPr indent="0" algn="r">
@@ -5076,7 +4123,7 @@
                 <a:tab algn="l" pos="0"/>
               </a:tabLst>
             </a:pPr>
-            <a:fld id="{084B53C9-30FF-41FF-BF5C-802670A39260}" type="slidenum">
+            <a:fld id="{9590726F-BC96-46F9-B05E-FF0B7EAFBB93}" type="slidenum">
               <a:rPr b="0" lang="en" sz="1000" spc="-1" strike="noStrike">
                 <a:solidFill>
                   <a:schemeClr val="lt2"/>
@@ -5123,7 +4170,7 @@
       </p:grpSpPr>
       <p:sp>
         <p:nvSpPr>
-          <p:cNvPr id="44" name="PlaceHolder 1"/>
+          <p:cNvPr id="36" name="PlaceHolder 1"/>
           <p:cNvSpPr>
             <a:spLocks noGrp="1"/>
           </p:cNvSpPr>
@@ -5134,7 +4181,7 @@
         <p:spPr>
           <a:xfrm>
             <a:off x="311760" y="3691080"/>
-            <a:ext cx="8520120" cy="792360"/>
+            <a:ext cx="8519760" cy="792000"/>
           </a:xfrm>
           <a:prstGeom prst="rect">
             <a:avLst/>
@@ -5146,7 +4193,7 @@
         </p:spPr>
         <p:txBody>
           <a:bodyPr lIns="91440" rIns="91440" tIns="91440" bIns="91440" anchor="t">
-            <a:normAutofit fontScale="71769"/>
+            <a:normAutofit fontScale="71666"/>
           </a:bodyPr>
           <a:p>
             <a:pPr algn="ctr">
@@ -5191,7 +4238,7 @@
       </p:sp>
       <p:pic>
         <p:nvPicPr>
-          <p:cNvPr id="45" name="Google Shape;55;p13" descr=""/>
+          <p:cNvPr id="37" name="Google Shape;55;p13" descr=""/>
           <p:cNvPicPr/>
           <p:nvPr/>
         </p:nvPicPr>
@@ -5202,7 +4249,7 @@
         <p:spPr>
           <a:xfrm>
             <a:off x="1271880" y="873000"/>
-            <a:ext cx="6599520" cy="2644920"/>
+            <a:ext cx="6599160" cy="2644560"/>
           </a:xfrm>
           <a:prstGeom prst="rect">
             <a:avLst/>
@@ -5244,7 +4291,7 @@
       </p:grpSpPr>
       <p:sp>
         <p:nvSpPr>
-          <p:cNvPr id="70" name="PlaceHolder 1"/>
+          <p:cNvPr id="62" name="PlaceHolder 1"/>
           <p:cNvSpPr>
             <a:spLocks noGrp="1"/>
           </p:cNvSpPr>
@@ -5254,8 +4301,8 @@
         </p:nvSpPr>
         <p:spPr>
           <a:xfrm>
-            <a:off x="2477160" y="570600"/>
-            <a:ext cx="4260240" cy="572400"/>
+            <a:off x="311760" y="444960"/>
+            <a:ext cx="8519760" cy="572040"/>
           </a:xfrm>
           <a:prstGeom prst="rect">
             <a:avLst/>
@@ -5267,7 +4314,7 @@
         </p:spPr>
         <p:txBody>
           <a:bodyPr lIns="91440" rIns="91440" tIns="91440" bIns="91440" anchor="t">
-            <a:normAutofit fontScale="93550"/>
+            <a:normAutofit fontScale="93333"/>
           </a:bodyPr>
           <a:p>
             <a:pPr indent="0">
@@ -5287,11 +4334,216 @@
                 <a:latin typeface="Arial"/>
                 <a:ea typeface="Arial"/>
               </a:rPr>
-              <a:t>Where can you find me?</a:t>
+              <a:t>Join the Community!</a:t>
             </a:r>
             <a:endParaRPr b="0" lang="en-US" sz="2800" spc="-1" strike="noStrike">
               <a:solidFill>
-                <a:srgbClr val="000000"/>
+                <a:srgbClr val="ffffff"/>
+              </a:solidFill>
+              <a:latin typeface="Arial"/>
+            </a:endParaRPr>
+          </a:p>
+        </p:txBody>
+      </p:sp>
+      <p:sp>
+        <p:nvSpPr>
+          <p:cNvPr id="63" name="PlaceHolder 2"/>
+          <p:cNvSpPr>
+            <a:spLocks noGrp="1"/>
+          </p:cNvSpPr>
+          <p:nvPr>
+            <p:ph/>
+          </p:nvPr>
+        </p:nvSpPr>
+        <p:spPr>
+          <a:xfrm>
+            <a:off x="311760" y="1152360"/>
+            <a:ext cx="4717080" cy="3415680"/>
+          </a:xfrm>
+          <a:prstGeom prst="rect">
+            <a:avLst/>
+          </a:prstGeom>
+          <a:noFill/>
+          <a:ln w="0">
+            <a:noFill/>
+          </a:ln>
+        </p:spPr>
+        <p:txBody>
+          <a:bodyPr lIns="91440" rIns="91440" tIns="91440" bIns="91440" anchor="t">
+            <a:normAutofit/>
+          </a:bodyPr>
+          <a:p>
+            <a:pPr indent="0">
+              <a:lnSpc>
+                <a:spcPct val="115000"/>
+              </a:lnSpc>
+              <a:buNone/>
+              <a:tabLst>
+                <a:tab algn="l" pos="0"/>
+              </a:tabLst>
+            </a:pPr>
+            <a:r>
+              <a:rPr b="0" lang="en" sz="1800" spc="-1" strike="noStrike">
+                <a:solidFill>
+                  <a:schemeClr val="lt2"/>
+                </a:solidFill>
+                <a:latin typeface="Arial"/>
+                <a:ea typeface="Arial"/>
+              </a:rPr>
+              <a:t>Bazzite: </a:t>
+            </a:r>
+            <a:r>
+              <a:rPr b="0" lang="en" sz="1800" spc="-1" strike="noStrike" u="sng">
+                <a:solidFill>
+                  <a:schemeClr val="hlink"/>
+                </a:solidFill>
+                <a:uFillTx/>
+                <a:latin typeface="Arial"/>
+                <a:ea typeface="Arial"/>
+                <a:hlinkClick r:id="rId1"/>
+              </a:rPr>
+              <a:t>https://bazzite.gg</a:t>
+            </a:r>
+            <a:r>
+              <a:rPr b="0" lang="en" sz="1800" spc="-1" strike="noStrike">
+                <a:solidFill>
+                  <a:schemeClr val="lt2"/>
+                </a:solidFill>
+                <a:latin typeface="Arial"/>
+                <a:ea typeface="Arial"/>
+              </a:rPr>
+              <a:t> </a:t>
+            </a:r>
+            <a:endParaRPr b="0" lang="en-US" sz="1800" spc="-1" strike="noStrike">
+              <a:solidFill>
+                <a:srgbClr val="ffffff"/>
+              </a:solidFill>
+              <a:latin typeface="Arial"/>
+            </a:endParaRPr>
+          </a:p>
+          <a:p>
+            <a:pPr indent="0">
+              <a:lnSpc>
+                <a:spcPct val="115000"/>
+              </a:lnSpc>
+              <a:spcBef>
+                <a:spcPts val="1199"/>
+              </a:spcBef>
+              <a:buNone/>
+              <a:tabLst>
+                <a:tab algn="l" pos="0"/>
+              </a:tabLst>
+            </a:pPr>
+            <a:r>
+              <a:rPr b="0" lang="en" sz="1800" spc="-1" strike="noStrike">
+                <a:solidFill>
+                  <a:schemeClr val="lt2"/>
+                </a:solidFill>
+                <a:latin typeface="Arial"/>
+                <a:ea typeface="Arial"/>
+              </a:rPr>
+              <a:t>Universal Blue: </a:t>
+            </a:r>
+            <a:r>
+              <a:rPr b="0" lang="en" sz="1800" spc="-1" strike="noStrike" u="sng">
+                <a:solidFill>
+                  <a:schemeClr val="hlink"/>
+                </a:solidFill>
+                <a:uFillTx/>
+                <a:latin typeface="Arial"/>
+                <a:ea typeface="Arial"/>
+                <a:hlinkClick r:id="rId2"/>
+              </a:rPr>
+              <a:t>https://universal-blue.org</a:t>
+            </a:r>
+            <a:r>
+              <a:rPr b="0" lang="en" sz="1800" spc="-1" strike="noStrike">
+                <a:solidFill>
+                  <a:schemeClr val="lt2"/>
+                </a:solidFill>
+                <a:latin typeface="Arial"/>
+                <a:ea typeface="Arial"/>
+              </a:rPr>
+              <a:t> </a:t>
+            </a:r>
+            <a:endParaRPr b="0" lang="en-US" sz="1800" spc="-1" strike="noStrike">
+              <a:solidFill>
+                <a:srgbClr val="ffffff"/>
+              </a:solidFill>
+              <a:latin typeface="Arial"/>
+            </a:endParaRPr>
+          </a:p>
+          <a:p>
+            <a:pPr indent="0">
+              <a:lnSpc>
+                <a:spcPct val="115000"/>
+              </a:lnSpc>
+              <a:spcBef>
+                <a:spcPts val="1199"/>
+              </a:spcBef>
+              <a:buNone/>
+              <a:tabLst>
+                <a:tab algn="l" pos="0"/>
+              </a:tabLst>
+            </a:pPr>
+            <a:r>
+              <a:rPr b="0" lang="en" sz="1800" spc="-1" strike="noStrike">
+                <a:solidFill>
+                  <a:schemeClr val="lt2"/>
+                </a:solidFill>
+                <a:latin typeface="Arial"/>
+                <a:ea typeface="Arial"/>
+              </a:rPr>
+              <a:t>Discord: </a:t>
+            </a:r>
+            <a:r>
+              <a:rPr b="0" lang="en" sz="1800" spc="-1" strike="noStrike" u="sng">
+                <a:solidFill>
+                  <a:schemeClr val="hlink"/>
+                </a:solidFill>
+                <a:uFillTx/>
+                <a:latin typeface="Arial"/>
+                <a:ea typeface="Arial"/>
+                <a:hlinkClick r:id="rId3"/>
+              </a:rPr>
+              <a:t>https://discord.gg/HbUWTNcm</a:t>
+            </a:r>
+            <a:r>
+              <a:rPr b="0" lang="en" sz="1800" spc="-1" strike="noStrike">
+                <a:solidFill>
+                  <a:schemeClr val="lt2"/>
+                </a:solidFill>
+                <a:latin typeface="Arial"/>
+                <a:ea typeface="Arial"/>
+              </a:rPr>
+              <a:t> </a:t>
+            </a:r>
+            <a:endParaRPr b="0" lang="en-US" sz="1800" spc="-1" strike="noStrike">
+              <a:solidFill>
+                <a:srgbClr val="ffffff"/>
+              </a:solidFill>
+              <a:latin typeface="Arial"/>
+            </a:endParaRPr>
+          </a:p>
+          <a:p>
+            <a:pPr indent="0">
+              <a:lnSpc>
+                <a:spcPct val="115000"/>
+              </a:lnSpc>
+              <a:spcBef>
+                <a:spcPts val="1199"/>
+              </a:spcBef>
+              <a:spcAft>
+                <a:spcPts val="1199"/>
+              </a:spcAft>
+              <a:buNone/>
+              <a:tabLst>
+                <a:tab algn="l" pos="0"/>
+              </a:tabLst>
+            </a:pPr>
+            <a:endParaRPr b="0" lang="en-US" sz="1800" spc="-1" strike="noStrike">
+              <a:solidFill>
+                <a:srgbClr val="ffffff"/>
               </a:solidFill>
               <a:latin typeface="Arial"/>
             </a:endParaRPr>
@@ -5300,7 +4552,111 @@
       </p:sp>
       <p:pic>
         <p:nvPicPr>
-          <p:cNvPr id="71" name="" descr=""/>
+          <p:cNvPr id="64" name="" descr=""/>
+          <p:cNvPicPr/>
+          <p:nvPr/>
+        </p:nvPicPr>
+        <p:blipFill>
+          <a:blip r:embed="rId4"/>
+          <a:stretch/>
+        </p:blipFill>
+        <p:spPr>
+          <a:xfrm>
+            <a:off x="5373000" y="801000"/>
+            <a:ext cx="2856240" cy="2856240"/>
+          </a:xfrm>
+          <a:prstGeom prst="rect">
+            <a:avLst/>
+          </a:prstGeom>
+          <a:ln w="0">
+            <a:noFill/>
+          </a:ln>
+        </p:spPr>
+      </p:pic>
+    </p:spTree>
+  </p:cSld>
+  <p:transition spd="med">
+    <p:fade thruBlk="true"/>
+  </p:transition>
+</p:sld>
+</file>
+
+<file path=ppt/slides/slide11.xml><?xml version="1.0" encoding="utf-8"?>
+<p:sld xmlns:a="http://schemas.openxmlformats.org/drawingml/2006/main" xmlns:p="http://schemas.openxmlformats.org/presentationml/2006/main" xmlns:r="http://schemas.openxmlformats.org/officeDocument/2006/relationships" xmlns:p14="http://schemas.microsoft.com/office/powerpoint/2010/main" xmlns:p15="http://schemas.microsoft.com/office/powerpoint/2012/main" xmlns:mc="http://schemas.openxmlformats.org/markup-compatibility/2006">
+  <p:cSld>
+    <p:spTree>
+      <p:nvGrpSpPr>
+        <p:cNvPr id="1" name=""/>
+        <p:cNvGrpSpPr/>
+        <p:nvPr/>
+      </p:nvGrpSpPr>
+      <p:grpSpPr>
+        <a:xfrm>
+          <a:off x="0" y="0"/>
+          <a:ext cx="0" cy="0"/>
+          <a:chOff x="0" y="0"/>
+          <a:chExt cx="0" cy="0"/>
+        </a:xfrm>
+      </p:grpSpPr>
+      <p:sp>
+        <p:nvSpPr>
+          <p:cNvPr id="65" name="PlaceHolder 1"/>
+          <p:cNvSpPr>
+            <a:spLocks noGrp="1"/>
+          </p:cNvSpPr>
+          <p:nvPr>
+            <p:ph type="title"/>
+          </p:nvPr>
+        </p:nvSpPr>
+        <p:spPr>
+          <a:xfrm>
+            <a:off x="2477160" y="570600"/>
+            <a:ext cx="4259880" cy="572040"/>
+          </a:xfrm>
+          <a:prstGeom prst="rect">
+            <a:avLst/>
+          </a:prstGeom>
+          <a:noFill/>
+          <a:ln w="0">
+            <a:noFill/>
+          </a:ln>
+        </p:spPr>
+        <p:txBody>
+          <a:bodyPr lIns="91440" rIns="91440" tIns="91440" bIns="91440" anchor="t">
+            <a:normAutofit fontScale="93333"/>
+          </a:bodyPr>
+          <a:p>
+            <a:pPr indent="0">
+              <a:lnSpc>
+                <a:spcPct val="100000"/>
+              </a:lnSpc>
+              <a:buNone/>
+              <a:tabLst>
+                <a:tab algn="l" pos="0"/>
+              </a:tabLst>
+            </a:pPr>
+            <a:r>
+              <a:rPr b="0" lang="en" sz="2800" spc="-1" strike="noStrike">
+                <a:solidFill>
+                  <a:schemeClr val="dk1"/>
+                </a:solidFill>
+                <a:latin typeface="Arial"/>
+                <a:ea typeface="Arial"/>
+              </a:rPr>
+              <a:t>Where can you find me?</a:t>
+            </a:r>
+            <a:endParaRPr b="0" lang="en-US" sz="2800" spc="-1" strike="noStrike">
+              <a:solidFill>
+                <a:srgbClr val="ffffff"/>
+              </a:solidFill>
+              <a:latin typeface="Arial"/>
+            </a:endParaRPr>
+          </a:p>
+        </p:txBody>
+      </p:sp>
+      <p:pic>
+        <p:nvPicPr>
+          <p:cNvPr id="66" name="" descr=""/>
           <p:cNvPicPr/>
           <p:nvPr/>
         </p:nvPicPr>
@@ -5311,7 +4667,7 @@
         <p:spPr>
           <a:xfrm>
             <a:off x="2966400" y="1342800"/>
-            <a:ext cx="2856600" cy="2856600"/>
+            <a:ext cx="2856240" cy="2856240"/>
           </a:xfrm>
           <a:prstGeom prst="rect">
             <a:avLst/>
@@ -5323,14 +4679,14 @@
       </p:pic>
       <p:sp>
         <p:nvSpPr>
-          <p:cNvPr id="72" name=""/>
-          <p:cNvSpPr txBox="1"/>
+          <p:cNvPr id="67" name=""/>
+          <p:cNvSpPr/>
           <p:nvPr/>
         </p:nvSpPr>
         <p:spPr>
           <a:xfrm>
             <a:off x="2971800" y="4392000"/>
-            <a:ext cx="2695320" cy="346320"/>
+            <a:ext cx="2694960" cy="345960"/>
           </a:xfrm>
           <a:prstGeom prst="rect">
             <a:avLst/>
@@ -5340,16 +4696,28 @@
             <a:noFill/>
           </a:ln>
         </p:spPr>
+        <p:style>
+          <a:lnRef idx="0"/>
+          <a:fillRef idx="0"/>
+          <a:effectRef idx="0"/>
+          <a:fontRef idx="minor"/>
+        </p:style>
         <p:txBody>
           <a:bodyPr wrap="none" lIns="90000" rIns="90000" tIns="45000" bIns="45000" anchor="t">
             <a:noAutofit/>
           </a:bodyPr>
           <a:p>
-            <a:r>
-              <a:rPr b="0" lang="en-US" sz="1800" spc="-1" strike="noStrike">
-                <a:solidFill>
-                  <a:srgbClr val="ffffff"/>
-                </a:solidFill>
+            <a:pPr>
+              <a:lnSpc>
+                <a:spcPct val="100000"/>
+              </a:lnSpc>
+            </a:pPr>
+            <a:r>
+              <a:rPr b="0" lang="en-US" sz="1800" spc="-1" strike="noStrike" u="sng">
+                <a:solidFill>
+                  <a:srgbClr val="4dd0e1"/>
+                </a:solidFill>
+                <a:uFillTx/>
                 <a:latin typeface="Arial"/>
                 <a:hlinkClick r:id="rId2"/>
               </a:rPr>
@@ -5400,7 +4768,7 @@
       </p:grpSpPr>
       <p:sp>
         <p:nvSpPr>
-          <p:cNvPr id="46" name="PlaceHolder 1"/>
+          <p:cNvPr id="38" name="PlaceHolder 1"/>
           <p:cNvSpPr>
             <a:spLocks noGrp="1"/>
           </p:cNvSpPr>
@@ -5410,8 +4778,8 @@
         </p:nvSpPr>
         <p:spPr>
           <a:xfrm>
-            <a:off x="311760" y="444960"/>
-            <a:ext cx="8520120" cy="572400"/>
+            <a:off x="1949400" y="570600"/>
+            <a:ext cx="5594040" cy="572040"/>
           </a:xfrm>
           <a:prstGeom prst="rect">
             <a:avLst/>
@@ -5423,7 +4791,7 @@
         </p:spPr>
         <p:txBody>
           <a:bodyPr lIns="91440" rIns="91440" tIns="91440" bIns="91440" anchor="t">
-            <a:normAutofit fontScale="93550"/>
+            <a:normAutofit fontScale="93333"/>
           </a:bodyPr>
           <a:p>
             <a:pPr indent="0">
@@ -5443,11 +4811,11 @@
                 <a:latin typeface="Arial"/>
                 <a:ea typeface="Arial"/>
               </a:rPr>
-              <a:t>About me</a:t>
+              <a:t>Grab a Copy of this Presentation!</a:t>
             </a:r>
             <a:endParaRPr b="0" lang="en-US" sz="2800" spc="-1" strike="noStrike">
               <a:solidFill>
-                <a:srgbClr val="000000"/>
+                <a:srgbClr val="ffffff"/>
               </a:solidFill>
               <a:latin typeface="Arial"/>
             </a:endParaRPr>
@@ -5456,7 +4824,174 @@
       </p:sp>
       <p:sp>
         <p:nvSpPr>
-          <p:cNvPr id="47" name="PlaceHolder 2"/>
+          <p:cNvPr id="39" name=""/>
+          <p:cNvSpPr/>
+          <p:nvPr/>
+        </p:nvSpPr>
+        <p:spPr>
+          <a:xfrm>
+            <a:off x="1828800" y="4343400"/>
+            <a:ext cx="5486400" cy="345960"/>
+          </a:xfrm>
+          <a:prstGeom prst="rect">
+            <a:avLst/>
+          </a:prstGeom>
+          <a:noFill/>
+          <a:ln w="0">
+            <a:noFill/>
+          </a:ln>
+        </p:spPr>
+        <p:style>
+          <a:lnRef idx="0"/>
+          <a:fillRef idx="0"/>
+          <a:effectRef idx="0"/>
+          <a:fontRef idx="minor"/>
+        </p:style>
+        <p:txBody>
+          <a:bodyPr wrap="none" lIns="90000" rIns="90000" tIns="45000" bIns="45000" anchor="t">
+            <a:noAutofit/>
+          </a:bodyPr>
+          <a:p>
+            <a:pPr>
+              <a:lnSpc>
+                <a:spcPct val="100000"/>
+              </a:lnSpc>
+            </a:pPr>
+            <a:r>
+              <a:rPr b="0" lang="en-US" sz="1800" spc="-1" strike="noStrike">
+                <a:solidFill>
+                  <a:srgbClr val="ffffff"/>
+                </a:solidFill>
+                <a:latin typeface="Arial"/>
+                <a:hlinkClick r:id="rId1"/>
+              </a:rPr>
+              <a:t>https://github.com/noelmiller/bazzite_presentation</a:t>
+            </a:r>
+            <a:r>
+              <a:rPr b="0" lang="en-US" sz="1800" spc="-1" strike="noStrike">
+                <a:solidFill>
+                  <a:srgbClr val="ffffff"/>
+                </a:solidFill>
+                <a:latin typeface="Arial"/>
+              </a:rPr>
+              <a:t> </a:t>
+            </a:r>
+            <a:endParaRPr b="0" lang="en-US" sz="1800" spc="-1" strike="noStrike">
+              <a:solidFill>
+                <a:srgbClr val="ffffff"/>
+              </a:solidFill>
+              <a:latin typeface="Arial"/>
+            </a:endParaRPr>
+          </a:p>
+        </p:txBody>
+      </p:sp>
+      <p:pic>
+        <p:nvPicPr>
+          <p:cNvPr id="40" name="" descr=""/>
+          <p:cNvPicPr/>
+          <p:nvPr/>
+        </p:nvPicPr>
+        <p:blipFill>
+          <a:blip r:embed="rId2"/>
+          <a:stretch/>
+        </p:blipFill>
+        <p:spPr>
+          <a:xfrm>
+            <a:off x="2858400" y="1258200"/>
+            <a:ext cx="2856600" cy="2856600"/>
+          </a:xfrm>
+          <a:prstGeom prst="rect">
+            <a:avLst/>
+          </a:prstGeom>
+          <a:ln w="0">
+            <a:noFill/>
+          </a:ln>
+        </p:spPr>
+      </p:pic>
+    </p:spTree>
+  </p:cSld>
+  <p:transition spd="med">
+    <p:fade thruBlk="true"/>
+  </p:transition>
+</p:sld>
+</file>
+
+<file path=ppt/slides/slide3.xml><?xml version="1.0" encoding="utf-8"?>
+<p:sld xmlns:a="http://schemas.openxmlformats.org/drawingml/2006/main" xmlns:p="http://schemas.openxmlformats.org/presentationml/2006/main" xmlns:r="http://schemas.openxmlformats.org/officeDocument/2006/relationships" xmlns:p14="http://schemas.microsoft.com/office/powerpoint/2010/main" xmlns:p15="http://schemas.microsoft.com/office/powerpoint/2012/main" xmlns:mc="http://schemas.openxmlformats.org/markup-compatibility/2006">
+  <p:cSld>
+    <p:spTree>
+      <p:nvGrpSpPr>
+        <p:cNvPr id="1" name=""/>
+        <p:cNvGrpSpPr/>
+        <p:nvPr/>
+      </p:nvGrpSpPr>
+      <p:grpSpPr>
+        <a:xfrm>
+          <a:off x="0" y="0"/>
+          <a:ext cx="0" cy="0"/>
+          <a:chOff x="0" y="0"/>
+          <a:chExt cx="0" cy="0"/>
+        </a:xfrm>
+      </p:grpSpPr>
+      <p:sp>
+        <p:nvSpPr>
+          <p:cNvPr id="41" name="PlaceHolder 1"/>
+          <p:cNvSpPr>
+            <a:spLocks noGrp="1"/>
+          </p:cNvSpPr>
+          <p:nvPr>
+            <p:ph type="title"/>
+          </p:nvPr>
+        </p:nvSpPr>
+        <p:spPr>
+          <a:xfrm>
+            <a:off x="311760" y="444960"/>
+            <a:ext cx="8519760" cy="572040"/>
+          </a:xfrm>
+          <a:prstGeom prst="rect">
+            <a:avLst/>
+          </a:prstGeom>
+          <a:noFill/>
+          <a:ln w="0">
+            <a:noFill/>
+          </a:ln>
+        </p:spPr>
+        <p:txBody>
+          <a:bodyPr lIns="91440" rIns="91440" tIns="91440" bIns="91440" anchor="t">
+            <a:normAutofit fontScale="93333"/>
+          </a:bodyPr>
+          <a:p>
+            <a:pPr indent="0">
+              <a:lnSpc>
+                <a:spcPct val="100000"/>
+              </a:lnSpc>
+              <a:buNone/>
+              <a:tabLst>
+                <a:tab algn="l" pos="0"/>
+              </a:tabLst>
+            </a:pPr>
+            <a:r>
+              <a:rPr b="0" lang="en" sz="2800" spc="-1" strike="noStrike">
+                <a:solidFill>
+                  <a:schemeClr val="dk1"/>
+                </a:solidFill>
+                <a:latin typeface="Arial"/>
+                <a:ea typeface="Arial"/>
+              </a:rPr>
+              <a:t>About me</a:t>
+            </a:r>
+            <a:endParaRPr b="0" lang="en-US" sz="2800" spc="-1" strike="noStrike">
+              <a:solidFill>
+                <a:srgbClr val="ffffff"/>
+              </a:solidFill>
+              <a:latin typeface="Arial"/>
+            </a:endParaRPr>
+          </a:p>
+        </p:txBody>
+      </p:sp>
+      <p:sp>
+        <p:nvSpPr>
+          <p:cNvPr id="42" name="PlaceHolder 2"/>
           <p:cNvSpPr>
             <a:spLocks noGrp="1"/>
           </p:cNvSpPr>
@@ -5467,7 +5002,7 @@
         <p:spPr>
           <a:xfrm>
             <a:off x="311760" y="1152360"/>
-            <a:ext cx="4620600" cy="3416040"/>
+            <a:ext cx="4620240" cy="3415680"/>
           </a:xfrm>
           <a:prstGeom prst="rect">
             <a:avLst/>
@@ -5504,7 +5039,7 @@
             </a:r>
             <a:endParaRPr b="0" lang="en-US" sz="1800" spc="-1" strike="noStrike">
               <a:solidFill>
-                <a:srgbClr val="000000"/>
+                <a:srgbClr val="ffffff"/>
               </a:solidFill>
               <a:latin typeface="Arial"/>
             </a:endParaRPr>
@@ -5532,7 +5067,7 @@
             </a:r>
             <a:endParaRPr b="0" lang="en-US" sz="1800" spc="-1" strike="noStrike">
               <a:solidFill>
-                <a:srgbClr val="000000"/>
+                <a:srgbClr val="ffffff"/>
               </a:solidFill>
               <a:latin typeface="Arial"/>
             </a:endParaRPr>
@@ -5560,7 +5095,7 @@
             </a:r>
             <a:endParaRPr b="0" lang="en-US" sz="1800" spc="-1" strike="noStrike">
               <a:solidFill>
-                <a:srgbClr val="000000"/>
+                <a:srgbClr val="ffffff"/>
               </a:solidFill>
               <a:latin typeface="Arial"/>
             </a:endParaRPr>
@@ -5588,7 +5123,7 @@
             </a:r>
             <a:endParaRPr b="0" lang="en-US" sz="1800" spc="-1" strike="noStrike">
               <a:solidFill>
-                <a:srgbClr val="000000"/>
+                <a:srgbClr val="ffffff"/>
               </a:solidFill>
               <a:latin typeface="Arial"/>
             </a:endParaRPr>
@@ -5616,7 +5151,7 @@
             </a:r>
             <a:endParaRPr b="0" lang="en-US" sz="1800" spc="-1" strike="noStrike">
               <a:solidFill>
-                <a:srgbClr val="000000"/>
+                <a:srgbClr val="ffffff"/>
               </a:solidFill>
               <a:latin typeface="Arial"/>
             </a:endParaRPr>
@@ -5644,7 +5179,7 @@
             </a:r>
             <a:endParaRPr b="0" lang="en-US" sz="1800" spc="-1" strike="noStrike">
               <a:solidFill>
-                <a:srgbClr val="000000"/>
+                <a:srgbClr val="ffffff"/>
               </a:solidFill>
               <a:latin typeface="Arial"/>
             </a:endParaRPr>
@@ -5672,7 +5207,7 @@
             </a:r>
             <a:endParaRPr b="0" lang="en-US" sz="1800" spc="-1" strike="noStrike">
               <a:solidFill>
-                <a:srgbClr val="000000"/>
+                <a:srgbClr val="ffffff"/>
               </a:solidFill>
               <a:latin typeface="Arial"/>
             </a:endParaRPr>
@@ -5681,7 +5216,7 @@
       </p:sp>
       <p:pic>
         <p:nvPicPr>
-          <p:cNvPr id="48" name="Google Shape;62;p14" descr=""/>
+          <p:cNvPr id="43" name="Google Shape;62;p14" descr=""/>
           <p:cNvPicPr/>
           <p:nvPr/>
         </p:nvPicPr>
@@ -5692,7 +5227,7 @@
         <p:spPr>
           <a:xfrm>
             <a:off x="5512320" y="715320"/>
-            <a:ext cx="2865240" cy="3820680"/>
+            <a:ext cx="2864880" cy="3820320"/>
           </a:xfrm>
           <a:prstGeom prst="rect">
             <a:avLst/>
@@ -5746,7 +5281,7 @@
                                           </p:stCondLst>
                                         </p:cTn>
                                         <p:tgtEl>
-                                          <p:spTgt spid="47">
+                                          <p:spTgt spid="42">
                                             <p:txEl>
                                               <p:pRg st="0" end="0"/>
                                             </p:txEl>
@@ -5764,7 +5299,7 @@
                                       <p:cBhvr additive="repl">
                                         <p:cTn id="7" dur="1000"/>
                                         <p:tgtEl>
-                                          <p:spTgt spid="47">
+                                          <p:spTgt spid="42">
                                             <p:txEl>
                                               <p:pRg st="0" end="0"/>
                                             </p:txEl>
@@ -5807,7 +5342,7 @@
                                           </p:stCondLst>
                                         </p:cTn>
                                         <p:tgtEl>
-                                          <p:spTgt spid="47">
+                                          <p:spTgt spid="42">
                                             <p:txEl>
                                               <p:pRg st="1" end="1"/>
                                             </p:txEl>
@@ -5825,7 +5360,7 @@
                                       <p:cBhvr additive="repl">
                                         <p:cTn id="12" dur="1000"/>
                                         <p:tgtEl>
-                                          <p:spTgt spid="47">
+                                          <p:spTgt spid="42">
                                             <p:txEl>
                                               <p:pRg st="1" end="1"/>
                                             </p:txEl>
@@ -5868,7 +5403,7 @@
                                           </p:stCondLst>
                                         </p:cTn>
                                         <p:tgtEl>
-                                          <p:spTgt spid="47">
+                                          <p:spTgt spid="42">
                                             <p:txEl>
                                               <p:pRg st="2" end="2"/>
                                             </p:txEl>
@@ -5886,7 +5421,7 @@
                                       <p:cBhvr additive="repl">
                                         <p:cTn id="17" dur="1000"/>
                                         <p:tgtEl>
-                                          <p:spTgt spid="47">
+                                          <p:spTgt spid="42">
                                             <p:txEl>
                                               <p:pRg st="2" end="2"/>
                                             </p:txEl>
@@ -5929,7 +5464,7 @@
                                           </p:stCondLst>
                                         </p:cTn>
                                         <p:tgtEl>
-                                          <p:spTgt spid="47">
+                                          <p:spTgt spid="42">
                                             <p:txEl>
                                               <p:pRg st="3" end="3"/>
                                             </p:txEl>
@@ -5947,7 +5482,7 @@
                                       <p:cBhvr additive="repl">
                                         <p:cTn id="22" dur="1000"/>
                                         <p:tgtEl>
-                                          <p:spTgt spid="47">
+                                          <p:spTgt spid="42">
                                             <p:txEl>
                                               <p:pRg st="3" end="3"/>
                                             </p:txEl>
@@ -5990,7 +5525,7 @@
                                           </p:stCondLst>
                                         </p:cTn>
                                         <p:tgtEl>
-                                          <p:spTgt spid="47">
+                                          <p:spTgt spid="42">
                                             <p:txEl>
                                               <p:pRg st="4" end="4"/>
                                             </p:txEl>
@@ -6008,7 +5543,7 @@
                                       <p:cBhvr additive="repl">
                                         <p:cTn id="27" dur="1000"/>
                                         <p:tgtEl>
-                                          <p:spTgt spid="47">
+                                          <p:spTgt spid="42">
                                             <p:txEl>
                                               <p:pRg st="4" end="4"/>
                                             </p:txEl>
@@ -6051,7 +5586,7 @@
                                           </p:stCondLst>
                                         </p:cTn>
                                         <p:tgtEl>
-                                          <p:spTgt spid="47">
+                                          <p:spTgt spid="42">
                                             <p:txEl>
                                               <p:pRg st="5" end="5"/>
                                             </p:txEl>
@@ -6069,7 +5604,7 @@
                                       <p:cBhvr additive="repl">
                                         <p:cTn id="32" dur="1000"/>
                                         <p:tgtEl>
-                                          <p:spTgt spid="47">
+                                          <p:spTgt spid="42">
                                             <p:txEl>
                                               <p:pRg st="5" end="5"/>
                                             </p:txEl>
@@ -6112,7 +5647,7 @@
                                           </p:stCondLst>
                                         </p:cTn>
                                         <p:tgtEl>
-                                          <p:spTgt spid="47">
+                                          <p:spTgt spid="42">
                                             <p:txEl>
                                               <p:pRg st="6" end="6"/>
                                             </p:txEl>
@@ -6130,7 +5665,7 @@
                                       <p:cBhvr additive="repl">
                                         <p:cTn id="37" dur="1000"/>
                                         <p:tgtEl>
-                                          <p:spTgt spid="47">
+                                          <p:spTgt spid="42">
                                             <p:txEl>
                                               <p:pRg st="6" end="6"/>
                                             </p:txEl>
@@ -6173,7 +5708,7 @@
                                           </p:stCondLst>
                                         </p:cTn>
                                         <p:tgtEl>
-                                          <p:spTgt spid="48"/>
+                                          <p:spTgt spid="43"/>
                                         </p:tgtEl>
                                         <p:attrNameLst>
                                           <p:attrName>style.visibility</p:attrName>
@@ -6187,661 +5722,7 @@
                                       <p:cBhvr additive="repl">
                                         <p:cTn id="42" dur="1000"/>
                                         <p:tgtEl>
-                                          <p:spTgt spid="48"/>
-                                        </p:tgtEl>
-                                      </p:cBhvr>
-                                    </p:animEffect>
-                                  </p:childTnLst>
-                                </p:cTn>
-                              </p:par>
-                            </p:childTnLst>
-                          </p:cTn>
-                        </p:par>
-                      </p:childTnLst>
-                    </p:cTn>
-                  </p:par>
-                </p:childTnLst>
-              </p:cTn>
-              <p:prevCondLst>
-                <p:cond evt="onPrev">
-                  <p:tgtEl>
-                    <p:sldTgt/>
-                  </p:tgtEl>
-                </p:cond>
-              </p:prevCondLst>
-              <p:nextCondLst>
-                <p:cond evt="onNext">
-                  <p:tgtEl>
-                    <p:sldTgt/>
-                  </p:tgtEl>
-                </p:cond>
-              </p:nextCondLst>
-            </p:seq>
-          </p:childTnLst>
-        </p:cTn>
-      </p:par>
-    </p:tnLst>
-  </p:timing>
-</p:sld>
-</file>
-
-<file path=ppt/slides/slide3.xml><?xml version="1.0" encoding="utf-8"?>
-<p:sld xmlns:a="http://schemas.openxmlformats.org/drawingml/2006/main" xmlns:p="http://schemas.openxmlformats.org/presentationml/2006/main" xmlns:r="http://schemas.openxmlformats.org/officeDocument/2006/relationships" xmlns:p14="http://schemas.microsoft.com/office/powerpoint/2010/main" xmlns:p15="http://schemas.microsoft.com/office/powerpoint/2012/main" xmlns:mc="http://schemas.openxmlformats.org/markup-compatibility/2006">
-  <p:cSld>
-    <p:spTree>
-      <p:nvGrpSpPr>
-        <p:cNvPr id="1" name=""/>
-        <p:cNvGrpSpPr/>
-        <p:nvPr/>
-      </p:nvGrpSpPr>
-      <p:grpSpPr>
-        <a:xfrm>
-          <a:off x="0" y="0"/>
-          <a:ext cx="0" cy="0"/>
-          <a:chOff x="0" y="0"/>
-          <a:chExt cx="0" cy="0"/>
-        </a:xfrm>
-      </p:grpSpPr>
-      <p:sp>
-        <p:nvSpPr>
-          <p:cNvPr id="49" name="PlaceHolder 1"/>
-          <p:cNvSpPr>
-            <a:spLocks noGrp="1"/>
-          </p:cNvSpPr>
-          <p:nvPr>
-            <p:ph type="title"/>
-          </p:nvPr>
-        </p:nvSpPr>
-        <p:spPr>
-          <a:xfrm>
-            <a:off x="311760" y="444960"/>
-            <a:ext cx="8520120" cy="572400"/>
-          </a:xfrm>
-          <a:prstGeom prst="rect">
-            <a:avLst/>
-          </a:prstGeom>
-          <a:noFill/>
-          <a:ln w="0">
-            <a:noFill/>
-          </a:ln>
-        </p:spPr>
-        <p:txBody>
-          <a:bodyPr lIns="91440" rIns="91440" tIns="91440" bIns="91440" anchor="t">
-            <a:noAutofit/>
-          </a:bodyPr>
-          <a:p>
-            <a:pPr indent="0">
-              <a:lnSpc>
-                <a:spcPct val="100000"/>
-              </a:lnSpc>
-              <a:buNone/>
-              <a:tabLst>
-                <a:tab algn="l" pos="0"/>
-              </a:tabLst>
-            </a:pPr>
-            <a:r>
-              <a:rPr b="0" lang="en" sz="3020" spc="-1" strike="noStrike">
-                <a:solidFill>
-                  <a:schemeClr val="dk1"/>
-                </a:solidFill>
-                <a:latin typeface="Arial"/>
-                <a:ea typeface="Arial"/>
-              </a:rPr>
-              <a:t>State of PC, Console, and Handheld Gaming</a:t>
-            </a:r>
-            <a:endParaRPr b="0" lang="en-US" sz="3020" spc="-1" strike="noStrike">
-              <a:solidFill>
-                <a:srgbClr val="000000"/>
-              </a:solidFill>
-              <a:latin typeface="Arial"/>
-            </a:endParaRPr>
-          </a:p>
-        </p:txBody>
-      </p:sp>
-      <p:sp>
-        <p:nvSpPr>
-          <p:cNvPr id="50" name="PlaceHolder 2"/>
-          <p:cNvSpPr>
-            <a:spLocks noGrp="1"/>
-          </p:cNvSpPr>
-          <p:nvPr>
-            <p:ph/>
-          </p:nvPr>
-        </p:nvSpPr>
-        <p:spPr>
-          <a:xfrm>
-            <a:off x="311760" y="1152360"/>
-            <a:ext cx="5101920" cy="3416040"/>
-          </a:xfrm>
-          <a:prstGeom prst="rect">
-            <a:avLst/>
-          </a:prstGeom>
-          <a:noFill/>
-          <a:ln w="0">
-            <a:noFill/>
-          </a:ln>
-        </p:spPr>
-        <p:txBody>
-          <a:bodyPr lIns="91440" rIns="91440" tIns="91440" bIns="91440" anchor="t">
-            <a:normAutofit/>
-          </a:bodyPr>
-          <a:p>
-            <a:pPr marL="457200" indent="-349200">
-              <a:lnSpc>
-                <a:spcPct val="115000"/>
-              </a:lnSpc>
-              <a:buClr>
-                <a:srgbClr val="adadad"/>
-              </a:buClr>
-              <a:buFont typeface="Arial"/>
-              <a:buChar char="-"/>
-            </a:pPr>
-            <a:r>
-              <a:rPr b="0" lang="en" sz="1900" spc="-1" strike="noStrike">
-                <a:solidFill>
-                  <a:schemeClr val="lt2"/>
-                </a:solidFill>
-                <a:latin typeface="Arial"/>
-                <a:ea typeface="Arial"/>
-              </a:rPr>
-              <a:t>Everything is a PC now</a:t>
-            </a:r>
-            <a:endParaRPr b="0" lang="en-US" sz="1900" spc="-1" strike="noStrike">
-              <a:solidFill>
-                <a:srgbClr val="000000"/>
-              </a:solidFill>
-              <a:latin typeface="Arial"/>
-            </a:endParaRPr>
-          </a:p>
-          <a:p>
-            <a:pPr marL="457200" indent="-349200">
-              <a:lnSpc>
-                <a:spcPct val="115000"/>
-              </a:lnSpc>
-              <a:buClr>
-                <a:srgbClr val="adadad"/>
-              </a:buClr>
-              <a:buFont typeface="Arial"/>
-              <a:buChar char="-"/>
-            </a:pPr>
-            <a:r>
-              <a:rPr b="0" lang="en" sz="1900" spc="-1" strike="noStrike">
-                <a:solidFill>
-                  <a:schemeClr val="lt2"/>
-                </a:solidFill>
-                <a:latin typeface="Arial"/>
-                <a:ea typeface="Arial"/>
-              </a:rPr>
-              <a:t>Consoles are great, purpose built experiences</a:t>
-            </a:r>
-            <a:endParaRPr b="0" lang="en-US" sz="1900" spc="-1" strike="noStrike">
-              <a:solidFill>
-                <a:srgbClr val="000000"/>
-              </a:solidFill>
-              <a:latin typeface="Arial"/>
-            </a:endParaRPr>
-          </a:p>
-          <a:p>
-            <a:pPr marL="457200" indent="-349200">
-              <a:lnSpc>
-                <a:spcPct val="115000"/>
-              </a:lnSpc>
-              <a:buClr>
-                <a:srgbClr val="adadad"/>
-              </a:buClr>
-              <a:buFont typeface="Arial"/>
-              <a:buChar char="-"/>
-            </a:pPr>
-            <a:r>
-              <a:rPr b="0" lang="en" sz="1900" spc="-1" strike="noStrike">
-                <a:solidFill>
-                  <a:schemeClr val="lt2"/>
-                </a:solidFill>
-                <a:latin typeface="Arial"/>
-                <a:ea typeface="Arial"/>
-              </a:rPr>
-              <a:t>Nintendo Switch and Steam Deck changed everything</a:t>
-            </a:r>
-            <a:endParaRPr b="0" lang="en-US" sz="1900" spc="-1" strike="noStrike">
-              <a:solidFill>
-                <a:srgbClr val="000000"/>
-              </a:solidFill>
-              <a:latin typeface="Arial"/>
-            </a:endParaRPr>
-          </a:p>
-          <a:p>
-            <a:pPr marL="457200" indent="-349200">
-              <a:lnSpc>
-                <a:spcPct val="115000"/>
-              </a:lnSpc>
-              <a:buClr>
-                <a:srgbClr val="adadad"/>
-              </a:buClr>
-              <a:buFont typeface="Arial"/>
-              <a:buChar char="-"/>
-            </a:pPr>
-            <a:r>
-              <a:rPr b="0" lang="en" sz="1900" spc="-1" strike="noStrike">
-                <a:solidFill>
-                  <a:schemeClr val="lt2"/>
-                </a:solidFill>
-                <a:latin typeface="Arial"/>
-                <a:ea typeface="Arial"/>
-              </a:rPr>
-              <a:t>Good PCs have become more affordable</a:t>
-            </a:r>
-            <a:endParaRPr b="0" lang="en-US" sz="1900" spc="-1" strike="noStrike">
-              <a:solidFill>
-                <a:srgbClr val="000000"/>
-              </a:solidFill>
-              <a:latin typeface="Arial"/>
-            </a:endParaRPr>
-          </a:p>
-          <a:p>
-            <a:pPr marL="457200" indent="-349200">
-              <a:lnSpc>
-                <a:spcPct val="115000"/>
-              </a:lnSpc>
-              <a:buClr>
-                <a:srgbClr val="adadad"/>
-              </a:buClr>
-              <a:buFont typeface="Arial"/>
-              <a:buChar char="-"/>
-            </a:pPr>
-            <a:r>
-              <a:rPr b="0" lang="en" sz="1900" spc="-1" strike="noStrike">
-                <a:solidFill>
-                  <a:schemeClr val="lt2"/>
-                </a:solidFill>
-                <a:latin typeface="Arial"/>
-                <a:ea typeface="Arial"/>
-              </a:rPr>
-              <a:t>Steam and Proton has made gaming on Linux possible</a:t>
-            </a:r>
-            <a:endParaRPr b="0" lang="en-US" sz="1900" spc="-1" strike="noStrike">
-              <a:solidFill>
-                <a:srgbClr val="000000"/>
-              </a:solidFill>
-              <a:latin typeface="Arial"/>
-            </a:endParaRPr>
-          </a:p>
-        </p:txBody>
-      </p:sp>
-      <p:pic>
-        <p:nvPicPr>
-          <p:cNvPr id="51" name="Google Shape;69;p15" descr=""/>
-          <p:cNvPicPr/>
-          <p:nvPr/>
-        </p:nvPicPr>
-        <p:blipFill>
-          <a:blip r:embed="rId1"/>
-          <a:stretch/>
-        </p:blipFill>
-        <p:spPr>
-          <a:xfrm>
-            <a:off x="5814360" y="1119600"/>
-            <a:ext cx="2031120" cy="2031120"/>
-          </a:xfrm>
-          <a:prstGeom prst="rect">
-            <a:avLst/>
-          </a:prstGeom>
-          <a:ln w="0">
-            <a:noFill/>
-          </a:ln>
-        </p:spPr>
-      </p:pic>
-      <p:pic>
-        <p:nvPicPr>
-          <p:cNvPr id="52" name="Google Shape;70;p15" descr=""/>
-          <p:cNvPicPr/>
-          <p:nvPr/>
-        </p:nvPicPr>
-        <p:blipFill>
-          <a:blip r:embed="rId2"/>
-          <a:stretch/>
-        </p:blipFill>
-        <p:spPr>
-          <a:xfrm>
-            <a:off x="7254000" y="2465280"/>
-            <a:ext cx="1687320" cy="1687320"/>
-          </a:xfrm>
-          <a:prstGeom prst="rect">
-            <a:avLst/>
-          </a:prstGeom>
-          <a:ln w="0">
-            <a:noFill/>
-          </a:ln>
-        </p:spPr>
-      </p:pic>
-      <p:pic>
-        <p:nvPicPr>
-          <p:cNvPr id="53" name="Google Shape;71;p15" descr=""/>
-          <p:cNvPicPr/>
-          <p:nvPr/>
-        </p:nvPicPr>
-        <p:blipFill>
-          <a:blip r:embed="rId3"/>
-          <a:stretch/>
-        </p:blipFill>
-        <p:spPr>
-          <a:xfrm>
-            <a:off x="5555520" y="2936880"/>
-            <a:ext cx="1784520" cy="1784520"/>
-          </a:xfrm>
-          <a:prstGeom prst="rect">
-            <a:avLst/>
-          </a:prstGeom>
-          <a:ln w="0">
-            <a:noFill/>
-          </a:ln>
-        </p:spPr>
-      </p:pic>
-    </p:spTree>
-  </p:cSld>
-  <p:transition spd="med">
-    <p:fade thruBlk="true"/>
-  </p:transition>
-  <p:timing>
-    <p:tnLst>
-      <p:par>
-        <p:cTn id="43" dur="indefinite" restart="never" nodeType="tmRoot">
-          <p:childTnLst>
-            <p:seq>
-              <p:cTn id="44" dur="indefinite" nodeType="mainSeq">
-                <p:childTnLst>
-                  <p:par>
-                    <p:cTn id="45" fill="hold">
-                      <p:stCondLst>
-                        <p:cond delay="indefinite"/>
-                      </p:stCondLst>
-                      <p:childTnLst>
-                        <p:par>
-                          <p:cTn id="46" fill="hold">
-                            <p:stCondLst>
-                              <p:cond delay="0"/>
-                            </p:stCondLst>
-                            <p:childTnLst>
-                              <p:par>
-                                <p:cTn id="47" nodeType="clickEffect" fill="hold" presetClass="entr" presetID="10">
-                                  <p:stCondLst>
-                                    <p:cond delay="0"/>
-                                  </p:stCondLst>
-                                  <p:childTnLst>
-                                    <p:set>
-                                      <p:cBhvr>
-                                        <p:cTn id="48" dur="1" fill="hold">
-                                          <p:stCondLst>
-                                            <p:cond delay="0"/>
-                                          </p:stCondLst>
-                                        </p:cTn>
-                                        <p:tgtEl>
-                                          <p:spTgt spid="50">
-                                            <p:txEl>
-                                              <p:pRg st="0" end="0"/>
-                                            </p:txEl>
-                                          </p:spTgt>
-                                        </p:tgtEl>
-                                        <p:attrNameLst>
-                                          <p:attrName>style.visibility</p:attrName>
-                                        </p:attrNameLst>
-                                      </p:cBhvr>
-                                      <p:to>
-                                        <p:strVal val="visible"/>
-                                      </p:to>
-                                    </p:set>
-                                    <p:animEffect filter="fade" transition="in">
-                                      <p:cBhvr additive="repl">
-                                        <p:cTn id="49" dur="1000"/>
-                                        <p:tgtEl>
-                                          <p:spTgt spid="50">
-                                            <p:txEl>
-                                              <p:pRg st="0" end="0"/>
-                                            </p:txEl>
-                                          </p:spTgt>
-                                        </p:tgtEl>
-                                      </p:cBhvr>
-                                    </p:animEffect>
-                                  </p:childTnLst>
-                                </p:cTn>
-                              </p:par>
-                            </p:childTnLst>
-                          </p:cTn>
-                        </p:par>
-                      </p:childTnLst>
-                    </p:cTn>
-                  </p:par>
-                  <p:par>
-                    <p:cTn id="50" fill="hold">
-                      <p:stCondLst>
-                        <p:cond delay="indefinite"/>
-                      </p:stCondLst>
-                      <p:childTnLst>
-                        <p:par>
-                          <p:cTn id="51" fill="hold">
-                            <p:stCondLst>
-                              <p:cond delay="0"/>
-                            </p:stCondLst>
-                            <p:childTnLst>
-                              <p:par>
-                                <p:cTn id="52" nodeType="clickEffect" fill="hold" presetClass="entr" presetID="10">
-                                  <p:stCondLst>
-                                    <p:cond delay="0"/>
-                                  </p:stCondLst>
-                                  <p:childTnLst>
-                                    <p:set>
-                                      <p:cBhvr>
-                                        <p:cTn id="53" dur="1" fill="hold">
-                                          <p:stCondLst>
-                                            <p:cond delay="0"/>
-                                          </p:stCondLst>
-                                        </p:cTn>
-                                        <p:tgtEl>
-                                          <p:spTgt spid="50">
-                                            <p:txEl>
-                                              <p:pRg st="1" end="1"/>
-                                            </p:txEl>
-                                          </p:spTgt>
-                                        </p:tgtEl>
-                                        <p:attrNameLst>
-                                          <p:attrName>style.visibility</p:attrName>
-                                        </p:attrNameLst>
-                                      </p:cBhvr>
-                                      <p:to>
-                                        <p:strVal val="visible"/>
-                                      </p:to>
-                                    </p:set>
-                                    <p:animEffect filter="fade" transition="in">
-                                      <p:cBhvr additive="repl">
-                                        <p:cTn id="54" dur="1000"/>
-                                        <p:tgtEl>
-                                          <p:spTgt spid="50">
-                                            <p:txEl>
-                                              <p:pRg st="1" end="1"/>
-                                            </p:txEl>
-                                          </p:spTgt>
-                                        </p:tgtEl>
-                                      </p:cBhvr>
-                                    </p:animEffect>
-                                  </p:childTnLst>
-                                </p:cTn>
-                              </p:par>
-                            </p:childTnLst>
-                          </p:cTn>
-                        </p:par>
-                      </p:childTnLst>
-                    </p:cTn>
-                  </p:par>
-                  <p:par>
-                    <p:cTn id="55" fill="hold">
-                      <p:stCondLst>
-                        <p:cond delay="indefinite"/>
-                      </p:stCondLst>
-                      <p:childTnLst>
-                        <p:par>
-                          <p:cTn id="56" fill="hold">
-                            <p:stCondLst>
-                              <p:cond delay="0"/>
-                            </p:stCondLst>
-                            <p:childTnLst>
-                              <p:par>
-                                <p:cTn id="57" nodeType="clickEffect" fill="hold" presetClass="entr" presetID="10">
-                                  <p:stCondLst>
-                                    <p:cond delay="0"/>
-                                  </p:stCondLst>
-                                  <p:childTnLst>
-                                    <p:set>
-                                      <p:cBhvr>
-                                        <p:cTn id="58" dur="1" fill="hold">
-                                          <p:stCondLst>
-                                            <p:cond delay="0"/>
-                                          </p:stCondLst>
-                                        </p:cTn>
-                                        <p:tgtEl>
-                                          <p:spTgt spid="50">
-                                            <p:txEl>
-                                              <p:pRg st="2" end="2"/>
-                                            </p:txEl>
-                                          </p:spTgt>
-                                        </p:tgtEl>
-                                        <p:attrNameLst>
-                                          <p:attrName>style.visibility</p:attrName>
-                                        </p:attrNameLst>
-                                      </p:cBhvr>
-                                      <p:to>
-                                        <p:strVal val="visible"/>
-                                      </p:to>
-                                    </p:set>
-                                    <p:animEffect filter="fade" transition="in">
-                                      <p:cBhvr additive="repl">
-                                        <p:cTn id="59" dur="1000"/>
-                                        <p:tgtEl>
-                                          <p:spTgt spid="50">
-                                            <p:txEl>
-                                              <p:pRg st="2" end="2"/>
-                                            </p:txEl>
-                                          </p:spTgt>
-                                        </p:tgtEl>
-                                      </p:cBhvr>
-                                    </p:animEffect>
-                                  </p:childTnLst>
-                                </p:cTn>
-                              </p:par>
-                            </p:childTnLst>
-                          </p:cTn>
-                        </p:par>
-                      </p:childTnLst>
-                    </p:cTn>
-                  </p:par>
-                  <p:par>
-                    <p:cTn id="60" fill="hold">
-                      <p:stCondLst>
-                        <p:cond delay="indefinite"/>
-                      </p:stCondLst>
-                      <p:childTnLst>
-                        <p:par>
-                          <p:cTn id="61" fill="hold">
-                            <p:stCondLst>
-                              <p:cond delay="0"/>
-                            </p:stCondLst>
-                            <p:childTnLst>
-                              <p:par>
-                                <p:cTn id="62" nodeType="clickEffect" fill="hold" presetClass="entr" presetID="10">
-                                  <p:stCondLst>
-                                    <p:cond delay="0"/>
-                                  </p:stCondLst>
-                                  <p:childTnLst>
-                                    <p:set>
-                                      <p:cBhvr>
-                                        <p:cTn id="63" dur="1" fill="hold">
-                                          <p:stCondLst>
-                                            <p:cond delay="0"/>
-                                          </p:stCondLst>
-                                        </p:cTn>
-                                        <p:tgtEl>
-                                          <p:spTgt spid="50">
-                                            <p:txEl>
-                                              <p:pRg st="3" end="3"/>
-                                            </p:txEl>
-                                          </p:spTgt>
-                                        </p:tgtEl>
-                                        <p:attrNameLst>
-                                          <p:attrName>style.visibility</p:attrName>
-                                        </p:attrNameLst>
-                                      </p:cBhvr>
-                                      <p:to>
-                                        <p:strVal val="visible"/>
-                                      </p:to>
-                                    </p:set>
-                                    <p:animEffect filter="fade" transition="in">
-                                      <p:cBhvr additive="repl">
-                                        <p:cTn id="64" dur="1000"/>
-                                        <p:tgtEl>
-                                          <p:spTgt spid="50">
-                                            <p:txEl>
-                                              <p:pRg st="3" end="3"/>
-                                            </p:txEl>
-                                          </p:spTgt>
-                                        </p:tgtEl>
-                                      </p:cBhvr>
-                                    </p:animEffect>
-                                  </p:childTnLst>
-                                </p:cTn>
-                              </p:par>
-                            </p:childTnLst>
-                          </p:cTn>
-                        </p:par>
-                      </p:childTnLst>
-                    </p:cTn>
-                  </p:par>
-                  <p:par>
-                    <p:cTn id="65" fill="hold">
-                      <p:stCondLst>
-                        <p:cond delay="indefinite"/>
-                      </p:stCondLst>
-                      <p:childTnLst>
-                        <p:par>
-                          <p:cTn id="66" fill="hold">
-                            <p:stCondLst>
-                              <p:cond delay="0"/>
-                            </p:stCondLst>
-                            <p:childTnLst>
-                              <p:par>
-                                <p:cTn id="67" nodeType="clickEffect" fill="hold" presetClass="entr" presetID="10">
-                                  <p:stCondLst>
-                                    <p:cond delay="0"/>
-                                  </p:stCondLst>
-                                  <p:childTnLst>
-                                    <p:set>
-                                      <p:cBhvr>
-                                        <p:cTn id="68" dur="1" fill="hold">
-                                          <p:stCondLst>
-                                            <p:cond delay="0"/>
-                                          </p:stCondLst>
-                                        </p:cTn>
-                                        <p:tgtEl>
-                                          <p:spTgt spid="50">
-                                            <p:txEl>
-                                              <p:pRg st="4" end="4"/>
-                                            </p:txEl>
-                                          </p:spTgt>
-                                        </p:tgtEl>
-                                        <p:attrNameLst>
-                                          <p:attrName>style.visibility</p:attrName>
-                                        </p:attrNameLst>
-                                      </p:cBhvr>
-                                      <p:to>
-                                        <p:strVal val="visible"/>
-                                      </p:to>
-                                    </p:set>
-                                    <p:animEffect filter="fade" transition="in">
-                                      <p:cBhvr additive="repl">
-                                        <p:cTn id="69" dur="1000"/>
-                                        <p:tgtEl>
-                                          <p:spTgt spid="50">
-                                            <p:txEl>
-                                              <p:pRg st="4" end="4"/>
-                                            </p:txEl>
-                                          </p:spTgt>
+                                          <p:spTgt spid="43"/>
                                         </p:tgtEl>
                                       </p:cBhvr>
                                     </p:animEffect>
@@ -6898,7 +5779,7 @@
       </p:grpSpPr>
       <p:sp>
         <p:nvSpPr>
-          <p:cNvPr id="54" name="PlaceHolder 1"/>
+          <p:cNvPr id="44" name="PlaceHolder 1"/>
           <p:cNvSpPr>
             <a:spLocks noGrp="1"/>
           </p:cNvSpPr>
@@ -6909,7 +5790,7 @@
         <p:spPr>
           <a:xfrm>
             <a:off x="311760" y="444960"/>
-            <a:ext cx="8520120" cy="572400"/>
+            <a:ext cx="8519760" cy="572040"/>
           </a:xfrm>
           <a:prstGeom prst="rect">
             <a:avLst/>
@@ -6941,32 +5822,11 @@
                 <a:latin typeface="Arial"/>
                 <a:ea typeface="Arial"/>
               </a:rPr>
-              <a:t>What is </a:t>
-            </a:r>
-            <a:r>
-              <a:rPr b="0" lang="en" sz="3020" spc="-1" strike="noStrike">
-                <a:solidFill>
-                  <a:schemeClr val="dk1"/>
-                </a:solidFill>
-                <a:latin typeface="Arial"/>
-                <a:ea typeface="Arial"/>
-                <a:hlinkClick r:id="rId1"/>
-              </a:rPr>
-              <a:t>Bazzite</a:t>
-            </a:r>
-            <a:r>
-              <a:rPr b="0" lang="en" sz="3020" spc="-1" strike="noStrike">
-                <a:solidFill>
-                  <a:schemeClr val="dk1"/>
-                </a:solidFill>
-                <a:latin typeface="Arial"/>
-                <a:ea typeface="Arial"/>
-              </a:rPr>
-              <a:t>? </a:t>
+              <a:t>State of PC, Console, and Handheld Gaming</a:t>
             </a:r>
             <a:endParaRPr b="0" lang="en-US" sz="3020" spc="-1" strike="noStrike">
               <a:solidFill>
-                <a:srgbClr val="000000"/>
+                <a:srgbClr val="ffffff"/>
               </a:solidFill>
               <a:latin typeface="Arial"/>
             </a:endParaRPr>
@@ -6975,7 +5835,7 @@
       </p:sp>
       <p:sp>
         <p:nvSpPr>
-          <p:cNvPr id="55" name="PlaceHolder 2"/>
+          <p:cNvPr id="45" name="PlaceHolder 2"/>
           <p:cNvSpPr>
             <a:spLocks noGrp="1"/>
           </p:cNvSpPr>
@@ -6986,7 +5846,7 @@
         <p:spPr>
           <a:xfrm>
             <a:off x="311760" y="1152360"/>
-            <a:ext cx="5502240" cy="3416040"/>
+            <a:ext cx="5101560" cy="3415680"/>
           </a:xfrm>
           <a:prstGeom prst="rect">
             <a:avLst/>
@@ -7019,45 +5879,11 @@
                 <a:latin typeface="Arial"/>
                 <a:ea typeface="Arial"/>
               </a:rPr>
-              <a:t>Built on </a:t>
-            </a:r>
-            <a:r>
-              <a:rPr b="0" lang="en" sz="1900" spc="-1" strike="noStrike" u="sng">
-                <a:solidFill>
-                  <a:schemeClr val="hlink"/>
-                </a:solidFill>
-                <a:uFillTx/>
-                <a:latin typeface="Arial"/>
-                <a:ea typeface="Arial"/>
-                <a:hlinkClick r:id="rId2"/>
-              </a:rPr>
-              <a:t>Fedora Atomic</a:t>
-            </a:r>
-            <a:r>
-              <a:rPr b="0" lang="en" sz="1900" spc="-1" strike="noStrike">
-                <a:solidFill>
-                  <a:schemeClr val="lt2"/>
-                </a:solidFill>
-                <a:latin typeface="Arial"/>
-                <a:ea typeface="Arial"/>
-              </a:rPr>
-              <a:t> and </a:t>
-            </a:r>
-            <a:r>
-              <a:rPr b="0" lang="en" sz="1900" spc="-1" strike="noStrike" u="sng">
-                <a:solidFill>
-                  <a:schemeClr val="hlink"/>
-                </a:solidFill>
-                <a:uFillTx/>
-                <a:latin typeface="Arial"/>
-                <a:ea typeface="Arial"/>
-                <a:hlinkClick r:id="rId3"/>
-              </a:rPr>
-              <a:t>Universal Blue</a:t>
+              <a:t>Everything is a PC now</a:t>
             </a:r>
             <a:endParaRPr b="0" lang="en-US" sz="1900" spc="-1" strike="noStrike">
               <a:solidFill>
-                <a:srgbClr val="000000"/>
+                <a:srgbClr val="ffffff"/>
               </a:solidFill>
               <a:latin typeface="Arial"/>
             </a:endParaRPr>
@@ -7081,11 +5907,11 @@
                 <a:latin typeface="Arial"/>
                 <a:ea typeface="Arial"/>
               </a:rPr>
-              <a:t>Excellent gaming experience on your desktop, laptop, and handheld</a:t>
+              <a:t>Consoles are great, purpose built experiences</a:t>
             </a:r>
             <a:endParaRPr b="0" lang="en-US" sz="1900" spc="-1" strike="noStrike">
               <a:solidFill>
-                <a:srgbClr val="000000"/>
+                <a:srgbClr val="ffffff"/>
               </a:solidFill>
               <a:latin typeface="Arial"/>
             </a:endParaRPr>
@@ -7109,11 +5935,11 @@
                 <a:latin typeface="Arial"/>
                 <a:ea typeface="Arial"/>
               </a:rPr>
-              <a:t>Familiar experience to a gaming console</a:t>
+              <a:t>Nintendo Switch and Steam Deck changed everything</a:t>
             </a:r>
             <a:endParaRPr b="0" lang="en-US" sz="1900" spc="-1" strike="noStrike">
               <a:solidFill>
-                <a:srgbClr val="000000"/>
+                <a:srgbClr val="ffffff"/>
               </a:solidFill>
               <a:latin typeface="Arial"/>
             </a:endParaRPr>
@@ -7137,11 +5963,39 @@
                 <a:latin typeface="Arial"/>
                 <a:ea typeface="Arial"/>
               </a:rPr>
-              <a:t>First class support for gaming using Steam</a:t>
+              <a:t>Good PCs have become more affordable</a:t>
             </a:r>
             <a:endParaRPr b="0" lang="en-US" sz="1900" spc="-1" strike="noStrike">
               <a:solidFill>
-                <a:srgbClr val="000000"/>
+                <a:srgbClr val="ffffff"/>
+              </a:solidFill>
+              <a:latin typeface="Arial"/>
+            </a:endParaRPr>
+          </a:p>
+          <a:p>
+            <a:pPr marL="457200" indent="-349200">
+              <a:lnSpc>
+                <a:spcPct val="115000"/>
+              </a:lnSpc>
+              <a:buClr>
+                <a:srgbClr val="adadad"/>
+              </a:buClr>
+              <a:buFont typeface="Arial"/>
+              <a:buChar char="-"/>
+            </a:pPr>
+            <a:r>
+              <a:rPr b="0" lang="en" sz="1900" spc="-1" strike="noStrike">
+                <a:solidFill>
+                  <a:schemeClr val="lt2"/>
+                </a:solidFill>
+                <a:latin typeface="Arial"/>
+                <a:ea typeface="Arial"/>
+              </a:rPr>
+              <a:t>Steam and Proton has made gaming on Linux possible</a:t>
+            </a:r>
+            <a:endParaRPr b="0" lang="en-US" sz="1900" spc="-1" strike="noStrike">
+              <a:solidFill>
+                <a:srgbClr val="ffffff"/>
               </a:solidFill>
               <a:latin typeface="Arial"/>
             </a:endParaRPr>
@@ -7150,20 +6004,64 @@
       </p:sp>
       <p:pic>
         <p:nvPicPr>
-          <p:cNvPr id="56" name="Google Shape;78;p16" descr="">
-            <a:hlinkClick r:id="rId4"/>
-          </p:cNvPr>
+          <p:cNvPr id="46" name="Google Shape;69;p15" descr=""/>
           <p:cNvPicPr/>
           <p:nvPr/>
         </p:nvPicPr>
         <p:blipFill>
-          <a:blip r:embed="rId5"/>
+          <a:blip r:embed="rId1"/>
           <a:stretch/>
         </p:blipFill>
         <p:spPr>
           <a:xfrm>
-            <a:off x="6079320" y="1337400"/>
-            <a:ext cx="2227680" cy="2227680"/>
+            <a:off x="5814360" y="1119600"/>
+            <a:ext cx="2030760" cy="2030760"/>
+          </a:xfrm>
+          <a:prstGeom prst="rect">
+            <a:avLst/>
+          </a:prstGeom>
+          <a:ln w="0">
+            <a:noFill/>
+          </a:ln>
+        </p:spPr>
+      </p:pic>
+      <p:pic>
+        <p:nvPicPr>
+          <p:cNvPr id="47" name="Google Shape;70;p15" descr=""/>
+          <p:cNvPicPr/>
+          <p:nvPr/>
+        </p:nvPicPr>
+        <p:blipFill>
+          <a:blip r:embed="rId2"/>
+          <a:stretch/>
+        </p:blipFill>
+        <p:spPr>
+          <a:xfrm>
+            <a:off x="7254000" y="2465280"/>
+            <a:ext cx="1686960" cy="1686960"/>
+          </a:xfrm>
+          <a:prstGeom prst="rect">
+            <a:avLst/>
+          </a:prstGeom>
+          <a:ln w="0">
+            <a:noFill/>
+          </a:ln>
+        </p:spPr>
+      </p:pic>
+      <p:pic>
+        <p:nvPicPr>
+          <p:cNvPr id="48" name="Google Shape;71;p15" descr=""/>
+          <p:cNvPicPr/>
+          <p:nvPr/>
+        </p:nvPicPr>
+        <p:blipFill>
+          <a:blip r:embed="rId3"/>
+          <a:stretch/>
+        </p:blipFill>
+        <p:spPr>
+          <a:xfrm>
+            <a:off x="5555520" y="2936880"/>
+            <a:ext cx="1784160" cy="1784160"/>
           </a:xfrm>
           <a:prstGeom prst="rect">
             <a:avLst/>
@@ -7181,38 +6079,38 @@
   <p:timing>
     <p:tnLst>
       <p:par>
-        <p:cTn id="70" dur="indefinite" restart="never" nodeType="tmRoot">
+        <p:cTn id="43" dur="indefinite" restart="never" nodeType="tmRoot">
           <p:childTnLst>
             <p:seq>
-              <p:cTn id="71" dur="indefinite" nodeType="mainSeq">
+              <p:cTn id="44" dur="indefinite" nodeType="mainSeq">
                 <p:childTnLst>
                   <p:par>
-                    <p:cTn id="72" fill="hold">
+                    <p:cTn id="45" fill="hold">
                       <p:stCondLst>
                         <p:cond delay="indefinite"/>
                       </p:stCondLst>
                       <p:childTnLst>
                         <p:par>
-                          <p:cTn id="73" fill="hold">
+                          <p:cTn id="46" fill="hold">
                             <p:stCondLst>
                               <p:cond delay="0"/>
                             </p:stCondLst>
                             <p:childTnLst>
                               <p:par>
-                                <p:cTn id="74" nodeType="clickEffect" fill="hold" presetClass="entr" presetID="10">
+                                <p:cTn id="47" nodeType="clickEffect" fill="hold" presetClass="entr" presetID="10">
                                   <p:stCondLst>
                                     <p:cond delay="0"/>
                                   </p:stCondLst>
                                   <p:childTnLst>
                                     <p:set>
                                       <p:cBhvr>
-                                        <p:cTn id="75" dur="1" fill="hold">
+                                        <p:cTn id="48" dur="1" fill="hold">
                                           <p:stCondLst>
                                             <p:cond delay="0"/>
                                           </p:stCondLst>
                                         </p:cTn>
                                         <p:tgtEl>
-                                          <p:spTgt spid="55">
+                                          <p:spTgt spid="45">
                                             <p:txEl>
                                               <p:pRg st="0" end="0"/>
                                             </p:txEl>
@@ -7228,9 +6126,9 @@
                                     </p:set>
                                     <p:animEffect filter="fade" transition="in">
                                       <p:cBhvr additive="repl">
-                                        <p:cTn id="76" dur="1000"/>
+                                        <p:cTn id="49" dur="1000"/>
                                         <p:tgtEl>
-                                          <p:spTgt spid="55">
+                                          <p:spTgt spid="45">
                                             <p:txEl>
                                               <p:pRg st="0" end="0"/>
                                             </p:txEl>
@@ -7248,32 +6146,32 @@
                     </p:cTn>
                   </p:par>
                   <p:par>
-                    <p:cTn id="77" fill="hold">
+                    <p:cTn id="50" fill="hold">
                       <p:stCondLst>
                         <p:cond delay="indefinite"/>
                       </p:stCondLst>
                       <p:childTnLst>
                         <p:par>
-                          <p:cTn id="78" fill="hold">
+                          <p:cTn id="51" fill="hold">
                             <p:stCondLst>
                               <p:cond delay="0"/>
                             </p:stCondLst>
                             <p:childTnLst>
                               <p:par>
-                                <p:cTn id="79" nodeType="clickEffect" fill="hold" presetClass="entr" presetID="10">
+                                <p:cTn id="52" nodeType="clickEffect" fill="hold" presetClass="entr" presetID="10">
                                   <p:stCondLst>
                                     <p:cond delay="0"/>
                                   </p:stCondLst>
                                   <p:childTnLst>
                                     <p:set>
                                       <p:cBhvr>
-                                        <p:cTn id="80" dur="1" fill="hold">
+                                        <p:cTn id="53" dur="1" fill="hold">
                                           <p:stCondLst>
                                             <p:cond delay="0"/>
                                           </p:stCondLst>
                                         </p:cTn>
                                         <p:tgtEl>
-                                          <p:spTgt spid="55">
+                                          <p:spTgt spid="45">
                                             <p:txEl>
                                               <p:pRg st="1" end="1"/>
                                             </p:txEl>
@@ -7289,9 +6187,9 @@
                                     </p:set>
                                     <p:animEffect filter="fade" transition="in">
                                       <p:cBhvr additive="repl">
-                                        <p:cTn id="81" dur="1000"/>
+                                        <p:cTn id="54" dur="1000"/>
                                         <p:tgtEl>
-                                          <p:spTgt spid="55">
+                                          <p:spTgt spid="45">
                                             <p:txEl>
                                               <p:pRg st="1" end="1"/>
                                             </p:txEl>
@@ -7309,32 +6207,32 @@
                     </p:cTn>
                   </p:par>
                   <p:par>
-                    <p:cTn id="82" fill="hold">
+                    <p:cTn id="55" fill="hold">
                       <p:stCondLst>
                         <p:cond delay="indefinite"/>
                       </p:stCondLst>
                       <p:childTnLst>
                         <p:par>
-                          <p:cTn id="83" fill="hold">
+                          <p:cTn id="56" fill="hold">
                             <p:stCondLst>
                               <p:cond delay="0"/>
                             </p:stCondLst>
                             <p:childTnLst>
                               <p:par>
-                                <p:cTn id="84" nodeType="clickEffect" fill="hold" presetClass="entr" presetID="10">
+                                <p:cTn id="57" nodeType="clickEffect" fill="hold" presetClass="entr" presetID="10">
                                   <p:stCondLst>
                                     <p:cond delay="0"/>
                                   </p:stCondLst>
                                   <p:childTnLst>
                                     <p:set>
                                       <p:cBhvr>
-                                        <p:cTn id="85" dur="1" fill="hold">
+                                        <p:cTn id="58" dur="1" fill="hold">
                                           <p:stCondLst>
                                             <p:cond delay="0"/>
                                           </p:stCondLst>
                                         </p:cTn>
                                         <p:tgtEl>
-                                          <p:spTgt spid="55">
+                                          <p:spTgt spid="45">
                                             <p:txEl>
                                               <p:pRg st="2" end="2"/>
                                             </p:txEl>
@@ -7350,9 +6248,9 @@
                                     </p:set>
                                     <p:animEffect filter="fade" transition="in">
                                       <p:cBhvr additive="repl">
-                                        <p:cTn id="86" dur="1000"/>
+                                        <p:cTn id="59" dur="1000"/>
                                         <p:tgtEl>
-                                          <p:spTgt spid="55">
+                                          <p:spTgt spid="45">
                                             <p:txEl>
                                               <p:pRg st="2" end="2"/>
                                             </p:txEl>
@@ -7370,32 +6268,32 @@
                     </p:cTn>
                   </p:par>
                   <p:par>
-                    <p:cTn id="87" fill="hold">
+                    <p:cTn id="60" fill="hold">
                       <p:stCondLst>
                         <p:cond delay="indefinite"/>
                       </p:stCondLst>
                       <p:childTnLst>
                         <p:par>
-                          <p:cTn id="88" fill="hold">
+                          <p:cTn id="61" fill="hold">
                             <p:stCondLst>
                               <p:cond delay="0"/>
                             </p:stCondLst>
                             <p:childTnLst>
                               <p:par>
-                                <p:cTn id="89" nodeType="clickEffect" fill="hold" presetClass="entr" presetID="10">
+                                <p:cTn id="62" nodeType="clickEffect" fill="hold" presetClass="entr" presetID="10">
                                   <p:stCondLst>
                                     <p:cond delay="0"/>
                                   </p:stCondLst>
                                   <p:childTnLst>
                                     <p:set>
                                       <p:cBhvr>
-                                        <p:cTn id="90" dur="1" fill="hold">
+                                        <p:cTn id="63" dur="1" fill="hold">
                                           <p:stCondLst>
                                             <p:cond delay="0"/>
                                           </p:stCondLst>
                                         </p:cTn>
                                         <p:tgtEl>
-                                          <p:spTgt spid="55">
+                                          <p:spTgt spid="45">
                                             <p:txEl>
                                               <p:pRg st="3" end="3"/>
                                             </p:txEl>
@@ -7411,11 +6309,72 @@
                                     </p:set>
                                     <p:animEffect filter="fade" transition="in">
                                       <p:cBhvr additive="repl">
-                                        <p:cTn id="91" dur="1000"/>
+                                        <p:cTn id="64" dur="1000"/>
                                         <p:tgtEl>
-                                          <p:spTgt spid="55">
+                                          <p:spTgt spid="45">
                                             <p:txEl>
                                               <p:pRg st="3" end="3"/>
+                                            </p:txEl>
+                                          </p:spTgt>
+                                        </p:tgtEl>
+                                      </p:cBhvr>
+                                    </p:animEffect>
+                                  </p:childTnLst>
+                                </p:cTn>
+                              </p:par>
+                            </p:childTnLst>
+                          </p:cTn>
+                        </p:par>
+                      </p:childTnLst>
+                    </p:cTn>
+                  </p:par>
+                  <p:par>
+                    <p:cTn id="65" fill="hold">
+                      <p:stCondLst>
+                        <p:cond delay="indefinite"/>
+                      </p:stCondLst>
+                      <p:childTnLst>
+                        <p:par>
+                          <p:cTn id="66" fill="hold">
+                            <p:stCondLst>
+                              <p:cond delay="0"/>
+                            </p:stCondLst>
+                            <p:childTnLst>
+                              <p:par>
+                                <p:cTn id="67" nodeType="clickEffect" fill="hold" presetClass="entr" presetID="10">
+                                  <p:stCondLst>
+                                    <p:cond delay="0"/>
+                                  </p:stCondLst>
+                                  <p:childTnLst>
+                                    <p:set>
+                                      <p:cBhvr>
+                                        <p:cTn id="68" dur="1" fill="hold">
+                                          <p:stCondLst>
+                                            <p:cond delay="0"/>
+                                          </p:stCondLst>
+                                        </p:cTn>
+                                        <p:tgtEl>
+                                          <p:spTgt spid="45">
+                                            <p:txEl>
+                                              <p:pRg st="4" end="4"/>
+                                            </p:txEl>
+                                          </p:spTgt>
+                                        </p:tgtEl>
+                                        <p:attrNameLst>
+                                          <p:attrName>style.visibility</p:attrName>
+                                        </p:attrNameLst>
+                                      </p:cBhvr>
+                                      <p:to>
+                                        <p:strVal val="visible"/>
+                                      </p:to>
+                                    </p:set>
+                                    <p:animEffect filter="fade" transition="in">
+                                      <p:cBhvr additive="repl">
+                                        <p:cTn id="69" dur="1000"/>
+                                        <p:tgtEl>
+                                          <p:spTgt spid="45">
+                                            <p:txEl>
+                                              <p:pRg st="4" end="4"/>
                                             </p:txEl>
                                           </p:spTgt>
                                         </p:tgtEl>
@@ -7474,7 +6433,7 @@
       </p:grpSpPr>
       <p:sp>
         <p:nvSpPr>
-          <p:cNvPr id="57" name="PlaceHolder 1"/>
+          <p:cNvPr id="49" name="PlaceHolder 1"/>
           <p:cNvSpPr>
             <a:spLocks noGrp="1"/>
           </p:cNvSpPr>
@@ -7485,7 +6444,7 @@
         <p:spPr>
           <a:xfrm>
             <a:off x="311760" y="444960"/>
-            <a:ext cx="8520120" cy="572400"/>
+            <a:ext cx="8519760" cy="572040"/>
           </a:xfrm>
           <a:prstGeom prst="rect">
             <a:avLst/>
@@ -7517,11 +6476,33 @@
                 <a:latin typeface="Arial"/>
                 <a:ea typeface="Arial"/>
               </a:rPr>
-              <a:t>Bazzite Features</a:t>
+              <a:t>What is </a:t>
+            </a:r>
+            <a:r>
+              <a:rPr b="0" lang="en" sz="3020" spc="-1" strike="noStrike" u="sng">
+                <a:solidFill>
+                  <a:schemeClr val="dk1"/>
+                </a:solidFill>
+                <a:uFillTx/>
+                <a:latin typeface="Arial"/>
+                <a:ea typeface="Arial"/>
+                <a:hlinkClick r:id="rId1"/>
+              </a:rPr>
+              <a:t>Bazzite</a:t>
+            </a:r>
+            <a:r>
+              <a:rPr b="0" lang="en" sz="3020" spc="-1" strike="noStrike">
+                <a:solidFill>
+                  <a:schemeClr val="dk1"/>
+                </a:solidFill>
+                <a:latin typeface="Arial"/>
+                <a:ea typeface="Arial"/>
+              </a:rPr>
+              <a:t>? </a:t>
             </a:r>
             <a:endParaRPr b="0" lang="en-US" sz="3020" spc="-1" strike="noStrike">
               <a:solidFill>
-                <a:srgbClr val="000000"/>
+                <a:srgbClr val="ffffff"/>
               </a:solidFill>
               <a:latin typeface="Arial"/>
             </a:endParaRPr>
@@ -7530,7 +6511,7 @@
       </p:sp>
       <p:sp>
         <p:nvSpPr>
-          <p:cNvPr id="58" name="PlaceHolder 2"/>
+          <p:cNvPr id="50" name="PlaceHolder 2"/>
           <p:cNvSpPr>
             <a:spLocks noGrp="1"/>
           </p:cNvSpPr>
@@ -7541,7 +6522,7 @@
         <p:spPr>
           <a:xfrm>
             <a:off x="311760" y="1152360"/>
-            <a:ext cx="5821200" cy="3552480"/>
+            <a:ext cx="5501880" cy="3415680"/>
           </a:xfrm>
           <a:prstGeom prst="rect">
             <a:avLst/>
@@ -7574,11 +6555,45 @@
                 <a:latin typeface="Arial"/>
                 <a:ea typeface="Arial"/>
               </a:rPr>
-              <a:t>Automated updates</a:t>
+              <a:t>Built on </a:t>
+            </a:r>
+            <a:r>
+              <a:rPr b="0" lang="en" sz="1900" spc="-1" strike="noStrike" u="sng">
+                <a:solidFill>
+                  <a:schemeClr val="hlink"/>
+                </a:solidFill>
+                <a:uFillTx/>
+                <a:latin typeface="Arial"/>
+                <a:ea typeface="Arial"/>
+                <a:hlinkClick r:id="rId2"/>
+              </a:rPr>
+              <a:t>Fedora Atomic</a:t>
+            </a:r>
+            <a:r>
+              <a:rPr b="0" lang="en" sz="1900" spc="-1" strike="noStrike">
+                <a:solidFill>
+                  <a:schemeClr val="lt2"/>
+                </a:solidFill>
+                <a:latin typeface="Arial"/>
+                <a:ea typeface="Arial"/>
+              </a:rPr>
+              <a:t> and </a:t>
+            </a:r>
+            <a:r>
+              <a:rPr b="0" lang="en" sz="1900" spc="-1" strike="noStrike" u="sng">
+                <a:solidFill>
+                  <a:schemeClr val="hlink"/>
+                </a:solidFill>
+                <a:uFillTx/>
+                <a:latin typeface="Arial"/>
+                <a:ea typeface="Arial"/>
+                <a:hlinkClick r:id="rId3"/>
+              </a:rPr>
+              <a:t>Universal Blue</a:t>
             </a:r>
             <a:endParaRPr b="0" lang="en-US" sz="1900" spc="-1" strike="noStrike">
               <a:solidFill>
-                <a:srgbClr val="000000"/>
+                <a:srgbClr val="ffffff"/>
               </a:solidFill>
               <a:latin typeface="Arial"/>
             </a:endParaRPr>
@@ -7602,11 +6617,11 @@
                 <a:latin typeface="Arial"/>
                 <a:ea typeface="Arial"/>
               </a:rPr>
-              <a:t>Easy Rollback</a:t>
+              <a:t>Excellent gaming experience on your desktop, laptop, and handheld</a:t>
             </a:r>
             <a:endParaRPr b="0" lang="en-US" sz="1900" spc="-1" strike="noStrike">
               <a:solidFill>
-                <a:srgbClr val="000000"/>
+                <a:srgbClr val="ffffff"/>
               </a:solidFill>
               <a:latin typeface="Arial"/>
             </a:endParaRPr>
@@ -7630,67 +6645,11 @@
                 <a:latin typeface="Arial"/>
                 <a:ea typeface="Arial"/>
               </a:rPr>
-              <a:t>Driver Support Built-in</a:t>
+              <a:t>Familiar experience to a gaming console</a:t>
             </a:r>
             <a:endParaRPr b="0" lang="en-US" sz="1900" spc="-1" strike="noStrike">
               <a:solidFill>
-                <a:srgbClr val="000000"/>
-              </a:solidFill>
-              <a:latin typeface="Arial"/>
-            </a:endParaRPr>
-          </a:p>
-          <a:p>
-            <a:pPr lvl="1" marL="914400" indent="-349200">
-              <a:lnSpc>
-                <a:spcPct val="115000"/>
-              </a:lnSpc>
-              <a:buClr>
-                <a:srgbClr val="adadad"/>
-              </a:buClr>
-              <a:buFont typeface="Arial"/>
-              <a:buChar char="-"/>
-            </a:pPr>
-            <a:r>
-              <a:rPr b="0" lang="en" sz="1900" spc="-1" strike="noStrike">
-                <a:solidFill>
-                  <a:schemeClr val="lt2"/>
-                </a:solidFill>
-                <a:latin typeface="Arial"/>
-                <a:ea typeface="Arial"/>
-              </a:rPr>
-              <a:t>Game Controllers</a:t>
-            </a:r>
-            <a:endParaRPr b="0" lang="en-US" sz="1900" spc="-1" strike="noStrike">
-              <a:solidFill>
-                <a:srgbClr val="000000"/>
-              </a:solidFill>
-              <a:latin typeface="Arial"/>
-            </a:endParaRPr>
-          </a:p>
-          <a:p>
-            <a:pPr lvl="1" marL="914400" indent="-349200">
-              <a:lnSpc>
-                <a:spcPct val="115000"/>
-              </a:lnSpc>
-              <a:buClr>
-                <a:srgbClr val="adadad"/>
-              </a:buClr>
-              <a:buFont typeface="Arial"/>
-              <a:buChar char="-"/>
-            </a:pPr>
-            <a:r>
-              <a:rPr b="0" lang="en" sz="1900" spc="-1" strike="noStrike">
-                <a:solidFill>
-                  <a:schemeClr val="lt2"/>
-                </a:solidFill>
-                <a:latin typeface="Arial"/>
-                <a:ea typeface="Arial"/>
-              </a:rPr>
-              <a:t>GPU Drivers</a:t>
-            </a:r>
-            <a:endParaRPr b="0" lang="en-US" sz="1900" spc="-1" strike="noStrike">
-              <a:solidFill>
-                <a:srgbClr val="000000"/>
+                <a:srgbClr val="ffffff"/>
               </a:solidFill>
               <a:latin typeface="Arial"/>
             </a:endParaRPr>
@@ -7714,95 +6673,11 @@
                 <a:latin typeface="Arial"/>
                 <a:ea typeface="Arial"/>
               </a:rPr>
-              <a:t>Desktop Environment Options</a:t>
+              <a:t>First class support for gaming using Steam</a:t>
             </a:r>
             <a:endParaRPr b="0" lang="en-US" sz="1900" spc="-1" strike="noStrike">
               <a:solidFill>
-                <a:srgbClr val="000000"/>
-              </a:solidFill>
-              <a:latin typeface="Arial"/>
-            </a:endParaRPr>
-          </a:p>
-          <a:p>
-            <a:pPr lvl="1" marL="914400" indent="-349200">
-              <a:lnSpc>
-                <a:spcPct val="115000"/>
-              </a:lnSpc>
-              <a:buClr>
-                <a:srgbClr val="adadad"/>
-              </a:buClr>
-              <a:buFont typeface="Arial"/>
-              <a:buChar char="-"/>
-            </a:pPr>
-            <a:r>
-              <a:rPr b="0" lang="en" sz="1900" spc="-1" strike="noStrike">
-                <a:solidFill>
-                  <a:schemeClr val="lt2"/>
-                </a:solidFill>
-                <a:latin typeface="Arial"/>
-                <a:ea typeface="Arial"/>
-              </a:rPr>
-              <a:t>Gnome (MacOS-like)</a:t>
-            </a:r>
-            <a:endParaRPr b="0" lang="en-US" sz="1900" spc="-1" strike="noStrike">
-              <a:solidFill>
-                <a:srgbClr val="000000"/>
-              </a:solidFill>
-              <a:latin typeface="Arial"/>
-            </a:endParaRPr>
-          </a:p>
-          <a:p>
-            <a:pPr lvl="1" marL="914400" indent="-349200">
-              <a:lnSpc>
-                <a:spcPct val="115000"/>
-              </a:lnSpc>
-              <a:buClr>
-                <a:srgbClr val="adadad"/>
-              </a:buClr>
-              <a:buFont typeface="Arial"/>
-              <a:buChar char="-"/>
-            </a:pPr>
-            <a:r>
-              <a:rPr b="0" lang="en" sz="1900" spc="-1" strike="noStrike">
-                <a:solidFill>
-                  <a:schemeClr val="lt2"/>
-                </a:solidFill>
-                <a:latin typeface="Arial"/>
-                <a:ea typeface="Arial"/>
-              </a:rPr>
-              <a:t>KDE (Windows-like)</a:t>
-            </a:r>
-            <a:endParaRPr b="0" lang="en-US" sz="1900" spc="-1" strike="noStrike">
-              <a:solidFill>
-                <a:srgbClr val="000000"/>
-              </a:solidFill>
-              <a:latin typeface="Arial"/>
-            </a:endParaRPr>
-          </a:p>
-          <a:p>
-            <a:pPr marL="457200" indent="-349200">
-              <a:lnSpc>
-                <a:spcPct val="115000"/>
-              </a:lnSpc>
-              <a:buClr>
-                <a:srgbClr val="adadad"/>
-              </a:buClr>
-              <a:buFont typeface="Arial"/>
-              <a:buChar char="-"/>
-            </a:pPr>
-            <a:r>
-              <a:rPr b="0" lang="en" sz="1900" spc="-1" strike="noStrike">
-                <a:solidFill>
-                  <a:schemeClr val="lt2"/>
-                </a:solidFill>
-                <a:latin typeface="Arial"/>
-                <a:ea typeface="Arial"/>
-              </a:rPr>
-              <a:t>Steam is preinstalled</a:t>
-            </a:r>
-            <a:endParaRPr b="0" lang="en-US" sz="1900" spc="-1" strike="noStrike">
-              <a:solidFill>
-                <a:srgbClr val="000000"/>
+                <a:srgbClr val="ffffff"/>
               </a:solidFill>
               <a:latin typeface="Arial"/>
             </a:endParaRPr>
@@ -7811,18 +6686,20 @@
       </p:sp>
       <p:pic>
         <p:nvPicPr>
-          <p:cNvPr id="59" name="Google Shape;85;p17" descr=""/>
+          <p:cNvPr id="51" name="Google Shape;78;p16" descr="">
+            <a:hlinkClick r:id="rId4"/>
+          </p:cNvPr>
           <p:cNvPicPr/>
           <p:nvPr/>
         </p:nvPicPr>
         <p:blipFill>
-          <a:blip r:embed="rId1"/>
+          <a:blip r:embed="rId5"/>
           <a:stretch/>
         </p:blipFill>
         <p:spPr>
           <a:xfrm>
             <a:off x="6079320" y="1337400"/>
-            <a:ext cx="2227680" cy="2227680"/>
+            <a:ext cx="2227320" cy="2227320"/>
           </a:xfrm>
           <a:prstGeom prst="rect">
             <a:avLst/>
@@ -7840,38 +6717,38 @@
   <p:timing>
     <p:tnLst>
       <p:par>
-        <p:cTn id="92" dur="indefinite" restart="never" nodeType="tmRoot">
+        <p:cTn id="70" dur="indefinite" restart="never" nodeType="tmRoot">
           <p:childTnLst>
             <p:seq>
-              <p:cTn id="93" dur="indefinite" nodeType="mainSeq">
+              <p:cTn id="71" dur="indefinite" nodeType="mainSeq">
                 <p:childTnLst>
                   <p:par>
-                    <p:cTn id="94" fill="hold">
+                    <p:cTn id="72" fill="hold">
                       <p:stCondLst>
                         <p:cond delay="indefinite"/>
                       </p:stCondLst>
                       <p:childTnLst>
                         <p:par>
-                          <p:cTn id="95" fill="hold">
+                          <p:cTn id="73" fill="hold">
                             <p:stCondLst>
                               <p:cond delay="0"/>
                             </p:stCondLst>
                             <p:childTnLst>
                               <p:par>
-                                <p:cTn id="96" nodeType="clickEffect" fill="hold" presetClass="entr" presetID="10">
+                                <p:cTn id="74" nodeType="clickEffect" fill="hold" presetClass="entr" presetID="10">
                                   <p:stCondLst>
                                     <p:cond delay="0"/>
                                   </p:stCondLst>
                                   <p:childTnLst>
                                     <p:set>
                                       <p:cBhvr>
-                                        <p:cTn id="97" dur="1" fill="hold">
+                                        <p:cTn id="75" dur="1" fill="hold">
                                           <p:stCondLst>
                                             <p:cond delay="0"/>
                                           </p:stCondLst>
                                         </p:cTn>
                                         <p:tgtEl>
-                                          <p:spTgt spid="58">
+                                          <p:spTgt spid="50">
                                             <p:txEl>
                                               <p:pRg st="0" end="0"/>
                                             </p:txEl>
@@ -7887,9 +6764,9 @@
                                     </p:set>
                                     <p:animEffect filter="fade" transition="in">
                                       <p:cBhvr additive="repl">
-                                        <p:cTn id="98" dur="1000"/>
+                                        <p:cTn id="76" dur="1000"/>
                                         <p:tgtEl>
-                                          <p:spTgt spid="58">
+                                          <p:spTgt spid="50">
                                             <p:txEl>
                                               <p:pRg st="0" end="0"/>
                                             </p:txEl>
@@ -7907,32 +6784,32 @@
                     </p:cTn>
                   </p:par>
                   <p:par>
-                    <p:cTn id="99" fill="hold">
+                    <p:cTn id="77" fill="hold">
                       <p:stCondLst>
                         <p:cond delay="indefinite"/>
                       </p:stCondLst>
                       <p:childTnLst>
                         <p:par>
-                          <p:cTn id="100" fill="hold">
+                          <p:cTn id="78" fill="hold">
                             <p:stCondLst>
                               <p:cond delay="0"/>
                             </p:stCondLst>
                             <p:childTnLst>
                               <p:par>
-                                <p:cTn id="101" nodeType="clickEffect" fill="hold" presetClass="entr" presetID="10">
+                                <p:cTn id="79" nodeType="clickEffect" fill="hold" presetClass="entr" presetID="10">
                                   <p:stCondLst>
                                     <p:cond delay="0"/>
                                   </p:stCondLst>
                                   <p:childTnLst>
                                     <p:set>
                                       <p:cBhvr>
-                                        <p:cTn id="102" dur="1" fill="hold">
+                                        <p:cTn id="80" dur="1" fill="hold">
                                           <p:stCondLst>
                                             <p:cond delay="0"/>
                                           </p:stCondLst>
                                         </p:cTn>
                                         <p:tgtEl>
-                                          <p:spTgt spid="58">
+                                          <p:spTgt spid="50">
                                             <p:txEl>
                                               <p:pRg st="1" end="1"/>
                                             </p:txEl>
@@ -7948,9 +6825,9 @@
                                     </p:set>
                                     <p:animEffect filter="fade" transition="in">
                                       <p:cBhvr additive="repl">
-                                        <p:cTn id="103" dur="1000"/>
+                                        <p:cTn id="81" dur="1000"/>
                                         <p:tgtEl>
-                                          <p:spTgt spid="58">
+                                          <p:spTgt spid="50">
                                             <p:txEl>
                                               <p:pRg st="1" end="1"/>
                                             </p:txEl>
@@ -7968,32 +6845,32 @@
                     </p:cTn>
                   </p:par>
                   <p:par>
-                    <p:cTn id="104" fill="hold">
+                    <p:cTn id="82" fill="hold">
                       <p:stCondLst>
                         <p:cond delay="indefinite"/>
                       </p:stCondLst>
                       <p:childTnLst>
                         <p:par>
-                          <p:cTn id="105" fill="hold">
+                          <p:cTn id="83" fill="hold">
                             <p:stCondLst>
                               <p:cond delay="0"/>
                             </p:stCondLst>
                             <p:childTnLst>
                               <p:par>
-                                <p:cTn id="106" nodeType="clickEffect" fill="hold" presetClass="entr" presetID="10">
+                                <p:cTn id="84" nodeType="clickEffect" fill="hold" presetClass="entr" presetID="10">
                                   <p:stCondLst>
                                     <p:cond delay="0"/>
                                   </p:stCondLst>
                                   <p:childTnLst>
                                     <p:set>
                                       <p:cBhvr>
-                                        <p:cTn id="107" dur="1" fill="hold">
+                                        <p:cTn id="85" dur="1" fill="hold">
                                           <p:stCondLst>
                                             <p:cond delay="0"/>
                                           </p:stCondLst>
                                         </p:cTn>
                                         <p:tgtEl>
-                                          <p:spTgt spid="58">
+                                          <p:spTgt spid="50">
                                             <p:txEl>
                                               <p:pRg st="2" end="2"/>
                                             </p:txEl>
@@ -8009,9 +6886,9 @@
                                     </p:set>
                                     <p:animEffect filter="fade" transition="in">
                                       <p:cBhvr additive="repl">
-                                        <p:cTn id="108" dur="1000"/>
+                                        <p:cTn id="86" dur="1000"/>
                                         <p:tgtEl>
-                                          <p:spTgt spid="58">
+                                          <p:spTgt spid="50">
                                             <p:txEl>
                                               <p:pRg st="2" end="2"/>
                                             </p:txEl>
@@ -8029,32 +6906,32 @@
                     </p:cTn>
                   </p:par>
                   <p:par>
-                    <p:cTn id="109" fill="hold">
+                    <p:cTn id="87" fill="hold">
                       <p:stCondLst>
                         <p:cond delay="indefinite"/>
                       </p:stCondLst>
                       <p:childTnLst>
                         <p:par>
-                          <p:cTn id="110" fill="hold">
+                          <p:cTn id="88" fill="hold">
                             <p:stCondLst>
                               <p:cond delay="0"/>
                             </p:stCondLst>
                             <p:childTnLst>
                               <p:par>
-                                <p:cTn id="111" nodeType="clickEffect" fill="hold" presetClass="entr" presetID="10">
+                                <p:cTn id="89" nodeType="clickEffect" fill="hold" presetClass="entr" presetID="10">
                                   <p:stCondLst>
                                     <p:cond delay="0"/>
                                   </p:stCondLst>
                                   <p:childTnLst>
                                     <p:set>
                                       <p:cBhvr>
-                                        <p:cTn id="112" dur="1" fill="hold">
+                                        <p:cTn id="90" dur="1" fill="hold">
                                           <p:stCondLst>
                                             <p:cond delay="0"/>
                                           </p:stCondLst>
                                         </p:cTn>
                                         <p:tgtEl>
-                                          <p:spTgt spid="58">
+                                          <p:spTgt spid="50">
                                             <p:txEl>
                                               <p:pRg st="3" end="3"/>
                                             </p:txEl>
@@ -8070,316 +6947,11 @@
                                     </p:set>
                                     <p:animEffect filter="fade" transition="in">
                                       <p:cBhvr additive="repl">
-                                        <p:cTn id="113" dur="1000"/>
+                                        <p:cTn id="91" dur="1000"/>
                                         <p:tgtEl>
-                                          <p:spTgt spid="58">
+                                          <p:spTgt spid="50">
                                             <p:txEl>
                                               <p:pRg st="3" end="3"/>
-                                            </p:txEl>
-                                          </p:spTgt>
-                                        </p:tgtEl>
-                                      </p:cBhvr>
-                                    </p:animEffect>
-                                  </p:childTnLst>
-                                </p:cTn>
-                              </p:par>
-                            </p:childTnLst>
-                          </p:cTn>
-                        </p:par>
-                      </p:childTnLst>
-                    </p:cTn>
-                  </p:par>
-                  <p:par>
-                    <p:cTn id="114" fill="hold">
-                      <p:stCondLst>
-                        <p:cond delay="indefinite"/>
-                      </p:stCondLst>
-                      <p:childTnLst>
-                        <p:par>
-                          <p:cTn id="115" fill="hold">
-                            <p:stCondLst>
-                              <p:cond delay="0"/>
-                            </p:stCondLst>
-                            <p:childTnLst>
-                              <p:par>
-                                <p:cTn id="116" nodeType="clickEffect" fill="hold" presetClass="entr" presetID="10">
-                                  <p:stCondLst>
-                                    <p:cond delay="0"/>
-                                  </p:stCondLst>
-                                  <p:childTnLst>
-                                    <p:set>
-                                      <p:cBhvr>
-                                        <p:cTn id="117" dur="1" fill="hold">
-                                          <p:stCondLst>
-                                            <p:cond delay="0"/>
-                                          </p:stCondLst>
-                                        </p:cTn>
-                                        <p:tgtEl>
-                                          <p:spTgt spid="58">
-                                            <p:txEl>
-                                              <p:pRg st="4" end="4"/>
-                                            </p:txEl>
-                                          </p:spTgt>
-                                        </p:tgtEl>
-                                        <p:attrNameLst>
-                                          <p:attrName>style.visibility</p:attrName>
-                                        </p:attrNameLst>
-                                      </p:cBhvr>
-                                      <p:to>
-                                        <p:strVal val="visible"/>
-                                      </p:to>
-                                    </p:set>
-                                    <p:animEffect filter="fade" transition="in">
-                                      <p:cBhvr additive="repl">
-                                        <p:cTn id="118" dur="1000"/>
-                                        <p:tgtEl>
-                                          <p:spTgt spid="58">
-                                            <p:txEl>
-                                              <p:pRg st="4" end="4"/>
-                                            </p:txEl>
-                                          </p:spTgt>
-                                        </p:tgtEl>
-                                      </p:cBhvr>
-                                    </p:animEffect>
-                                  </p:childTnLst>
-                                </p:cTn>
-                              </p:par>
-                            </p:childTnLst>
-                          </p:cTn>
-                        </p:par>
-                      </p:childTnLst>
-                    </p:cTn>
-                  </p:par>
-                  <p:par>
-                    <p:cTn id="119" fill="hold">
-                      <p:stCondLst>
-                        <p:cond delay="indefinite"/>
-                      </p:stCondLst>
-                      <p:childTnLst>
-                        <p:par>
-                          <p:cTn id="120" fill="hold">
-                            <p:stCondLst>
-                              <p:cond delay="0"/>
-                            </p:stCondLst>
-                            <p:childTnLst>
-                              <p:par>
-                                <p:cTn id="121" nodeType="clickEffect" fill="hold" presetClass="entr" presetID="10">
-                                  <p:stCondLst>
-                                    <p:cond delay="0"/>
-                                  </p:stCondLst>
-                                  <p:childTnLst>
-                                    <p:set>
-                                      <p:cBhvr>
-                                        <p:cTn id="122" dur="1" fill="hold">
-                                          <p:stCondLst>
-                                            <p:cond delay="0"/>
-                                          </p:stCondLst>
-                                        </p:cTn>
-                                        <p:tgtEl>
-                                          <p:spTgt spid="58">
-                                            <p:txEl>
-                                              <p:pRg st="5" end="5"/>
-                                            </p:txEl>
-                                          </p:spTgt>
-                                        </p:tgtEl>
-                                        <p:attrNameLst>
-                                          <p:attrName>style.visibility</p:attrName>
-                                        </p:attrNameLst>
-                                      </p:cBhvr>
-                                      <p:to>
-                                        <p:strVal val="visible"/>
-                                      </p:to>
-                                    </p:set>
-                                    <p:animEffect filter="fade" transition="in">
-                                      <p:cBhvr additive="repl">
-                                        <p:cTn id="123" dur="1000"/>
-                                        <p:tgtEl>
-                                          <p:spTgt spid="58">
-                                            <p:txEl>
-                                              <p:pRg st="5" end="5"/>
-                                            </p:txEl>
-                                          </p:spTgt>
-                                        </p:tgtEl>
-                                      </p:cBhvr>
-                                    </p:animEffect>
-                                  </p:childTnLst>
-                                </p:cTn>
-                              </p:par>
-                            </p:childTnLst>
-                          </p:cTn>
-                        </p:par>
-                      </p:childTnLst>
-                    </p:cTn>
-                  </p:par>
-                  <p:par>
-                    <p:cTn id="124" fill="hold">
-                      <p:stCondLst>
-                        <p:cond delay="indefinite"/>
-                      </p:stCondLst>
-                      <p:childTnLst>
-                        <p:par>
-                          <p:cTn id="125" fill="hold">
-                            <p:stCondLst>
-                              <p:cond delay="0"/>
-                            </p:stCondLst>
-                            <p:childTnLst>
-                              <p:par>
-                                <p:cTn id="126" nodeType="clickEffect" fill="hold" presetClass="entr" presetID="10">
-                                  <p:stCondLst>
-                                    <p:cond delay="0"/>
-                                  </p:stCondLst>
-                                  <p:childTnLst>
-                                    <p:set>
-                                      <p:cBhvr>
-                                        <p:cTn id="127" dur="1" fill="hold">
-                                          <p:stCondLst>
-                                            <p:cond delay="0"/>
-                                          </p:stCondLst>
-                                        </p:cTn>
-                                        <p:tgtEl>
-                                          <p:spTgt spid="58">
-                                            <p:txEl>
-                                              <p:pRg st="6" end="6"/>
-                                            </p:txEl>
-                                          </p:spTgt>
-                                        </p:tgtEl>
-                                        <p:attrNameLst>
-                                          <p:attrName>style.visibility</p:attrName>
-                                        </p:attrNameLst>
-                                      </p:cBhvr>
-                                      <p:to>
-                                        <p:strVal val="visible"/>
-                                      </p:to>
-                                    </p:set>
-                                    <p:animEffect filter="fade" transition="in">
-                                      <p:cBhvr additive="repl">
-                                        <p:cTn id="128" dur="1000"/>
-                                        <p:tgtEl>
-                                          <p:spTgt spid="58">
-                                            <p:txEl>
-                                              <p:pRg st="6" end="6"/>
-                                            </p:txEl>
-                                          </p:spTgt>
-                                        </p:tgtEl>
-                                      </p:cBhvr>
-                                    </p:animEffect>
-                                  </p:childTnLst>
-                                </p:cTn>
-                              </p:par>
-                            </p:childTnLst>
-                          </p:cTn>
-                        </p:par>
-                      </p:childTnLst>
-                    </p:cTn>
-                  </p:par>
-                  <p:par>
-                    <p:cTn id="129" fill="hold">
-                      <p:stCondLst>
-                        <p:cond delay="indefinite"/>
-                      </p:stCondLst>
-                      <p:childTnLst>
-                        <p:par>
-                          <p:cTn id="130" fill="hold">
-                            <p:stCondLst>
-                              <p:cond delay="0"/>
-                            </p:stCondLst>
-                            <p:childTnLst>
-                              <p:par>
-                                <p:cTn id="131" nodeType="clickEffect" fill="hold" presetClass="entr" presetID="10">
-                                  <p:stCondLst>
-                                    <p:cond delay="0"/>
-                                  </p:stCondLst>
-                                  <p:childTnLst>
-                                    <p:set>
-                                      <p:cBhvr>
-                                        <p:cTn id="132" dur="1" fill="hold">
-                                          <p:stCondLst>
-                                            <p:cond delay="0"/>
-                                          </p:stCondLst>
-                                        </p:cTn>
-                                        <p:tgtEl>
-                                          <p:spTgt spid="58">
-                                            <p:txEl>
-                                              <p:pRg st="7" end="7"/>
-                                            </p:txEl>
-                                          </p:spTgt>
-                                        </p:tgtEl>
-                                        <p:attrNameLst>
-                                          <p:attrName>style.visibility</p:attrName>
-                                        </p:attrNameLst>
-                                      </p:cBhvr>
-                                      <p:to>
-                                        <p:strVal val="visible"/>
-                                      </p:to>
-                                    </p:set>
-                                    <p:animEffect filter="fade" transition="in">
-                                      <p:cBhvr additive="repl">
-                                        <p:cTn id="133" dur="1000"/>
-                                        <p:tgtEl>
-                                          <p:spTgt spid="58">
-                                            <p:txEl>
-                                              <p:pRg st="7" end="7"/>
-                                            </p:txEl>
-                                          </p:spTgt>
-                                        </p:tgtEl>
-                                      </p:cBhvr>
-                                    </p:animEffect>
-                                  </p:childTnLst>
-                                </p:cTn>
-                              </p:par>
-                            </p:childTnLst>
-                          </p:cTn>
-                        </p:par>
-                      </p:childTnLst>
-                    </p:cTn>
-                  </p:par>
-                  <p:par>
-                    <p:cTn id="134" fill="hold">
-                      <p:stCondLst>
-                        <p:cond delay="indefinite"/>
-                      </p:stCondLst>
-                      <p:childTnLst>
-                        <p:par>
-                          <p:cTn id="135" fill="hold">
-                            <p:stCondLst>
-                              <p:cond delay="0"/>
-                            </p:stCondLst>
-                            <p:childTnLst>
-                              <p:par>
-                                <p:cTn id="136" nodeType="clickEffect" fill="hold" presetClass="entr" presetID="10">
-                                  <p:stCondLst>
-                                    <p:cond delay="0"/>
-                                  </p:stCondLst>
-                                  <p:childTnLst>
-                                    <p:set>
-                                      <p:cBhvr>
-                                        <p:cTn id="137" dur="1" fill="hold">
-                                          <p:stCondLst>
-                                            <p:cond delay="0"/>
-                                          </p:stCondLst>
-                                        </p:cTn>
-                                        <p:tgtEl>
-                                          <p:spTgt spid="58">
-                                            <p:txEl>
-                                              <p:pRg st="8" end="8"/>
-                                            </p:txEl>
-                                          </p:spTgt>
-                                        </p:tgtEl>
-                                        <p:attrNameLst>
-                                          <p:attrName>style.visibility</p:attrName>
-                                        </p:attrNameLst>
-                                      </p:cBhvr>
-                                      <p:to>
-                                        <p:strVal val="visible"/>
-                                      </p:to>
-                                    </p:set>
-                                    <p:animEffect filter="fade" transition="in">
-                                      <p:cBhvr additive="repl">
-                                        <p:cTn id="138" dur="1000"/>
-                                        <p:tgtEl>
-                                          <p:spTgt spid="58">
-                                            <p:txEl>
-                                              <p:pRg st="8" end="8"/>
                                             </p:txEl>
                                           </p:spTgt>
                                         </p:tgtEl>
@@ -8438,7 +7010,7 @@
       </p:grpSpPr>
       <p:sp>
         <p:nvSpPr>
-          <p:cNvPr id="60" name="PlaceHolder 1"/>
+          <p:cNvPr id="52" name="PlaceHolder 1"/>
           <p:cNvSpPr>
             <a:spLocks noGrp="1"/>
           </p:cNvSpPr>
@@ -8449,7 +7021,7 @@
         <p:spPr>
           <a:xfrm>
             <a:off x="311760" y="444960"/>
-            <a:ext cx="8520120" cy="572400"/>
+            <a:ext cx="8519760" cy="572040"/>
           </a:xfrm>
           <a:prstGeom prst="rect">
             <a:avLst/>
@@ -8464,7 +7036,7 @@
             <a:noAutofit/>
           </a:bodyPr>
           <a:p>
-            <a:pPr indent="0" algn="ctr">
+            <a:pPr indent="0">
               <a:lnSpc>
                 <a:spcPct val="100000"/>
               </a:lnSpc>
@@ -8474,18 +7046,18 @@
               </a:tabLst>
             </a:pPr>
             <a:r>
-              <a:rPr b="0" lang="en" sz="2820" spc="-1" strike="noStrike">
+              <a:rPr b="0" lang="en" sz="3020" spc="-1" strike="noStrike">
                 <a:solidFill>
                   <a:schemeClr val="dk1"/>
                 </a:solidFill>
                 <a:latin typeface="Arial"/>
                 <a:ea typeface="Arial"/>
               </a:rPr>
-              <a:t>Bazzite vs Windows</a:t>
-            </a:r>
-            <a:endParaRPr b="0" lang="en-US" sz="2820" spc="-1" strike="noStrike">
-              <a:solidFill>
-                <a:srgbClr val="000000"/>
+              <a:t>Bazzite Features</a:t>
+            </a:r>
+            <a:endParaRPr b="0" lang="en-US" sz="3020" spc="-1" strike="noStrike">
+              <a:solidFill>
+                <a:srgbClr val="ffffff"/>
               </a:solidFill>
               <a:latin typeface="Arial"/>
             </a:endParaRPr>
@@ -8494,7 +7066,7 @@
       </p:sp>
       <p:sp>
         <p:nvSpPr>
-          <p:cNvPr id="61" name="PlaceHolder 2"/>
+          <p:cNvPr id="53" name="PlaceHolder 2"/>
           <p:cNvSpPr>
             <a:spLocks noGrp="1"/>
           </p:cNvSpPr>
@@ -8504,8 +7076,8 @@
         </p:nvSpPr>
         <p:spPr>
           <a:xfrm>
-            <a:off x="273960" y="2210400"/>
-            <a:ext cx="4259880" cy="3416040"/>
+            <a:off x="311760" y="1152360"/>
+            <a:ext cx="5820840" cy="3552120"/>
           </a:xfrm>
           <a:prstGeom prst="rect">
             <a:avLst/>
@@ -8520,7 +7092,7 @@
             <a:normAutofit/>
           </a:bodyPr>
           <a:p>
-            <a:pPr marL="457200" indent="-343080">
+            <a:pPr marL="457200" indent="-349200">
               <a:lnSpc>
                 <a:spcPct val="115000"/>
               </a:lnSpc>
@@ -8531,24 +7103,24 @@
               <a:buChar char="-"/>
             </a:pPr>
             <a:r>
-              <a:rPr b="0" lang="en" sz="1800" spc="-1" strike="noStrike">
+              <a:rPr b="0" lang="en" sz="1900" spc="-1" strike="noStrike">
                 <a:solidFill>
                   <a:schemeClr val="lt2"/>
                 </a:solidFill>
                 <a:latin typeface="Arial"/>
                 <a:ea typeface="Arial"/>
               </a:rPr>
-              <a:t>Community Owned</a:t>
-            </a:r>
-            <a:endParaRPr b="0" lang="en-US" sz="1800" spc="-1" strike="noStrike">
-              <a:solidFill>
-                <a:srgbClr val="000000"/>
+              <a:t>Automated updates</a:t>
+            </a:r>
+            <a:endParaRPr b="0" lang="en-US" sz="1900" spc="-1" strike="noStrike">
+              <a:solidFill>
+                <a:srgbClr val="ffffff"/>
               </a:solidFill>
               <a:latin typeface="Arial"/>
             </a:endParaRPr>
           </a:p>
           <a:p>
-            <a:pPr marL="457200" indent="-343080">
+            <a:pPr marL="457200" indent="-349200">
               <a:lnSpc>
                 <a:spcPct val="115000"/>
               </a:lnSpc>
@@ -8559,24 +7131,24 @@
               <a:buChar char="-"/>
             </a:pPr>
             <a:r>
-              <a:rPr b="0" lang="en" sz="1800" spc="-1" strike="noStrike">
+              <a:rPr b="0" lang="en" sz="1900" spc="-1" strike="noStrike">
                 <a:solidFill>
                   <a:schemeClr val="lt2"/>
                 </a:solidFill>
                 <a:latin typeface="Arial"/>
                 <a:ea typeface="Arial"/>
               </a:rPr>
-              <a:t>Completely free to use</a:t>
-            </a:r>
-            <a:endParaRPr b="0" lang="en-US" sz="1800" spc="-1" strike="noStrike">
-              <a:solidFill>
-                <a:srgbClr val="000000"/>
+              <a:t>Easy Rollback</a:t>
+            </a:r>
+            <a:endParaRPr b="0" lang="en-US" sz="1900" spc="-1" strike="noStrike">
+              <a:solidFill>
+                <a:srgbClr val="ffffff"/>
               </a:solidFill>
               <a:latin typeface="Arial"/>
             </a:endParaRPr>
           </a:p>
           <a:p>
-            <a:pPr marL="457200" indent="-343080">
+            <a:pPr marL="457200" indent="-349200">
               <a:lnSpc>
                 <a:spcPct val="115000"/>
               </a:lnSpc>
@@ -8587,24 +7159,24 @@
               <a:buChar char="-"/>
             </a:pPr>
             <a:r>
-              <a:rPr b="0" lang="en" sz="1800" spc="-1" strike="noStrike">
+              <a:rPr b="0" lang="en" sz="1900" spc="-1" strike="noStrike">
                 <a:solidFill>
                   <a:schemeClr val="lt2"/>
                 </a:solidFill>
                 <a:latin typeface="Arial"/>
                 <a:ea typeface="Arial"/>
               </a:rPr>
-              <a:t>Smaller on disk install size</a:t>
-            </a:r>
-            <a:endParaRPr b="0" lang="en-US" sz="1800" spc="-1" strike="noStrike">
-              <a:solidFill>
-                <a:srgbClr val="000000"/>
+              <a:t>Driver Support Built-in</a:t>
+            </a:r>
+            <a:endParaRPr b="0" lang="en-US" sz="1900" spc="-1" strike="noStrike">
+              <a:solidFill>
+                <a:srgbClr val="ffffff"/>
               </a:solidFill>
               <a:latin typeface="Arial"/>
             </a:endParaRPr>
           </a:p>
           <a:p>
-            <a:pPr marL="457200" indent="-343080">
+            <a:pPr lvl="1" marL="914400" indent="-349200">
               <a:lnSpc>
                 <a:spcPct val="115000"/>
               </a:lnSpc>
@@ -8615,24 +7187,24 @@
               <a:buChar char="-"/>
             </a:pPr>
             <a:r>
-              <a:rPr b="0" lang="en" sz="1800" spc="-1" strike="noStrike">
+              <a:rPr b="0" lang="en" sz="1900" spc="-1" strike="noStrike">
                 <a:solidFill>
                   <a:schemeClr val="lt2"/>
                 </a:solidFill>
                 <a:latin typeface="Arial"/>
                 <a:ea typeface="Arial"/>
               </a:rPr>
-              <a:t>Easy Rollback</a:t>
-            </a:r>
-            <a:endParaRPr b="0" lang="en-US" sz="1800" spc="-1" strike="noStrike">
-              <a:solidFill>
-                <a:srgbClr val="000000"/>
+              <a:t>Game Controllers</a:t>
+            </a:r>
+            <a:endParaRPr b="0" lang="en-US" sz="1900" spc="-1" strike="noStrike">
+              <a:solidFill>
+                <a:srgbClr val="ffffff"/>
               </a:solidFill>
               <a:latin typeface="Arial"/>
             </a:endParaRPr>
           </a:p>
           <a:p>
-            <a:pPr marL="457200" indent="-343080">
+            <a:pPr lvl="1" marL="914400" indent="-349200">
               <a:lnSpc>
                 <a:spcPct val="115000"/>
               </a:lnSpc>
@@ -8643,24 +7215,24 @@
               <a:buChar char="-"/>
             </a:pPr>
             <a:r>
-              <a:rPr b="0" lang="en" sz="1800" spc="-1" strike="noStrike">
+              <a:rPr b="0" lang="en" sz="1900" spc="-1" strike="noStrike">
                 <a:solidFill>
                   <a:schemeClr val="lt2"/>
                 </a:solidFill>
                 <a:latin typeface="Arial"/>
                 <a:ea typeface="Arial"/>
               </a:rPr>
-              <a:t>Drivers are built-in</a:t>
-            </a:r>
-            <a:endParaRPr b="0" lang="en-US" sz="1800" spc="-1" strike="noStrike">
-              <a:solidFill>
-                <a:srgbClr val="000000"/>
+              <a:t>GPU Drivers</a:t>
+            </a:r>
+            <a:endParaRPr b="0" lang="en-US" sz="1900" spc="-1" strike="noStrike">
+              <a:solidFill>
+                <a:srgbClr val="ffffff"/>
               </a:solidFill>
               <a:latin typeface="Arial"/>
             </a:endParaRPr>
           </a:p>
           <a:p>
-            <a:pPr marL="457200" indent="-343080">
+            <a:pPr marL="457200" indent="-349200">
               <a:lnSpc>
                 <a:spcPct val="115000"/>
               </a:lnSpc>
@@ -8671,24 +7243,24 @@
               <a:buChar char="-"/>
             </a:pPr>
             <a:r>
-              <a:rPr b="0" lang="en" sz="1800" spc="-1" strike="noStrike">
+              <a:rPr b="0" lang="en" sz="1900" spc="-1" strike="noStrike">
                 <a:solidFill>
                   <a:schemeClr val="lt2"/>
                 </a:solidFill>
                 <a:latin typeface="Arial"/>
                 <a:ea typeface="Arial"/>
               </a:rPr>
-              <a:t>Optimized for all device types</a:t>
-            </a:r>
-            <a:endParaRPr b="0" lang="en-US" sz="1800" spc="-1" strike="noStrike">
-              <a:solidFill>
-                <a:srgbClr val="000000"/>
+              <a:t>Desktop Environment Options</a:t>
+            </a:r>
+            <a:endParaRPr b="0" lang="en-US" sz="1900" spc="-1" strike="noStrike">
+              <a:solidFill>
+                <a:srgbClr val="ffffff"/>
               </a:solidFill>
               <a:latin typeface="Arial"/>
             </a:endParaRPr>
           </a:p>
           <a:p>
-            <a:pPr lvl="1" marL="914400" indent="-317520">
+            <a:pPr lvl="1" marL="914400" indent="-349200">
               <a:lnSpc>
                 <a:spcPct val="115000"/>
               </a:lnSpc>
@@ -8699,24 +7271,24 @@
               <a:buChar char="-"/>
             </a:pPr>
             <a:r>
-              <a:rPr b="0" lang="en" sz="1400" spc="-1" strike="noStrike">
+              <a:rPr b="0" lang="en" sz="1900" spc="-1" strike="noStrike">
                 <a:solidFill>
                   <a:schemeClr val="lt2"/>
                 </a:solidFill>
                 <a:latin typeface="Arial"/>
                 <a:ea typeface="Arial"/>
               </a:rPr>
-              <a:t>Desktop</a:t>
-            </a:r>
-            <a:endParaRPr b="0" lang="en-US" sz="1400" spc="-1" strike="noStrike">
-              <a:solidFill>
-                <a:srgbClr val="000000"/>
+              <a:t>Gnome (MacOS-like)</a:t>
+            </a:r>
+            <a:endParaRPr b="0" lang="en-US" sz="1900" spc="-1" strike="noStrike">
+              <a:solidFill>
+                <a:srgbClr val="ffffff"/>
               </a:solidFill>
               <a:latin typeface="Arial"/>
             </a:endParaRPr>
           </a:p>
           <a:p>
-            <a:pPr lvl="1" marL="914400" indent="-317520">
+            <a:pPr lvl="1" marL="914400" indent="-349200">
               <a:lnSpc>
                 <a:spcPct val="115000"/>
               </a:lnSpc>
@@ -8727,24 +7299,24 @@
               <a:buChar char="-"/>
             </a:pPr>
             <a:r>
-              <a:rPr b="0" lang="en" sz="1400" spc="-1" strike="noStrike">
+              <a:rPr b="0" lang="en" sz="1900" spc="-1" strike="noStrike">
                 <a:solidFill>
                   <a:schemeClr val="lt2"/>
                 </a:solidFill>
                 <a:latin typeface="Arial"/>
                 <a:ea typeface="Arial"/>
               </a:rPr>
-              <a:t>Laptop</a:t>
-            </a:r>
-            <a:endParaRPr b="0" lang="en-US" sz="1400" spc="-1" strike="noStrike">
-              <a:solidFill>
-                <a:srgbClr val="000000"/>
+              <a:t>KDE (Windows-like)</a:t>
+            </a:r>
+            <a:endParaRPr b="0" lang="en-US" sz="1900" spc="-1" strike="noStrike">
+              <a:solidFill>
+                <a:srgbClr val="ffffff"/>
               </a:solidFill>
               <a:latin typeface="Arial"/>
             </a:endParaRPr>
           </a:p>
           <a:p>
-            <a:pPr lvl="1" marL="914400" indent="-317520">
+            <a:pPr marL="457200" indent="-349200">
               <a:lnSpc>
                 <a:spcPct val="115000"/>
               </a:lnSpc>
@@ -8755,18 +7327,18 @@
               <a:buChar char="-"/>
             </a:pPr>
             <a:r>
-              <a:rPr b="0" lang="en" sz="1400" spc="-1" strike="noStrike">
+              <a:rPr b="0" lang="en" sz="1900" spc="-1" strike="noStrike">
                 <a:solidFill>
                   <a:schemeClr val="lt2"/>
                 </a:solidFill>
                 <a:latin typeface="Arial"/>
                 <a:ea typeface="Arial"/>
               </a:rPr>
-              <a:t>Handheld</a:t>
-            </a:r>
-            <a:endParaRPr b="0" lang="en-US" sz="1400" spc="-1" strike="noStrike">
-              <a:solidFill>
-                <a:srgbClr val="000000"/>
+              <a:t>Steam is preinstalled</a:t>
+            </a:r>
+            <a:endParaRPr b="0" lang="en-US" sz="1900" spc="-1" strike="noStrike">
+              <a:solidFill>
+                <a:srgbClr val="ffffff"/>
               </a:solidFill>
               <a:latin typeface="Arial"/>
             </a:endParaRPr>
@@ -8775,7 +7347,7 @@
       </p:sp>
       <p:pic>
         <p:nvPicPr>
-          <p:cNvPr id="62" name="Google Shape;92;p18" descr=""/>
+          <p:cNvPr id="54" name="Google Shape;85;p17" descr=""/>
           <p:cNvPicPr/>
           <p:nvPr/>
         </p:nvPicPr>
@@ -8785,8 +7357,8 @@
         </p:blipFill>
         <p:spPr>
           <a:xfrm>
-            <a:off x="6485760" y="1186920"/>
-            <a:ext cx="899640" cy="899640"/>
+            <a:off x="6079320" y="1337400"/>
+            <a:ext cx="2227320" cy="2227320"/>
           </a:xfrm>
           <a:prstGeom prst="rect">
             <a:avLst/>
@@ -8796,226 +7368,6 @@
           </a:ln>
         </p:spPr>
       </p:pic>
-      <p:pic>
-        <p:nvPicPr>
-          <p:cNvPr id="63" name="Google Shape;93;p18" descr=""/>
-          <p:cNvPicPr/>
-          <p:nvPr/>
-        </p:nvPicPr>
-        <p:blipFill>
-          <a:blip r:embed="rId2"/>
-          <a:stretch/>
-        </p:blipFill>
-        <p:spPr>
-          <a:xfrm>
-            <a:off x="1325880" y="1186920"/>
-            <a:ext cx="1006560" cy="1006560"/>
-          </a:xfrm>
-          <a:prstGeom prst="rect">
-            <a:avLst/>
-          </a:prstGeom>
-          <a:ln w="0">
-            <a:noFill/>
-          </a:ln>
-        </p:spPr>
-      </p:pic>
-      <p:sp>
-        <p:nvSpPr>
-          <p:cNvPr id="64" name="PlaceHolder 3"/>
-          <p:cNvSpPr>
-            <a:spLocks noGrp="1"/>
-          </p:cNvSpPr>
-          <p:nvPr>
-            <p:ph/>
-          </p:nvPr>
-        </p:nvSpPr>
-        <p:spPr>
-          <a:xfrm>
-            <a:off x="4805640" y="2210400"/>
-            <a:ext cx="4259880" cy="3416040"/>
-          </a:xfrm>
-          <a:prstGeom prst="rect">
-            <a:avLst/>
-          </a:prstGeom>
-          <a:noFill/>
-          <a:ln w="0">
-            <a:noFill/>
-          </a:ln>
-        </p:spPr>
-        <p:txBody>
-          <a:bodyPr lIns="91440" rIns="91440" tIns="91440" bIns="91440" anchor="t">
-            <a:normAutofit/>
-          </a:bodyPr>
-          <a:p>
-            <a:pPr marL="457200" indent="-343080">
-              <a:lnSpc>
-                <a:spcPct val="115000"/>
-              </a:lnSpc>
-              <a:buClr>
-                <a:srgbClr val="adadad"/>
-              </a:buClr>
-              <a:buFont typeface="Arial"/>
-              <a:buChar char="-"/>
-            </a:pPr>
-            <a:r>
-              <a:rPr b="0" lang="en" sz="1800" spc="-1" strike="noStrike">
-                <a:solidFill>
-                  <a:schemeClr val="lt2"/>
-                </a:solidFill>
-                <a:latin typeface="Arial"/>
-                <a:ea typeface="Arial"/>
-              </a:rPr>
-              <a:t>Owned by a large corporation</a:t>
-            </a:r>
-            <a:endParaRPr b="0" lang="en-US" sz="1800" spc="-1" strike="noStrike">
-              <a:solidFill>
-                <a:srgbClr val="000000"/>
-              </a:solidFill>
-              <a:latin typeface="Arial"/>
-            </a:endParaRPr>
-          </a:p>
-          <a:p>
-            <a:pPr marL="457200" indent="-343080">
-              <a:lnSpc>
-                <a:spcPct val="115000"/>
-              </a:lnSpc>
-              <a:buClr>
-                <a:srgbClr val="adadad"/>
-              </a:buClr>
-              <a:buFont typeface="Arial"/>
-              <a:buChar char="-"/>
-            </a:pPr>
-            <a:r>
-              <a:rPr b="0" lang="en" sz="1800" spc="-1" strike="noStrike">
-                <a:solidFill>
-                  <a:schemeClr val="lt2"/>
-                </a:solidFill>
-                <a:latin typeface="Arial"/>
-                <a:ea typeface="Arial"/>
-              </a:rPr>
-              <a:t>Requires you to pay for a license</a:t>
-            </a:r>
-            <a:endParaRPr b="0" lang="en-US" sz="1800" spc="-1" strike="noStrike">
-              <a:solidFill>
-                <a:srgbClr val="000000"/>
-              </a:solidFill>
-              <a:latin typeface="Arial"/>
-            </a:endParaRPr>
-          </a:p>
-          <a:p>
-            <a:pPr marL="457200" indent="-343080">
-              <a:lnSpc>
-                <a:spcPct val="115000"/>
-              </a:lnSpc>
-              <a:buClr>
-                <a:srgbClr val="adadad"/>
-              </a:buClr>
-              <a:buFont typeface="Arial"/>
-              <a:buChar char="-"/>
-            </a:pPr>
-            <a:r>
-              <a:rPr b="0" lang="en" sz="1800" spc="-1" strike="noStrike">
-                <a:solidFill>
-                  <a:schemeClr val="lt2"/>
-                </a:solidFill>
-                <a:latin typeface="Arial"/>
-                <a:ea typeface="Arial"/>
-              </a:rPr>
-              <a:t>Larger on disk size</a:t>
-            </a:r>
-            <a:endParaRPr b="0" lang="en-US" sz="1800" spc="-1" strike="noStrike">
-              <a:solidFill>
-                <a:srgbClr val="000000"/>
-              </a:solidFill>
-              <a:latin typeface="Arial"/>
-            </a:endParaRPr>
-          </a:p>
-          <a:p>
-            <a:pPr marL="457200" indent="-343080">
-              <a:lnSpc>
-                <a:spcPct val="115000"/>
-              </a:lnSpc>
-              <a:buClr>
-                <a:srgbClr val="adadad"/>
-              </a:buClr>
-              <a:buFont typeface="Arial"/>
-              <a:buChar char="-"/>
-            </a:pPr>
-            <a:r>
-              <a:rPr b="0" lang="en" sz="1800" spc="-1" strike="noStrike">
-                <a:solidFill>
-                  <a:schemeClr val="lt2"/>
-                </a:solidFill>
-                <a:latin typeface="Arial"/>
-                <a:ea typeface="Arial"/>
-              </a:rPr>
-              <a:t>Difficult to rollback</a:t>
-            </a:r>
-            <a:endParaRPr b="0" lang="en-US" sz="1800" spc="-1" strike="noStrike">
-              <a:solidFill>
-                <a:srgbClr val="000000"/>
-              </a:solidFill>
-              <a:latin typeface="Arial"/>
-            </a:endParaRPr>
-          </a:p>
-          <a:p>
-            <a:pPr marL="457200" indent="-343080">
-              <a:lnSpc>
-                <a:spcPct val="115000"/>
-              </a:lnSpc>
-              <a:buClr>
-                <a:srgbClr val="adadad"/>
-              </a:buClr>
-              <a:buFont typeface="Arial"/>
-              <a:buChar char="-"/>
-            </a:pPr>
-            <a:r>
-              <a:rPr b="0" lang="en" sz="1800" spc="-1" strike="noStrike">
-                <a:solidFill>
-                  <a:schemeClr val="lt2"/>
-                </a:solidFill>
-                <a:latin typeface="Arial"/>
-                <a:ea typeface="Arial"/>
-              </a:rPr>
-              <a:t>Requires you to install drivers for best experience</a:t>
-            </a:r>
-            <a:endParaRPr b="0" lang="en-US" sz="1800" spc="-1" strike="noStrike">
-              <a:solidFill>
-                <a:srgbClr val="000000"/>
-              </a:solidFill>
-              <a:latin typeface="Arial"/>
-            </a:endParaRPr>
-          </a:p>
-          <a:p>
-            <a:pPr marL="457200" indent="-343080">
-              <a:lnSpc>
-                <a:spcPct val="115000"/>
-              </a:lnSpc>
-              <a:buClr>
-                <a:srgbClr val="adadad"/>
-              </a:buClr>
-              <a:buFont typeface="Arial"/>
-              <a:buChar char="-"/>
-            </a:pPr>
-            <a:r>
-              <a:rPr b="0" lang="en" sz="1800" spc="-1" strike="noStrike">
-                <a:solidFill>
-                  <a:schemeClr val="lt2"/>
-                </a:solidFill>
-                <a:latin typeface="Arial"/>
-                <a:ea typeface="Arial"/>
-              </a:rPr>
-              <a:t>Only optimized for desktops and laptops</a:t>
-            </a:r>
-            <a:endParaRPr b="0" lang="en-US" sz="1800" spc="-1" strike="noStrike">
-              <a:solidFill>
-                <a:srgbClr val="000000"/>
-              </a:solidFill>
-              <a:latin typeface="Arial"/>
-            </a:endParaRPr>
-          </a:p>
-        </p:txBody>
-      </p:sp>
     </p:spTree>
   </p:cSld>
   <p:transition spd="med">
@@ -9024,38 +7376,38 @@
   <p:timing>
     <p:tnLst>
       <p:par>
-        <p:cTn id="139" dur="indefinite" restart="never" nodeType="tmRoot">
+        <p:cTn id="92" dur="indefinite" restart="never" nodeType="tmRoot">
           <p:childTnLst>
             <p:seq>
-              <p:cTn id="140" dur="indefinite" nodeType="mainSeq">
+              <p:cTn id="93" dur="indefinite" nodeType="mainSeq">
                 <p:childTnLst>
                   <p:par>
-                    <p:cTn id="141" fill="hold">
+                    <p:cTn id="94" fill="hold">
                       <p:stCondLst>
                         <p:cond delay="indefinite"/>
                       </p:stCondLst>
                       <p:childTnLst>
                         <p:par>
-                          <p:cTn id="142" fill="hold">
+                          <p:cTn id="95" fill="hold">
                             <p:stCondLst>
                               <p:cond delay="0"/>
                             </p:stCondLst>
                             <p:childTnLst>
                               <p:par>
-                                <p:cTn id="143" nodeType="clickEffect" fill="hold" presetClass="entr" presetID="10">
+                                <p:cTn id="96" nodeType="clickEffect" fill="hold" presetClass="entr" presetID="10">
                                   <p:stCondLst>
                                     <p:cond delay="0"/>
                                   </p:stCondLst>
                                   <p:childTnLst>
                                     <p:set>
                                       <p:cBhvr>
-                                        <p:cTn id="144" dur="1" fill="hold">
+                                        <p:cTn id="97" dur="1" fill="hold">
                                           <p:stCondLst>
                                             <p:cond delay="0"/>
                                           </p:stCondLst>
                                         </p:cTn>
                                         <p:tgtEl>
-                                          <p:spTgt spid="61">
+                                          <p:spTgt spid="53">
                                             <p:txEl>
                                               <p:pRg st="0" end="0"/>
                                             </p:txEl>
@@ -9071,9 +7423,9 @@
                                     </p:set>
                                     <p:animEffect filter="fade" transition="in">
                                       <p:cBhvr additive="repl">
-                                        <p:cTn id="145" dur="1000"/>
+                                        <p:cTn id="98" dur="1000"/>
                                         <p:tgtEl>
-                                          <p:spTgt spid="61">
+                                          <p:spTgt spid="53">
                                             <p:txEl>
                                               <p:pRg st="0" end="0"/>
                                             </p:txEl>
@@ -9091,32 +7443,32 @@
                     </p:cTn>
                   </p:par>
                   <p:par>
-                    <p:cTn id="146" fill="hold">
+                    <p:cTn id="99" fill="hold">
                       <p:stCondLst>
                         <p:cond delay="indefinite"/>
                       </p:stCondLst>
                       <p:childTnLst>
                         <p:par>
-                          <p:cTn id="147" fill="hold">
+                          <p:cTn id="100" fill="hold">
                             <p:stCondLst>
                               <p:cond delay="0"/>
                             </p:stCondLst>
                             <p:childTnLst>
                               <p:par>
-                                <p:cTn id="148" nodeType="clickEffect" fill="hold" presetClass="entr" presetID="10">
+                                <p:cTn id="101" nodeType="clickEffect" fill="hold" presetClass="entr" presetID="10">
                                   <p:stCondLst>
                                     <p:cond delay="0"/>
                                   </p:stCondLst>
                                   <p:childTnLst>
                                     <p:set>
                                       <p:cBhvr>
-                                        <p:cTn id="149" dur="1" fill="hold">
+                                        <p:cTn id="102" dur="1" fill="hold">
                                           <p:stCondLst>
                                             <p:cond delay="0"/>
                                           </p:stCondLst>
                                         </p:cTn>
                                         <p:tgtEl>
-                                          <p:spTgt spid="61">
+                                          <p:spTgt spid="53">
                                             <p:txEl>
                                               <p:pRg st="1" end="1"/>
                                             </p:txEl>
@@ -9132,9 +7484,9 @@
                                     </p:set>
                                     <p:animEffect filter="fade" transition="in">
                                       <p:cBhvr additive="repl">
-                                        <p:cTn id="150" dur="1000"/>
+                                        <p:cTn id="103" dur="1000"/>
                                         <p:tgtEl>
-                                          <p:spTgt spid="61">
+                                          <p:spTgt spid="53">
                                             <p:txEl>
                                               <p:pRg st="1" end="1"/>
                                             </p:txEl>
@@ -9152,32 +7504,32 @@
                     </p:cTn>
                   </p:par>
                   <p:par>
-                    <p:cTn id="151" fill="hold">
+                    <p:cTn id="104" fill="hold">
                       <p:stCondLst>
                         <p:cond delay="indefinite"/>
                       </p:stCondLst>
                       <p:childTnLst>
                         <p:par>
-                          <p:cTn id="152" fill="hold">
+                          <p:cTn id="105" fill="hold">
                             <p:stCondLst>
                               <p:cond delay="0"/>
                             </p:stCondLst>
                             <p:childTnLst>
                               <p:par>
-                                <p:cTn id="153" nodeType="clickEffect" fill="hold" presetClass="entr" presetID="10">
+                                <p:cTn id="106" nodeType="clickEffect" fill="hold" presetClass="entr" presetID="10">
                                   <p:stCondLst>
                                     <p:cond delay="0"/>
                                   </p:stCondLst>
                                   <p:childTnLst>
                                     <p:set>
                                       <p:cBhvr>
-                                        <p:cTn id="154" dur="1" fill="hold">
+                                        <p:cTn id="107" dur="1" fill="hold">
                                           <p:stCondLst>
                                             <p:cond delay="0"/>
                                           </p:stCondLst>
                                         </p:cTn>
                                         <p:tgtEl>
-                                          <p:spTgt spid="61">
+                                          <p:spTgt spid="53">
                                             <p:txEl>
                                               <p:pRg st="2" end="2"/>
                                             </p:txEl>
@@ -9193,9 +7545,9 @@
                                     </p:set>
                                     <p:animEffect filter="fade" transition="in">
                                       <p:cBhvr additive="repl">
-                                        <p:cTn id="155" dur="1000"/>
+                                        <p:cTn id="108" dur="1000"/>
                                         <p:tgtEl>
-                                          <p:spTgt spid="61">
+                                          <p:spTgt spid="53">
                                             <p:txEl>
                                               <p:pRg st="2" end="2"/>
                                             </p:txEl>
@@ -9213,32 +7565,32 @@
                     </p:cTn>
                   </p:par>
                   <p:par>
-                    <p:cTn id="156" fill="hold">
+                    <p:cTn id="109" fill="hold">
                       <p:stCondLst>
                         <p:cond delay="indefinite"/>
                       </p:stCondLst>
                       <p:childTnLst>
                         <p:par>
-                          <p:cTn id="157" fill="hold">
+                          <p:cTn id="110" fill="hold">
                             <p:stCondLst>
                               <p:cond delay="0"/>
                             </p:stCondLst>
                             <p:childTnLst>
                               <p:par>
-                                <p:cTn id="158" nodeType="clickEffect" fill="hold" presetClass="entr" presetID="10">
+                                <p:cTn id="111" nodeType="clickEffect" fill="hold" presetClass="entr" presetID="10">
                                   <p:stCondLst>
                                     <p:cond delay="0"/>
                                   </p:stCondLst>
                                   <p:childTnLst>
                                     <p:set>
                                       <p:cBhvr>
-                                        <p:cTn id="159" dur="1" fill="hold">
+                                        <p:cTn id="112" dur="1" fill="hold">
                                           <p:stCondLst>
                                             <p:cond delay="0"/>
                                           </p:stCondLst>
                                         </p:cTn>
                                         <p:tgtEl>
-                                          <p:spTgt spid="61">
+                                          <p:spTgt spid="53">
                                             <p:txEl>
                                               <p:pRg st="3" end="3"/>
                                             </p:txEl>
@@ -9254,9 +7606,9 @@
                                     </p:set>
                                     <p:animEffect filter="fade" transition="in">
                                       <p:cBhvr additive="repl">
-                                        <p:cTn id="160" dur="1000"/>
+                                        <p:cTn id="113" dur="1000"/>
                                         <p:tgtEl>
-                                          <p:spTgt spid="61">
+                                          <p:spTgt spid="53">
                                             <p:txEl>
                                               <p:pRg st="3" end="3"/>
                                             </p:txEl>
@@ -9274,32 +7626,32 @@
                     </p:cTn>
                   </p:par>
                   <p:par>
-                    <p:cTn id="161" fill="hold">
+                    <p:cTn id="114" fill="hold">
                       <p:stCondLst>
                         <p:cond delay="indefinite"/>
                       </p:stCondLst>
                       <p:childTnLst>
                         <p:par>
-                          <p:cTn id="162" fill="hold">
+                          <p:cTn id="115" fill="hold">
                             <p:stCondLst>
                               <p:cond delay="0"/>
                             </p:stCondLst>
                             <p:childTnLst>
                               <p:par>
-                                <p:cTn id="163" nodeType="clickEffect" fill="hold" presetClass="entr" presetID="10">
+                                <p:cTn id="116" nodeType="clickEffect" fill="hold" presetClass="entr" presetID="10">
                                   <p:stCondLst>
                                     <p:cond delay="0"/>
                                   </p:stCondLst>
                                   <p:childTnLst>
                                     <p:set>
                                       <p:cBhvr>
-                                        <p:cTn id="164" dur="1" fill="hold">
+                                        <p:cTn id="117" dur="1" fill="hold">
                                           <p:stCondLst>
                                             <p:cond delay="0"/>
                                           </p:stCondLst>
                                         </p:cTn>
                                         <p:tgtEl>
-                                          <p:spTgt spid="61">
+                                          <p:spTgt spid="53">
                                             <p:txEl>
                                               <p:pRg st="4" end="4"/>
                                             </p:txEl>
@@ -9315,9 +7667,9 @@
                                     </p:set>
                                     <p:animEffect filter="fade" transition="in">
                                       <p:cBhvr additive="repl">
-                                        <p:cTn id="165" dur="1000"/>
+                                        <p:cTn id="118" dur="1000"/>
                                         <p:tgtEl>
-                                          <p:spTgt spid="61">
+                                          <p:spTgt spid="53">
                                             <p:txEl>
                                               <p:pRg st="4" end="4"/>
                                             </p:txEl>
@@ -9335,32 +7687,32 @@
                     </p:cTn>
                   </p:par>
                   <p:par>
-                    <p:cTn id="166" fill="hold">
+                    <p:cTn id="119" fill="hold">
                       <p:stCondLst>
                         <p:cond delay="indefinite"/>
                       </p:stCondLst>
                       <p:childTnLst>
                         <p:par>
-                          <p:cTn id="167" fill="hold">
+                          <p:cTn id="120" fill="hold">
                             <p:stCondLst>
                               <p:cond delay="0"/>
                             </p:stCondLst>
                             <p:childTnLst>
                               <p:par>
-                                <p:cTn id="168" nodeType="clickEffect" fill="hold" presetClass="entr" presetID="10">
+                                <p:cTn id="121" nodeType="clickEffect" fill="hold" presetClass="entr" presetID="10">
                                   <p:stCondLst>
                                     <p:cond delay="0"/>
                                   </p:stCondLst>
                                   <p:childTnLst>
                                     <p:set>
                                       <p:cBhvr>
-                                        <p:cTn id="169" dur="1" fill="hold">
+                                        <p:cTn id="122" dur="1" fill="hold">
                                           <p:stCondLst>
                                             <p:cond delay="0"/>
                                           </p:stCondLst>
                                         </p:cTn>
                                         <p:tgtEl>
-                                          <p:spTgt spid="61">
+                                          <p:spTgt spid="53">
                                             <p:txEl>
                                               <p:pRg st="5" end="5"/>
                                             </p:txEl>
@@ -9376,9 +7728,9 @@
                                     </p:set>
                                     <p:animEffect filter="fade" transition="in">
                                       <p:cBhvr additive="repl">
-                                        <p:cTn id="170" dur="1000"/>
+                                        <p:cTn id="123" dur="1000"/>
                                         <p:tgtEl>
-                                          <p:spTgt spid="61">
+                                          <p:spTgt spid="53">
                                             <p:txEl>
                                               <p:pRg st="5" end="5"/>
                                             </p:txEl>
@@ -9396,32 +7748,32 @@
                     </p:cTn>
                   </p:par>
                   <p:par>
-                    <p:cTn id="171" fill="hold">
+                    <p:cTn id="124" fill="hold">
                       <p:stCondLst>
                         <p:cond delay="indefinite"/>
                       </p:stCondLst>
                       <p:childTnLst>
                         <p:par>
-                          <p:cTn id="172" fill="hold">
+                          <p:cTn id="125" fill="hold">
                             <p:stCondLst>
                               <p:cond delay="0"/>
                             </p:stCondLst>
                             <p:childTnLst>
                               <p:par>
-                                <p:cTn id="173" nodeType="clickEffect" fill="hold" presetClass="entr" presetID="10">
+                                <p:cTn id="126" nodeType="clickEffect" fill="hold" presetClass="entr" presetID="10">
                                   <p:stCondLst>
                                     <p:cond delay="0"/>
                                   </p:stCondLst>
                                   <p:childTnLst>
                                     <p:set>
                                       <p:cBhvr>
-                                        <p:cTn id="174" dur="1" fill="hold">
+                                        <p:cTn id="127" dur="1" fill="hold">
                                           <p:stCondLst>
                                             <p:cond delay="0"/>
                                           </p:stCondLst>
                                         </p:cTn>
                                         <p:tgtEl>
-                                          <p:spTgt spid="61">
+                                          <p:spTgt spid="53">
                                             <p:txEl>
                                               <p:pRg st="6" end="6"/>
                                             </p:txEl>
@@ -9437,9 +7789,9 @@
                                     </p:set>
                                     <p:animEffect filter="fade" transition="in">
                                       <p:cBhvr additive="repl">
-                                        <p:cTn id="175" dur="1000"/>
+                                        <p:cTn id="128" dur="1000"/>
                                         <p:tgtEl>
-                                          <p:spTgt spid="61">
+                                          <p:spTgt spid="53">
                                             <p:txEl>
                                               <p:pRg st="6" end="6"/>
                                             </p:txEl>
@@ -9457,32 +7809,32 @@
                     </p:cTn>
                   </p:par>
                   <p:par>
-                    <p:cTn id="176" fill="hold">
+                    <p:cTn id="129" fill="hold">
                       <p:stCondLst>
                         <p:cond delay="indefinite"/>
                       </p:stCondLst>
                       <p:childTnLst>
                         <p:par>
-                          <p:cTn id="177" fill="hold">
+                          <p:cTn id="130" fill="hold">
                             <p:stCondLst>
                               <p:cond delay="0"/>
                             </p:stCondLst>
                             <p:childTnLst>
                               <p:par>
-                                <p:cTn id="178" nodeType="clickEffect" fill="hold" presetClass="entr" presetID="10">
+                                <p:cTn id="131" nodeType="clickEffect" fill="hold" presetClass="entr" presetID="10">
                                   <p:stCondLst>
                                     <p:cond delay="0"/>
                                   </p:stCondLst>
                                   <p:childTnLst>
                                     <p:set>
                                       <p:cBhvr>
-                                        <p:cTn id="179" dur="1" fill="hold">
+                                        <p:cTn id="132" dur="1" fill="hold">
                                           <p:stCondLst>
                                             <p:cond delay="0"/>
                                           </p:stCondLst>
                                         </p:cTn>
                                         <p:tgtEl>
-                                          <p:spTgt spid="61">
+                                          <p:spTgt spid="53">
                                             <p:txEl>
                                               <p:pRg st="7" end="7"/>
                                             </p:txEl>
@@ -9498,9 +7850,9 @@
                                     </p:set>
                                     <p:animEffect filter="fade" transition="in">
                                       <p:cBhvr additive="repl">
-                                        <p:cTn id="180" dur="1000"/>
+                                        <p:cTn id="133" dur="1000"/>
                                         <p:tgtEl>
-                                          <p:spTgt spid="61">
+                                          <p:spTgt spid="53">
                                             <p:txEl>
                                               <p:pRg st="7" end="7"/>
                                             </p:txEl>
@@ -9518,32 +7870,32 @@
                     </p:cTn>
                   </p:par>
                   <p:par>
-                    <p:cTn id="181" fill="hold">
+                    <p:cTn id="134" fill="hold">
                       <p:stCondLst>
                         <p:cond delay="indefinite"/>
                       </p:stCondLst>
                       <p:childTnLst>
                         <p:par>
-                          <p:cTn id="182" fill="hold">
+                          <p:cTn id="135" fill="hold">
                             <p:stCondLst>
                               <p:cond delay="0"/>
                             </p:stCondLst>
                             <p:childTnLst>
                               <p:par>
-                                <p:cTn id="183" nodeType="clickEffect" fill="hold" presetClass="entr" presetID="10">
+                                <p:cTn id="136" nodeType="clickEffect" fill="hold" presetClass="entr" presetID="10">
                                   <p:stCondLst>
                                     <p:cond delay="0"/>
                                   </p:stCondLst>
                                   <p:childTnLst>
                                     <p:set>
                                       <p:cBhvr>
-                                        <p:cTn id="184" dur="1" fill="hold">
+                                        <p:cTn id="137" dur="1" fill="hold">
                                           <p:stCondLst>
                                             <p:cond delay="0"/>
                                           </p:stCondLst>
                                         </p:cTn>
                                         <p:tgtEl>
-                                          <p:spTgt spid="61">
+                                          <p:spTgt spid="53">
                                             <p:txEl>
                                               <p:pRg st="8" end="8"/>
                                             </p:txEl>
@@ -9559,377 +7911,11 @@
                                     </p:set>
                                     <p:animEffect filter="fade" transition="in">
                                       <p:cBhvr additive="repl">
-                                        <p:cTn id="185" dur="1000"/>
+                                        <p:cTn id="138" dur="1000"/>
                                         <p:tgtEl>
-                                          <p:spTgt spid="61">
+                                          <p:spTgt spid="53">
                                             <p:txEl>
                                               <p:pRg st="8" end="8"/>
-                                            </p:txEl>
-                                          </p:spTgt>
-                                        </p:tgtEl>
-                                      </p:cBhvr>
-                                    </p:animEffect>
-                                  </p:childTnLst>
-                                </p:cTn>
-                              </p:par>
-                            </p:childTnLst>
-                          </p:cTn>
-                        </p:par>
-                      </p:childTnLst>
-                    </p:cTn>
-                  </p:par>
-                  <p:par>
-                    <p:cTn id="186" fill="hold">
-                      <p:stCondLst>
-                        <p:cond delay="indefinite"/>
-                      </p:stCondLst>
-                      <p:childTnLst>
-                        <p:par>
-                          <p:cTn id="187" fill="hold">
-                            <p:stCondLst>
-                              <p:cond delay="0"/>
-                            </p:stCondLst>
-                            <p:childTnLst>
-                              <p:par>
-                                <p:cTn id="188" nodeType="clickEffect" fill="hold" presetClass="entr" presetID="10">
-                                  <p:stCondLst>
-                                    <p:cond delay="0"/>
-                                  </p:stCondLst>
-                                  <p:childTnLst>
-                                    <p:set>
-                                      <p:cBhvr>
-                                        <p:cTn id="189" dur="1" fill="hold">
-                                          <p:stCondLst>
-                                            <p:cond delay="0"/>
-                                          </p:stCondLst>
-                                        </p:cTn>
-                                        <p:tgtEl>
-                                          <p:spTgt spid="64">
-                                            <p:txEl>
-                                              <p:pRg st="0" end="0"/>
-                                            </p:txEl>
-                                          </p:spTgt>
-                                        </p:tgtEl>
-                                        <p:attrNameLst>
-                                          <p:attrName>style.visibility</p:attrName>
-                                        </p:attrNameLst>
-                                      </p:cBhvr>
-                                      <p:to>
-                                        <p:strVal val="visible"/>
-                                      </p:to>
-                                    </p:set>
-                                    <p:animEffect filter="fade" transition="in">
-                                      <p:cBhvr additive="repl">
-                                        <p:cTn id="190" dur="1000"/>
-                                        <p:tgtEl>
-                                          <p:spTgt spid="64">
-                                            <p:txEl>
-                                              <p:pRg st="0" end="0"/>
-                                            </p:txEl>
-                                          </p:spTgt>
-                                        </p:tgtEl>
-                                      </p:cBhvr>
-                                    </p:animEffect>
-                                  </p:childTnLst>
-                                </p:cTn>
-                              </p:par>
-                            </p:childTnLst>
-                          </p:cTn>
-                        </p:par>
-                      </p:childTnLst>
-                    </p:cTn>
-                  </p:par>
-                  <p:par>
-                    <p:cTn id="191" fill="hold">
-                      <p:stCondLst>
-                        <p:cond delay="indefinite"/>
-                      </p:stCondLst>
-                      <p:childTnLst>
-                        <p:par>
-                          <p:cTn id="192" fill="hold">
-                            <p:stCondLst>
-                              <p:cond delay="0"/>
-                            </p:stCondLst>
-                            <p:childTnLst>
-                              <p:par>
-                                <p:cTn id="193" nodeType="clickEffect" fill="hold" presetClass="entr" presetID="10">
-                                  <p:stCondLst>
-                                    <p:cond delay="0"/>
-                                  </p:stCondLst>
-                                  <p:childTnLst>
-                                    <p:set>
-                                      <p:cBhvr>
-                                        <p:cTn id="194" dur="1" fill="hold">
-                                          <p:stCondLst>
-                                            <p:cond delay="0"/>
-                                          </p:stCondLst>
-                                        </p:cTn>
-                                        <p:tgtEl>
-                                          <p:spTgt spid="64">
-                                            <p:txEl>
-                                              <p:pRg st="1" end="1"/>
-                                            </p:txEl>
-                                          </p:spTgt>
-                                        </p:tgtEl>
-                                        <p:attrNameLst>
-                                          <p:attrName>style.visibility</p:attrName>
-                                        </p:attrNameLst>
-                                      </p:cBhvr>
-                                      <p:to>
-                                        <p:strVal val="visible"/>
-                                      </p:to>
-                                    </p:set>
-                                    <p:animEffect filter="fade" transition="in">
-                                      <p:cBhvr additive="repl">
-                                        <p:cTn id="195" dur="1000"/>
-                                        <p:tgtEl>
-                                          <p:spTgt spid="64">
-                                            <p:txEl>
-                                              <p:pRg st="1" end="1"/>
-                                            </p:txEl>
-                                          </p:spTgt>
-                                        </p:tgtEl>
-                                      </p:cBhvr>
-                                    </p:animEffect>
-                                  </p:childTnLst>
-                                </p:cTn>
-                              </p:par>
-                            </p:childTnLst>
-                          </p:cTn>
-                        </p:par>
-                      </p:childTnLst>
-                    </p:cTn>
-                  </p:par>
-                  <p:par>
-                    <p:cTn id="196" fill="hold">
-                      <p:stCondLst>
-                        <p:cond delay="indefinite"/>
-                      </p:stCondLst>
-                      <p:childTnLst>
-                        <p:par>
-                          <p:cTn id="197" fill="hold">
-                            <p:stCondLst>
-                              <p:cond delay="0"/>
-                            </p:stCondLst>
-                            <p:childTnLst>
-                              <p:par>
-                                <p:cTn id="198" nodeType="clickEffect" fill="hold" presetClass="entr" presetID="10">
-                                  <p:stCondLst>
-                                    <p:cond delay="0"/>
-                                  </p:stCondLst>
-                                  <p:childTnLst>
-                                    <p:set>
-                                      <p:cBhvr>
-                                        <p:cTn id="199" dur="1" fill="hold">
-                                          <p:stCondLst>
-                                            <p:cond delay="0"/>
-                                          </p:stCondLst>
-                                        </p:cTn>
-                                        <p:tgtEl>
-                                          <p:spTgt spid="64">
-                                            <p:txEl>
-                                              <p:pRg st="2" end="2"/>
-                                            </p:txEl>
-                                          </p:spTgt>
-                                        </p:tgtEl>
-                                        <p:attrNameLst>
-                                          <p:attrName>style.visibility</p:attrName>
-                                        </p:attrNameLst>
-                                      </p:cBhvr>
-                                      <p:to>
-                                        <p:strVal val="visible"/>
-                                      </p:to>
-                                    </p:set>
-                                    <p:animEffect filter="fade" transition="in">
-                                      <p:cBhvr additive="repl">
-                                        <p:cTn id="200" dur="1000"/>
-                                        <p:tgtEl>
-                                          <p:spTgt spid="64">
-                                            <p:txEl>
-                                              <p:pRg st="2" end="2"/>
-                                            </p:txEl>
-                                          </p:spTgt>
-                                        </p:tgtEl>
-                                      </p:cBhvr>
-                                    </p:animEffect>
-                                  </p:childTnLst>
-                                </p:cTn>
-                              </p:par>
-                            </p:childTnLst>
-                          </p:cTn>
-                        </p:par>
-                      </p:childTnLst>
-                    </p:cTn>
-                  </p:par>
-                  <p:par>
-                    <p:cTn id="201" fill="hold">
-                      <p:stCondLst>
-                        <p:cond delay="indefinite"/>
-                      </p:stCondLst>
-                      <p:childTnLst>
-                        <p:par>
-                          <p:cTn id="202" fill="hold">
-                            <p:stCondLst>
-                              <p:cond delay="0"/>
-                            </p:stCondLst>
-                            <p:childTnLst>
-                              <p:par>
-                                <p:cTn id="203" nodeType="clickEffect" fill="hold" presetClass="entr" presetID="10">
-                                  <p:stCondLst>
-                                    <p:cond delay="0"/>
-                                  </p:stCondLst>
-                                  <p:childTnLst>
-                                    <p:set>
-                                      <p:cBhvr>
-                                        <p:cTn id="204" dur="1" fill="hold">
-                                          <p:stCondLst>
-                                            <p:cond delay="0"/>
-                                          </p:stCondLst>
-                                        </p:cTn>
-                                        <p:tgtEl>
-                                          <p:spTgt spid="64">
-                                            <p:txEl>
-                                              <p:pRg st="3" end="3"/>
-                                            </p:txEl>
-                                          </p:spTgt>
-                                        </p:tgtEl>
-                                        <p:attrNameLst>
-                                          <p:attrName>style.visibility</p:attrName>
-                                        </p:attrNameLst>
-                                      </p:cBhvr>
-                                      <p:to>
-                                        <p:strVal val="visible"/>
-                                      </p:to>
-                                    </p:set>
-                                    <p:animEffect filter="fade" transition="in">
-                                      <p:cBhvr additive="repl">
-                                        <p:cTn id="205" dur="1000"/>
-                                        <p:tgtEl>
-                                          <p:spTgt spid="64">
-                                            <p:txEl>
-                                              <p:pRg st="3" end="3"/>
-                                            </p:txEl>
-                                          </p:spTgt>
-                                        </p:tgtEl>
-                                      </p:cBhvr>
-                                    </p:animEffect>
-                                  </p:childTnLst>
-                                </p:cTn>
-                              </p:par>
-                            </p:childTnLst>
-                          </p:cTn>
-                        </p:par>
-                      </p:childTnLst>
-                    </p:cTn>
-                  </p:par>
-                  <p:par>
-                    <p:cTn id="206" fill="hold">
-                      <p:stCondLst>
-                        <p:cond delay="indefinite"/>
-                      </p:stCondLst>
-                      <p:childTnLst>
-                        <p:par>
-                          <p:cTn id="207" fill="hold">
-                            <p:stCondLst>
-                              <p:cond delay="0"/>
-                            </p:stCondLst>
-                            <p:childTnLst>
-                              <p:par>
-                                <p:cTn id="208" nodeType="clickEffect" fill="hold" presetClass="entr" presetID="10">
-                                  <p:stCondLst>
-                                    <p:cond delay="0"/>
-                                  </p:stCondLst>
-                                  <p:childTnLst>
-                                    <p:set>
-                                      <p:cBhvr>
-                                        <p:cTn id="209" dur="1" fill="hold">
-                                          <p:stCondLst>
-                                            <p:cond delay="0"/>
-                                          </p:stCondLst>
-                                        </p:cTn>
-                                        <p:tgtEl>
-                                          <p:spTgt spid="64">
-                                            <p:txEl>
-                                              <p:pRg st="4" end="4"/>
-                                            </p:txEl>
-                                          </p:spTgt>
-                                        </p:tgtEl>
-                                        <p:attrNameLst>
-                                          <p:attrName>style.visibility</p:attrName>
-                                        </p:attrNameLst>
-                                      </p:cBhvr>
-                                      <p:to>
-                                        <p:strVal val="visible"/>
-                                      </p:to>
-                                    </p:set>
-                                    <p:animEffect filter="fade" transition="in">
-                                      <p:cBhvr additive="repl">
-                                        <p:cTn id="210" dur="1000"/>
-                                        <p:tgtEl>
-                                          <p:spTgt spid="64">
-                                            <p:txEl>
-                                              <p:pRg st="4" end="4"/>
-                                            </p:txEl>
-                                          </p:spTgt>
-                                        </p:tgtEl>
-                                      </p:cBhvr>
-                                    </p:animEffect>
-                                  </p:childTnLst>
-                                </p:cTn>
-                              </p:par>
-                            </p:childTnLst>
-                          </p:cTn>
-                        </p:par>
-                      </p:childTnLst>
-                    </p:cTn>
-                  </p:par>
-                  <p:par>
-                    <p:cTn id="211" fill="hold">
-                      <p:stCondLst>
-                        <p:cond delay="indefinite"/>
-                      </p:stCondLst>
-                      <p:childTnLst>
-                        <p:par>
-                          <p:cTn id="212" fill="hold">
-                            <p:stCondLst>
-                              <p:cond delay="0"/>
-                            </p:stCondLst>
-                            <p:childTnLst>
-                              <p:par>
-                                <p:cTn id="213" nodeType="clickEffect" fill="hold" presetClass="entr" presetID="10">
-                                  <p:stCondLst>
-                                    <p:cond delay="0"/>
-                                  </p:stCondLst>
-                                  <p:childTnLst>
-                                    <p:set>
-                                      <p:cBhvr>
-                                        <p:cTn id="214" dur="1" fill="hold">
-                                          <p:stCondLst>
-                                            <p:cond delay="0"/>
-                                          </p:stCondLst>
-                                        </p:cTn>
-                                        <p:tgtEl>
-                                          <p:spTgt spid="64">
-                                            <p:txEl>
-                                              <p:pRg st="5" end="5"/>
-                                            </p:txEl>
-                                          </p:spTgt>
-                                        </p:tgtEl>
-                                        <p:attrNameLst>
-                                          <p:attrName>style.visibility</p:attrName>
-                                        </p:attrNameLst>
-                                      </p:cBhvr>
-                                      <p:to>
-                                        <p:strVal val="visible"/>
-                                      </p:to>
-                                    </p:set>
-                                    <p:animEffect filter="fade" transition="in">
-                                      <p:cBhvr additive="repl">
-                                        <p:cTn id="215" dur="1000"/>
-                                        <p:tgtEl>
-                                          <p:spTgt spid="64">
-                                            <p:txEl>
-                                              <p:pRg st="5" end="5"/>
                                             </p:txEl>
                                           </p:spTgt>
                                         </p:tgtEl>
@@ -9988,7 +7974,7 @@
       </p:grpSpPr>
       <p:sp>
         <p:nvSpPr>
-          <p:cNvPr id="65" name="PlaceHolder 1"/>
+          <p:cNvPr id="55" name="PlaceHolder 1"/>
           <p:cNvSpPr>
             <a:spLocks noGrp="1"/>
           </p:cNvSpPr>
@@ -9998,8 +7984,8 @@
         </p:nvSpPr>
         <p:spPr>
           <a:xfrm>
-            <a:off x="311760" y="2151000"/>
-            <a:ext cx="8520120" cy="841320"/>
+            <a:off x="311760" y="444960"/>
+            <a:ext cx="8519760" cy="572040"/>
           </a:xfrm>
           <a:prstGeom prst="rect">
             <a:avLst/>
@@ -10010,8 +7996,8 @@
           </a:ln>
         </p:spPr>
         <p:txBody>
-          <a:bodyPr lIns="91440" rIns="91440" tIns="91440" bIns="91440" anchor="ctr">
-            <a:normAutofit/>
+          <a:bodyPr lIns="91440" rIns="91440" tIns="91440" bIns="91440" anchor="t">
+            <a:noAutofit/>
           </a:bodyPr>
           <a:p>
             <a:pPr indent="0" algn="ctr">
@@ -10024,18 +8010,542 @@
               </a:tabLst>
             </a:pPr>
             <a:r>
-              <a:rPr b="0" lang="en" sz="3600" spc="-1" strike="noStrike">
+              <a:rPr b="0" lang="en" sz="2820" spc="-1" strike="noStrike">
                 <a:solidFill>
                   <a:schemeClr val="dk1"/>
                 </a:solidFill>
                 <a:latin typeface="Arial"/>
                 <a:ea typeface="Arial"/>
               </a:rPr>
-              <a:t>LIVE DEMO TIME!</a:t>
-            </a:r>
-            <a:endParaRPr b="0" lang="en-US" sz="3600" spc="-1" strike="noStrike">
-              <a:solidFill>
-                <a:srgbClr val="000000"/>
+              <a:t>Bazzite vs Windows</a:t>
+            </a:r>
+            <a:endParaRPr b="0" lang="en-US" sz="2820" spc="-1" strike="noStrike">
+              <a:solidFill>
+                <a:srgbClr val="ffffff"/>
+              </a:solidFill>
+              <a:latin typeface="Arial"/>
+            </a:endParaRPr>
+          </a:p>
+        </p:txBody>
+      </p:sp>
+      <p:sp>
+        <p:nvSpPr>
+          <p:cNvPr id="56" name="PlaceHolder 2"/>
+          <p:cNvSpPr>
+            <a:spLocks noGrp="1"/>
+          </p:cNvSpPr>
+          <p:nvPr>
+            <p:ph/>
+          </p:nvPr>
+        </p:nvSpPr>
+        <p:spPr>
+          <a:xfrm>
+            <a:off x="273960" y="2210400"/>
+            <a:ext cx="4259520" cy="3415680"/>
+          </a:xfrm>
+          <a:prstGeom prst="rect">
+            <a:avLst/>
+          </a:prstGeom>
+          <a:noFill/>
+          <a:ln w="0">
+            <a:noFill/>
+          </a:ln>
+        </p:spPr>
+        <p:txBody>
+          <a:bodyPr lIns="91440" rIns="91440" tIns="91440" bIns="91440" anchor="t">
+            <a:normAutofit/>
+          </a:bodyPr>
+          <a:p>
+            <a:pPr marL="457200" indent="-343080">
+              <a:lnSpc>
+                <a:spcPct val="115000"/>
+              </a:lnSpc>
+              <a:buClr>
+                <a:srgbClr val="adadad"/>
+              </a:buClr>
+              <a:buFont typeface="Arial"/>
+              <a:buChar char="-"/>
+            </a:pPr>
+            <a:r>
+              <a:rPr b="0" lang="en" sz="1800" spc="-1" strike="noStrike">
+                <a:solidFill>
+                  <a:schemeClr val="lt2"/>
+                </a:solidFill>
+                <a:latin typeface="Arial"/>
+                <a:ea typeface="Arial"/>
+              </a:rPr>
+              <a:t>Community Owned</a:t>
+            </a:r>
+            <a:endParaRPr b="0" lang="en-US" sz="1800" spc="-1" strike="noStrike">
+              <a:solidFill>
+                <a:srgbClr val="ffffff"/>
+              </a:solidFill>
+              <a:latin typeface="Arial"/>
+            </a:endParaRPr>
+          </a:p>
+          <a:p>
+            <a:pPr marL="457200" indent="-343080">
+              <a:lnSpc>
+                <a:spcPct val="115000"/>
+              </a:lnSpc>
+              <a:buClr>
+                <a:srgbClr val="adadad"/>
+              </a:buClr>
+              <a:buFont typeface="Arial"/>
+              <a:buChar char="-"/>
+            </a:pPr>
+            <a:r>
+              <a:rPr b="0" lang="en" sz="1800" spc="-1" strike="noStrike">
+                <a:solidFill>
+                  <a:schemeClr val="lt2"/>
+                </a:solidFill>
+                <a:latin typeface="Arial"/>
+                <a:ea typeface="Arial"/>
+              </a:rPr>
+              <a:t>Completely free to use</a:t>
+            </a:r>
+            <a:endParaRPr b="0" lang="en-US" sz="1800" spc="-1" strike="noStrike">
+              <a:solidFill>
+                <a:srgbClr val="ffffff"/>
+              </a:solidFill>
+              <a:latin typeface="Arial"/>
+            </a:endParaRPr>
+          </a:p>
+          <a:p>
+            <a:pPr marL="457200" indent="-343080">
+              <a:lnSpc>
+                <a:spcPct val="115000"/>
+              </a:lnSpc>
+              <a:buClr>
+                <a:srgbClr val="adadad"/>
+              </a:buClr>
+              <a:buFont typeface="Arial"/>
+              <a:buChar char="-"/>
+            </a:pPr>
+            <a:r>
+              <a:rPr b="0" lang="en" sz="1800" spc="-1" strike="noStrike">
+                <a:solidFill>
+                  <a:schemeClr val="lt2"/>
+                </a:solidFill>
+                <a:latin typeface="Arial"/>
+                <a:ea typeface="Arial"/>
+              </a:rPr>
+              <a:t>Smaller on disk install size</a:t>
+            </a:r>
+            <a:endParaRPr b="0" lang="en-US" sz="1800" spc="-1" strike="noStrike">
+              <a:solidFill>
+                <a:srgbClr val="ffffff"/>
+              </a:solidFill>
+              <a:latin typeface="Arial"/>
+            </a:endParaRPr>
+          </a:p>
+          <a:p>
+            <a:pPr marL="457200" indent="-343080">
+              <a:lnSpc>
+                <a:spcPct val="115000"/>
+              </a:lnSpc>
+              <a:buClr>
+                <a:srgbClr val="adadad"/>
+              </a:buClr>
+              <a:buFont typeface="Arial"/>
+              <a:buChar char="-"/>
+            </a:pPr>
+            <a:r>
+              <a:rPr b="0" lang="en" sz="1800" spc="-1" strike="noStrike">
+                <a:solidFill>
+                  <a:schemeClr val="lt2"/>
+                </a:solidFill>
+                <a:latin typeface="Arial"/>
+                <a:ea typeface="Arial"/>
+              </a:rPr>
+              <a:t>Easy Rollback</a:t>
+            </a:r>
+            <a:endParaRPr b="0" lang="en-US" sz="1800" spc="-1" strike="noStrike">
+              <a:solidFill>
+                <a:srgbClr val="ffffff"/>
+              </a:solidFill>
+              <a:latin typeface="Arial"/>
+            </a:endParaRPr>
+          </a:p>
+          <a:p>
+            <a:pPr marL="457200" indent="-343080">
+              <a:lnSpc>
+                <a:spcPct val="115000"/>
+              </a:lnSpc>
+              <a:buClr>
+                <a:srgbClr val="adadad"/>
+              </a:buClr>
+              <a:buFont typeface="Arial"/>
+              <a:buChar char="-"/>
+            </a:pPr>
+            <a:r>
+              <a:rPr b="0" lang="en" sz="1800" spc="-1" strike="noStrike">
+                <a:solidFill>
+                  <a:schemeClr val="lt2"/>
+                </a:solidFill>
+                <a:latin typeface="Arial"/>
+                <a:ea typeface="Arial"/>
+              </a:rPr>
+              <a:t>Drivers are built-in</a:t>
+            </a:r>
+            <a:endParaRPr b="0" lang="en-US" sz="1800" spc="-1" strike="noStrike">
+              <a:solidFill>
+                <a:srgbClr val="ffffff"/>
+              </a:solidFill>
+              <a:latin typeface="Arial"/>
+            </a:endParaRPr>
+          </a:p>
+          <a:p>
+            <a:pPr marL="457200" indent="-343080">
+              <a:lnSpc>
+                <a:spcPct val="115000"/>
+              </a:lnSpc>
+              <a:buClr>
+                <a:srgbClr val="adadad"/>
+              </a:buClr>
+              <a:buFont typeface="Arial"/>
+              <a:buChar char="-"/>
+            </a:pPr>
+            <a:r>
+              <a:rPr b="0" lang="en" sz="1800" spc="-1" strike="noStrike">
+                <a:solidFill>
+                  <a:schemeClr val="lt2"/>
+                </a:solidFill>
+                <a:latin typeface="Arial"/>
+                <a:ea typeface="Arial"/>
+              </a:rPr>
+              <a:t>Optimized for all device types</a:t>
+            </a:r>
+            <a:endParaRPr b="0" lang="en-US" sz="1800" spc="-1" strike="noStrike">
+              <a:solidFill>
+                <a:srgbClr val="ffffff"/>
+              </a:solidFill>
+              <a:latin typeface="Arial"/>
+            </a:endParaRPr>
+          </a:p>
+          <a:p>
+            <a:pPr lvl="1" marL="914400" indent="-317520">
+              <a:lnSpc>
+                <a:spcPct val="115000"/>
+              </a:lnSpc>
+              <a:buClr>
+                <a:srgbClr val="adadad"/>
+              </a:buClr>
+              <a:buFont typeface="Arial"/>
+              <a:buChar char="-"/>
+            </a:pPr>
+            <a:r>
+              <a:rPr b="0" lang="en" sz="1400" spc="-1" strike="noStrike">
+                <a:solidFill>
+                  <a:schemeClr val="lt2"/>
+                </a:solidFill>
+                <a:latin typeface="Arial"/>
+                <a:ea typeface="Arial"/>
+              </a:rPr>
+              <a:t>Desktop</a:t>
+            </a:r>
+            <a:endParaRPr b="0" lang="en-US" sz="1400" spc="-1" strike="noStrike">
+              <a:solidFill>
+                <a:srgbClr val="ffffff"/>
+              </a:solidFill>
+              <a:latin typeface="Arial"/>
+            </a:endParaRPr>
+          </a:p>
+          <a:p>
+            <a:pPr lvl="1" marL="914400" indent="-317520">
+              <a:lnSpc>
+                <a:spcPct val="115000"/>
+              </a:lnSpc>
+              <a:buClr>
+                <a:srgbClr val="adadad"/>
+              </a:buClr>
+              <a:buFont typeface="Arial"/>
+              <a:buChar char="-"/>
+            </a:pPr>
+            <a:r>
+              <a:rPr b="0" lang="en" sz="1400" spc="-1" strike="noStrike">
+                <a:solidFill>
+                  <a:schemeClr val="lt2"/>
+                </a:solidFill>
+                <a:latin typeface="Arial"/>
+                <a:ea typeface="Arial"/>
+              </a:rPr>
+              <a:t>Laptop</a:t>
+            </a:r>
+            <a:endParaRPr b="0" lang="en-US" sz="1400" spc="-1" strike="noStrike">
+              <a:solidFill>
+                <a:srgbClr val="ffffff"/>
+              </a:solidFill>
+              <a:latin typeface="Arial"/>
+            </a:endParaRPr>
+          </a:p>
+          <a:p>
+            <a:pPr lvl="1" marL="914400" indent="-317520">
+              <a:lnSpc>
+                <a:spcPct val="115000"/>
+              </a:lnSpc>
+              <a:buClr>
+                <a:srgbClr val="adadad"/>
+              </a:buClr>
+              <a:buFont typeface="Arial"/>
+              <a:buChar char="-"/>
+            </a:pPr>
+            <a:r>
+              <a:rPr b="0" lang="en" sz="1400" spc="-1" strike="noStrike">
+                <a:solidFill>
+                  <a:schemeClr val="lt2"/>
+                </a:solidFill>
+                <a:latin typeface="Arial"/>
+                <a:ea typeface="Arial"/>
+              </a:rPr>
+              <a:t>Handheld</a:t>
+            </a:r>
+            <a:endParaRPr b="0" lang="en-US" sz="1400" spc="-1" strike="noStrike">
+              <a:solidFill>
+                <a:srgbClr val="ffffff"/>
+              </a:solidFill>
+              <a:latin typeface="Arial"/>
+            </a:endParaRPr>
+          </a:p>
+        </p:txBody>
+      </p:sp>
+      <p:pic>
+        <p:nvPicPr>
+          <p:cNvPr id="57" name="Google Shape;92;p18" descr=""/>
+          <p:cNvPicPr/>
+          <p:nvPr/>
+        </p:nvPicPr>
+        <p:blipFill>
+          <a:blip r:embed="rId1"/>
+          <a:stretch/>
+        </p:blipFill>
+        <p:spPr>
+          <a:xfrm>
+            <a:off x="6485760" y="1186920"/>
+            <a:ext cx="899280" cy="899280"/>
+          </a:xfrm>
+          <a:prstGeom prst="rect">
+            <a:avLst/>
+          </a:prstGeom>
+          <a:ln w="0">
+            <a:noFill/>
+          </a:ln>
+        </p:spPr>
+      </p:pic>
+      <p:pic>
+        <p:nvPicPr>
+          <p:cNvPr id="58" name="Google Shape;93;p18" descr=""/>
+          <p:cNvPicPr/>
+          <p:nvPr/>
+        </p:nvPicPr>
+        <p:blipFill>
+          <a:blip r:embed="rId2"/>
+          <a:stretch/>
+        </p:blipFill>
+        <p:spPr>
+          <a:xfrm>
+            <a:off x="1325880" y="1186920"/>
+            <a:ext cx="1006200" cy="1006200"/>
+          </a:xfrm>
+          <a:prstGeom prst="rect">
+            <a:avLst/>
+          </a:prstGeom>
+          <a:ln w="0">
+            <a:noFill/>
+          </a:ln>
+        </p:spPr>
+      </p:pic>
+      <p:sp>
+        <p:nvSpPr>
+          <p:cNvPr id="59" name="PlaceHolder 3"/>
+          <p:cNvSpPr>
+            <a:spLocks noGrp="1"/>
+          </p:cNvSpPr>
+          <p:nvPr>
+            <p:ph/>
+          </p:nvPr>
+        </p:nvSpPr>
+        <p:spPr>
+          <a:xfrm>
+            <a:off x="4805640" y="2210400"/>
+            <a:ext cx="4259520" cy="3415680"/>
+          </a:xfrm>
+          <a:prstGeom prst="rect">
+            <a:avLst/>
+          </a:prstGeom>
+          <a:noFill/>
+          <a:ln w="0">
+            <a:noFill/>
+          </a:ln>
+        </p:spPr>
+        <p:txBody>
+          <a:bodyPr lIns="91440" rIns="91440" tIns="91440" bIns="91440" anchor="t">
+            <a:normAutofit/>
+          </a:bodyPr>
+          <a:p>
+            <a:pPr marL="457200" indent="-343080">
+              <a:lnSpc>
+                <a:spcPct val="115000"/>
+              </a:lnSpc>
+              <a:buClr>
+                <a:srgbClr val="adadad"/>
+              </a:buClr>
+              <a:buFont typeface="Arial"/>
+              <a:buChar char="-"/>
+            </a:pPr>
+            <a:r>
+              <a:rPr b="0" lang="en" sz="1800" spc="-1" strike="noStrike">
+                <a:solidFill>
+                  <a:schemeClr val="lt2"/>
+                </a:solidFill>
+                <a:latin typeface="Arial"/>
+                <a:ea typeface="Arial"/>
+              </a:rPr>
+              <a:t>Owned by a large corporation</a:t>
+            </a:r>
+            <a:endParaRPr b="0" lang="en-US" sz="1800" spc="-1" strike="noStrike">
+              <a:solidFill>
+                <a:srgbClr val="ffffff"/>
+              </a:solidFill>
+              <a:latin typeface="Arial"/>
+            </a:endParaRPr>
+          </a:p>
+          <a:p>
+            <a:pPr marL="457200" indent="-343080">
+              <a:lnSpc>
+                <a:spcPct val="115000"/>
+              </a:lnSpc>
+              <a:buClr>
+                <a:srgbClr val="adadad"/>
+              </a:buClr>
+              <a:buFont typeface="Arial"/>
+              <a:buChar char="-"/>
+            </a:pPr>
+            <a:r>
+              <a:rPr b="0" lang="en" sz="1800" spc="-1" strike="noStrike">
+                <a:solidFill>
+                  <a:schemeClr val="lt2"/>
+                </a:solidFill>
+                <a:latin typeface="Arial"/>
+                <a:ea typeface="Arial"/>
+              </a:rPr>
+              <a:t>Requires you to pay for a license</a:t>
+            </a:r>
+            <a:endParaRPr b="0" lang="en-US" sz="1800" spc="-1" strike="noStrike">
+              <a:solidFill>
+                <a:srgbClr val="ffffff"/>
+              </a:solidFill>
+              <a:latin typeface="Arial"/>
+            </a:endParaRPr>
+          </a:p>
+          <a:p>
+            <a:pPr marL="457200" indent="-343080">
+              <a:lnSpc>
+                <a:spcPct val="115000"/>
+              </a:lnSpc>
+              <a:buClr>
+                <a:srgbClr val="adadad"/>
+              </a:buClr>
+              <a:buFont typeface="Arial"/>
+              <a:buChar char="-"/>
+            </a:pPr>
+            <a:r>
+              <a:rPr b="0" lang="en" sz="1800" spc="-1" strike="noStrike">
+                <a:solidFill>
+                  <a:schemeClr val="lt2"/>
+                </a:solidFill>
+                <a:latin typeface="Arial"/>
+                <a:ea typeface="Arial"/>
+              </a:rPr>
+              <a:t>Larger on disk size</a:t>
+            </a:r>
+            <a:endParaRPr b="0" lang="en-US" sz="1800" spc="-1" strike="noStrike">
+              <a:solidFill>
+                <a:srgbClr val="ffffff"/>
+              </a:solidFill>
+              <a:latin typeface="Arial"/>
+            </a:endParaRPr>
+          </a:p>
+          <a:p>
+            <a:pPr marL="457200" indent="-343080">
+              <a:lnSpc>
+                <a:spcPct val="115000"/>
+              </a:lnSpc>
+              <a:buClr>
+                <a:srgbClr val="adadad"/>
+              </a:buClr>
+              <a:buFont typeface="Arial"/>
+              <a:buChar char="-"/>
+            </a:pPr>
+            <a:r>
+              <a:rPr b="0" lang="en" sz="1800" spc="-1" strike="noStrike">
+                <a:solidFill>
+                  <a:schemeClr val="lt2"/>
+                </a:solidFill>
+                <a:latin typeface="Arial"/>
+                <a:ea typeface="Arial"/>
+              </a:rPr>
+              <a:t>Difficult to rollback</a:t>
+            </a:r>
+            <a:endParaRPr b="0" lang="en-US" sz="1800" spc="-1" strike="noStrike">
+              <a:solidFill>
+                <a:srgbClr val="ffffff"/>
+              </a:solidFill>
+              <a:latin typeface="Arial"/>
+            </a:endParaRPr>
+          </a:p>
+          <a:p>
+            <a:pPr marL="457200" indent="-343080">
+              <a:lnSpc>
+                <a:spcPct val="115000"/>
+              </a:lnSpc>
+              <a:buClr>
+                <a:srgbClr val="adadad"/>
+              </a:buClr>
+              <a:buFont typeface="Arial"/>
+              <a:buChar char="-"/>
+            </a:pPr>
+            <a:r>
+              <a:rPr b="0" lang="en" sz="1800" spc="-1" strike="noStrike">
+                <a:solidFill>
+                  <a:schemeClr val="lt2"/>
+                </a:solidFill>
+                <a:latin typeface="Arial"/>
+                <a:ea typeface="Arial"/>
+              </a:rPr>
+              <a:t>Requires you to install drivers for best experience</a:t>
+            </a:r>
+            <a:endParaRPr b="0" lang="en-US" sz="1800" spc="-1" strike="noStrike">
+              <a:solidFill>
+                <a:srgbClr val="ffffff"/>
+              </a:solidFill>
+              <a:latin typeface="Arial"/>
+            </a:endParaRPr>
+          </a:p>
+          <a:p>
+            <a:pPr marL="457200" indent="-343080">
+              <a:lnSpc>
+                <a:spcPct val="115000"/>
+              </a:lnSpc>
+              <a:buClr>
+                <a:srgbClr val="adadad"/>
+              </a:buClr>
+              <a:buFont typeface="Arial"/>
+              <a:buChar char="-"/>
+            </a:pPr>
+            <a:r>
+              <a:rPr b="0" lang="en" sz="1800" spc="-1" strike="noStrike">
+                <a:solidFill>
+                  <a:schemeClr val="lt2"/>
+                </a:solidFill>
+                <a:latin typeface="Arial"/>
+                <a:ea typeface="Arial"/>
+              </a:rPr>
+              <a:t>Only optimized for desktops and laptops</a:t>
+            </a:r>
+            <a:endParaRPr b="0" lang="en-US" sz="1800" spc="-1" strike="noStrike">
+              <a:solidFill>
+                <a:srgbClr val="ffffff"/>
               </a:solidFill>
               <a:latin typeface="Arial"/>
             </a:endParaRPr>
@@ -10047,6 +8557,951 @@
   <p:transition spd="med">
     <p:fade thruBlk="true"/>
   </p:transition>
+  <p:timing>
+    <p:tnLst>
+      <p:par>
+        <p:cTn id="139" dur="indefinite" restart="never" nodeType="tmRoot">
+          <p:childTnLst>
+            <p:seq>
+              <p:cTn id="140" dur="indefinite" nodeType="mainSeq">
+                <p:childTnLst>
+                  <p:par>
+                    <p:cTn id="141" fill="hold">
+                      <p:stCondLst>
+                        <p:cond delay="indefinite"/>
+                      </p:stCondLst>
+                      <p:childTnLst>
+                        <p:par>
+                          <p:cTn id="142" fill="hold">
+                            <p:stCondLst>
+                              <p:cond delay="0"/>
+                            </p:stCondLst>
+                            <p:childTnLst>
+                              <p:par>
+                                <p:cTn id="143" nodeType="clickEffect" fill="hold" presetClass="entr" presetID="10">
+                                  <p:stCondLst>
+                                    <p:cond delay="0"/>
+                                  </p:stCondLst>
+                                  <p:childTnLst>
+                                    <p:set>
+                                      <p:cBhvr>
+                                        <p:cTn id="144" dur="1" fill="hold">
+                                          <p:stCondLst>
+                                            <p:cond delay="0"/>
+                                          </p:stCondLst>
+                                        </p:cTn>
+                                        <p:tgtEl>
+                                          <p:spTgt spid="56">
+                                            <p:txEl>
+                                              <p:pRg st="0" end="0"/>
+                                            </p:txEl>
+                                          </p:spTgt>
+                                        </p:tgtEl>
+                                        <p:attrNameLst>
+                                          <p:attrName>style.visibility</p:attrName>
+                                        </p:attrNameLst>
+                                      </p:cBhvr>
+                                      <p:to>
+                                        <p:strVal val="visible"/>
+                                      </p:to>
+                                    </p:set>
+                                    <p:animEffect filter="fade" transition="in">
+                                      <p:cBhvr additive="repl">
+                                        <p:cTn id="145" dur="1000"/>
+                                        <p:tgtEl>
+                                          <p:spTgt spid="56">
+                                            <p:txEl>
+                                              <p:pRg st="0" end="0"/>
+                                            </p:txEl>
+                                          </p:spTgt>
+                                        </p:tgtEl>
+                                      </p:cBhvr>
+                                    </p:animEffect>
+                                  </p:childTnLst>
+                                </p:cTn>
+                              </p:par>
+                            </p:childTnLst>
+                          </p:cTn>
+                        </p:par>
+                      </p:childTnLst>
+                    </p:cTn>
+                  </p:par>
+                  <p:par>
+                    <p:cTn id="146" fill="hold">
+                      <p:stCondLst>
+                        <p:cond delay="indefinite"/>
+                      </p:stCondLst>
+                      <p:childTnLst>
+                        <p:par>
+                          <p:cTn id="147" fill="hold">
+                            <p:stCondLst>
+                              <p:cond delay="0"/>
+                            </p:stCondLst>
+                            <p:childTnLst>
+                              <p:par>
+                                <p:cTn id="148" nodeType="clickEffect" fill="hold" presetClass="entr" presetID="10">
+                                  <p:stCondLst>
+                                    <p:cond delay="0"/>
+                                  </p:stCondLst>
+                                  <p:childTnLst>
+                                    <p:set>
+                                      <p:cBhvr>
+                                        <p:cTn id="149" dur="1" fill="hold">
+                                          <p:stCondLst>
+                                            <p:cond delay="0"/>
+                                          </p:stCondLst>
+                                        </p:cTn>
+                                        <p:tgtEl>
+                                          <p:spTgt spid="56">
+                                            <p:txEl>
+                                              <p:pRg st="1" end="1"/>
+                                            </p:txEl>
+                                          </p:spTgt>
+                                        </p:tgtEl>
+                                        <p:attrNameLst>
+                                          <p:attrName>style.visibility</p:attrName>
+                                        </p:attrNameLst>
+                                      </p:cBhvr>
+                                      <p:to>
+                                        <p:strVal val="visible"/>
+                                      </p:to>
+                                    </p:set>
+                                    <p:animEffect filter="fade" transition="in">
+                                      <p:cBhvr additive="repl">
+                                        <p:cTn id="150" dur="1000"/>
+                                        <p:tgtEl>
+                                          <p:spTgt spid="56">
+                                            <p:txEl>
+                                              <p:pRg st="1" end="1"/>
+                                            </p:txEl>
+                                          </p:spTgt>
+                                        </p:tgtEl>
+                                      </p:cBhvr>
+                                    </p:animEffect>
+                                  </p:childTnLst>
+                                </p:cTn>
+                              </p:par>
+                            </p:childTnLst>
+                          </p:cTn>
+                        </p:par>
+                      </p:childTnLst>
+                    </p:cTn>
+                  </p:par>
+                  <p:par>
+                    <p:cTn id="151" fill="hold">
+                      <p:stCondLst>
+                        <p:cond delay="indefinite"/>
+                      </p:stCondLst>
+                      <p:childTnLst>
+                        <p:par>
+                          <p:cTn id="152" fill="hold">
+                            <p:stCondLst>
+                              <p:cond delay="0"/>
+                            </p:stCondLst>
+                            <p:childTnLst>
+                              <p:par>
+                                <p:cTn id="153" nodeType="clickEffect" fill="hold" presetClass="entr" presetID="10">
+                                  <p:stCondLst>
+                                    <p:cond delay="0"/>
+                                  </p:stCondLst>
+                                  <p:childTnLst>
+                                    <p:set>
+                                      <p:cBhvr>
+                                        <p:cTn id="154" dur="1" fill="hold">
+                                          <p:stCondLst>
+                                            <p:cond delay="0"/>
+                                          </p:stCondLst>
+                                        </p:cTn>
+                                        <p:tgtEl>
+                                          <p:spTgt spid="56">
+                                            <p:txEl>
+                                              <p:pRg st="2" end="2"/>
+                                            </p:txEl>
+                                          </p:spTgt>
+                                        </p:tgtEl>
+                                        <p:attrNameLst>
+                                          <p:attrName>style.visibility</p:attrName>
+                                        </p:attrNameLst>
+                                      </p:cBhvr>
+                                      <p:to>
+                                        <p:strVal val="visible"/>
+                                      </p:to>
+                                    </p:set>
+                                    <p:animEffect filter="fade" transition="in">
+                                      <p:cBhvr additive="repl">
+                                        <p:cTn id="155" dur="1000"/>
+                                        <p:tgtEl>
+                                          <p:spTgt spid="56">
+                                            <p:txEl>
+                                              <p:pRg st="2" end="2"/>
+                                            </p:txEl>
+                                          </p:spTgt>
+                                        </p:tgtEl>
+                                      </p:cBhvr>
+                                    </p:animEffect>
+                                  </p:childTnLst>
+                                </p:cTn>
+                              </p:par>
+                            </p:childTnLst>
+                          </p:cTn>
+                        </p:par>
+                      </p:childTnLst>
+                    </p:cTn>
+                  </p:par>
+                  <p:par>
+                    <p:cTn id="156" fill="hold">
+                      <p:stCondLst>
+                        <p:cond delay="indefinite"/>
+                      </p:stCondLst>
+                      <p:childTnLst>
+                        <p:par>
+                          <p:cTn id="157" fill="hold">
+                            <p:stCondLst>
+                              <p:cond delay="0"/>
+                            </p:stCondLst>
+                            <p:childTnLst>
+                              <p:par>
+                                <p:cTn id="158" nodeType="clickEffect" fill="hold" presetClass="entr" presetID="10">
+                                  <p:stCondLst>
+                                    <p:cond delay="0"/>
+                                  </p:stCondLst>
+                                  <p:childTnLst>
+                                    <p:set>
+                                      <p:cBhvr>
+                                        <p:cTn id="159" dur="1" fill="hold">
+                                          <p:stCondLst>
+                                            <p:cond delay="0"/>
+                                          </p:stCondLst>
+                                        </p:cTn>
+                                        <p:tgtEl>
+                                          <p:spTgt spid="56">
+                                            <p:txEl>
+                                              <p:pRg st="3" end="3"/>
+                                            </p:txEl>
+                                          </p:spTgt>
+                                        </p:tgtEl>
+                                        <p:attrNameLst>
+                                          <p:attrName>style.visibility</p:attrName>
+                                        </p:attrNameLst>
+                                      </p:cBhvr>
+                                      <p:to>
+                                        <p:strVal val="visible"/>
+                                      </p:to>
+                                    </p:set>
+                                    <p:animEffect filter="fade" transition="in">
+                                      <p:cBhvr additive="repl">
+                                        <p:cTn id="160" dur="1000"/>
+                                        <p:tgtEl>
+                                          <p:spTgt spid="56">
+                                            <p:txEl>
+                                              <p:pRg st="3" end="3"/>
+                                            </p:txEl>
+                                          </p:spTgt>
+                                        </p:tgtEl>
+                                      </p:cBhvr>
+                                    </p:animEffect>
+                                  </p:childTnLst>
+                                </p:cTn>
+                              </p:par>
+                            </p:childTnLst>
+                          </p:cTn>
+                        </p:par>
+                      </p:childTnLst>
+                    </p:cTn>
+                  </p:par>
+                  <p:par>
+                    <p:cTn id="161" fill="hold">
+                      <p:stCondLst>
+                        <p:cond delay="indefinite"/>
+                      </p:stCondLst>
+                      <p:childTnLst>
+                        <p:par>
+                          <p:cTn id="162" fill="hold">
+                            <p:stCondLst>
+                              <p:cond delay="0"/>
+                            </p:stCondLst>
+                            <p:childTnLst>
+                              <p:par>
+                                <p:cTn id="163" nodeType="clickEffect" fill="hold" presetClass="entr" presetID="10">
+                                  <p:stCondLst>
+                                    <p:cond delay="0"/>
+                                  </p:stCondLst>
+                                  <p:childTnLst>
+                                    <p:set>
+                                      <p:cBhvr>
+                                        <p:cTn id="164" dur="1" fill="hold">
+                                          <p:stCondLst>
+                                            <p:cond delay="0"/>
+                                          </p:stCondLst>
+                                        </p:cTn>
+                                        <p:tgtEl>
+                                          <p:spTgt spid="56">
+                                            <p:txEl>
+                                              <p:pRg st="4" end="4"/>
+                                            </p:txEl>
+                                          </p:spTgt>
+                                        </p:tgtEl>
+                                        <p:attrNameLst>
+                                          <p:attrName>style.visibility</p:attrName>
+                                        </p:attrNameLst>
+                                      </p:cBhvr>
+                                      <p:to>
+                                        <p:strVal val="visible"/>
+                                      </p:to>
+                                    </p:set>
+                                    <p:animEffect filter="fade" transition="in">
+                                      <p:cBhvr additive="repl">
+                                        <p:cTn id="165" dur="1000"/>
+                                        <p:tgtEl>
+                                          <p:spTgt spid="56">
+                                            <p:txEl>
+                                              <p:pRg st="4" end="4"/>
+                                            </p:txEl>
+                                          </p:spTgt>
+                                        </p:tgtEl>
+                                      </p:cBhvr>
+                                    </p:animEffect>
+                                  </p:childTnLst>
+                                </p:cTn>
+                              </p:par>
+                            </p:childTnLst>
+                          </p:cTn>
+                        </p:par>
+                      </p:childTnLst>
+                    </p:cTn>
+                  </p:par>
+                  <p:par>
+                    <p:cTn id="166" fill="hold">
+                      <p:stCondLst>
+                        <p:cond delay="indefinite"/>
+                      </p:stCondLst>
+                      <p:childTnLst>
+                        <p:par>
+                          <p:cTn id="167" fill="hold">
+                            <p:stCondLst>
+                              <p:cond delay="0"/>
+                            </p:stCondLst>
+                            <p:childTnLst>
+                              <p:par>
+                                <p:cTn id="168" nodeType="clickEffect" fill="hold" presetClass="entr" presetID="10">
+                                  <p:stCondLst>
+                                    <p:cond delay="0"/>
+                                  </p:stCondLst>
+                                  <p:childTnLst>
+                                    <p:set>
+                                      <p:cBhvr>
+                                        <p:cTn id="169" dur="1" fill="hold">
+                                          <p:stCondLst>
+                                            <p:cond delay="0"/>
+                                          </p:stCondLst>
+                                        </p:cTn>
+                                        <p:tgtEl>
+                                          <p:spTgt spid="56">
+                                            <p:txEl>
+                                              <p:pRg st="5" end="5"/>
+                                            </p:txEl>
+                                          </p:spTgt>
+                                        </p:tgtEl>
+                                        <p:attrNameLst>
+                                          <p:attrName>style.visibility</p:attrName>
+                                        </p:attrNameLst>
+                                      </p:cBhvr>
+                                      <p:to>
+                                        <p:strVal val="visible"/>
+                                      </p:to>
+                                    </p:set>
+                                    <p:animEffect filter="fade" transition="in">
+                                      <p:cBhvr additive="repl">
+                                        <p:cTn id="170" dur="1000"/>
+                                        <p:tgtEl>
+                                          <p:spTgt spid="56">
+                                            <p:txEl>
+                                              <p:pRg st="5" end="5"/>
+                                            </p:txEl>
+                                          </p:spTgt>
+                                        </p:tgtEl>
+                                      </p:cBhvr>
+                                    </p:animEffect>
+                                  </p:childTnLst>
+                                </p:cTn>
+                              </p:par>
+                            </p:childTnLst>
+                          </p:cTn>
+                        </p:par>
+                      </p:childTnLst>
+                    </p:cTn>
+                  </p:par>
+                  <p:par>
+                    <p:cTn id="171" fill="hold">
+                      <p:stCondLst>
+                        <p:cond delay="indefinite"/>
+                      </p:stCondLst>
+                      <p:childTnLst>
+                        <p:par>
+                          <p:cTn id="172" fill="hold">
+                            <p:stCondLst>
+                              <p:cond delay="0"/>
+                            </p:stCondLst>
+                            <p:childTnLst>
+                              <p:par>
+                                <p:cTn id="173" nodeType="clickEffect" fill="hold" presetClass="entr" presetID="10">
+                                  <p:stCondLst>
+                                    <p:cond delay="0"/>
+                                  </p:stCondLst>
+                                  <p:childTnLst>
+                                    <p:set>
+                                      <p:cBhvr>
+                                        <p:cTn id="174" dur="1" fill="hold">
+                                          <p:stCondLst>
+                                            <p:cond delay="0"/>
+                                          </p:stCondLst>
+                                        </p:cTn>
+                                        <p:tgtEl>
+                                          <p:spTgt spid="56">
+                                            <p:txEl>
+                                              <p:pRg st="6" end="6"/>
+                                            </p:txEl>
+                                          </p:spTgt>
+                                        </p:tgtEl>
+                                        <p:attrNameLst>
+                                          <p:attrName>style.visibility</p:attrName>
+                                        </p:attrNameLst>
+                                      </p:cBhvr>
+                                      <p:to>
+                                        <p:strVal val="visible"/>
+                                      </p:to>
+                                    </p:set>
+                                    <p:animEffect filter="fade" transition="in">
+                                      <p:cBhvr additive="repl">
+                                        <p:cTn id="175" dur="1000"/>
+                                        <p:tgtEl>
+                                          <p:spTgt spid="56">
+                                            <p:txEl>
+                                              <p:pRg st="6" end="6"/>
+                                            </p:txEl>
+                                          </p:spTgt>
+                                        </p:tgtEl>
+                                      </p:cBhvr>
+                                    </p:animEffect>
+                                  </p:childTnLst>
+                                </p:cTn>
+                              </p:par>
+                            </p:childTnLst>
+                          </p:cTn>
+                        </p:par>
+                      </p:childTnLst>
+                    </p:cTn>
+                  </p:par>
+                  <p:par>
+                    <p:cTn id="176" fill="hold">
+                      <p:stCondLst>
+                        <p:cond delay="indefinite"/>
+                      </p:stCondLst>
+                      <p:childTnLst>
+                        <p:par>
+                          <p:cTn id="177" fill="hold">
+                            <p:stCondLst>
+                              <p:cond delay="0"/>
+                            </p:stCondLst>
+                            <p:childTnLst>
+                              <p:par>
+                                <p:cTn id="178" nodeType="clickEffect" fill="hold" presetClass="entr" presetID="10">
+                                  <p:stCondLst>
+                                    <p:cond delay="0"/>
+                                  </p:stCondLst>
+                                  <p:childTnLst>
+                                    <p:set>
+                                      <p:cBhvr>
+                                        <p:cTn id="179" dur="1" fill="hold">
+                                          <p:stCondLst>
+                                            <p:cond delay="0"/>
+                                          </p:stCondLst>
+                                        </p:cTn>
+                                        <p:tgtEl>
+                                          <p:spTgt spid="56">
+                                            <p:txEl>
+                                              <p:pRg st="7" end="7"/>
+                                            </p:txEl>
+                                          </p:spTgt>
+                                        </p:tgtEl>
+                                        <p:attrNameLst>
+                                          <p:attrName>style.visibility</p:attrName>
+                                        </p:attrNameLst>
+                                      </p:cBhvr>
+                                      <p:to>
+                                        <p:strVal val="visible"/>
+                                      </p:to>
+                                    </p:set>
+                                    <p:animEffect filter="fade" transition="in">
+                                      <p:cBhvr additive="repl">
+                                        <p:cTn id="180" dur="1000"/>
+                                        <p:tgtEl>
+                                          <p:spTgt spid="56">
+                                            <p:txEl>
+                                              <p:pRg st="7" end="7"/>
+                                            </p:txEl>
+                                          </p:spTgt>
+                                        </p:tgtEl>
+                                      </p:cBhvr>
+                                    </p:animEffect>
+                                  </p:childTnLst>
+                                </p:cTn>
+                              </p:par>
+                            </p:childTnLst>
+                          </p:cTn>
+                        </p:par>
+                      </p:childTnLst>
+                    </p:cTn>
+                  </p:par>
+                  <p:par>
+                    <p:cTn id="181" fill="hold">
+                      <p:stCondLst>
+                        <p:cond delay="indefinite"/>
+                      </p:stCondLst>
+                      <p:childTnLst>
+                        <p:par>
+                          <p:cTn id="182" fill="hold">
+                            <p:stCondLst>
+                              <p:cond delay="0"/>
+                            </p:stCondLst>
+                            <p:childTnLst>
+                              <p:par>
+                                <p:cTn id="183" nodeType="clickEffect" fill="hold" presetClass="entr" presetID="10">
+                                  <p:stCondLst>
+                                    <p:cond delay="0"/>
+                                  </p:stCondLst>
+                                  <p:childTnLst>
+                                    <p:set>
+                                      <p:cBhvr>
+                                        <p:cTn id="184" dur="1" fill="hold">
+                                          <p:stCondLst>
+                                            <p:cond delay="0"/>
+                                          </p:stCondLst>
+                                        </p:cTn>
+                                        <p:tgtEl>
+                                          <p:spTgt spid="56">
+                                            <p:txEl>
+                                              <p:pRg st="8" end="8"/>
+                                            </p:txEl>
+                                          </p:spTgt>
+                                        </p:tgtEl>
+                                        <p:attrNameLst>
+                                          <p:attrName>style.visibility</p:attrName>
+                                        </p:attrNameLst>
+                                      </p:cBhvr>
+                                      <p:to>
+                                        <p:strVal val="visible"/>
+                                      </p:to>
+                                    </p:set>
+                                    <p:animEffect filter="fade" transition="in">
+                                      <p:cBhvr additive="repl">
+                                        <p:cTn id="185" dur="1000"/>
+                                        <p:tgtEl>
+                                          <p:spTgt spid="56">
+                                            <p:txEl>
+                                              <p:pRg st="8" end="8"/>
+                                            </p:txEl>
+                                          </p:spTgt>
+                                        </p:tgtEl>
+                                      </p:cBhvr>
+                                    </p:animEffect>
+                                  </p:childTnLst>
+                                </p:cTn>
+                              </p:par>
+                            </p:childTnLst>
+                          </p:cTn>
+                        </p:par>
+                      </p:childTnLst>
+                    </p:cTn>
+                  </p:par>
+                  <p:par>
+                    <p:cTn id="186" fill="hold">
+                      <p:stCondLst>
+                        <p:cond delay="indefinite"/>
+                      </p:stCondLst>
+                      <p:childTnLst>
+                        <p:par>
+                          <p:cTn id="187" fill="hold">
+                            <p:stCondLst>
+                              <p:cond delay="0"/>
+                            </p:stCondLst>
+                            <p:childTnLst>
+                              <p:par>
+                                <p:cTn id="188" nodeType="clickEffect" fill="hold" presetClass="entr" presetID="10">
+                                  <p:stCondLst>
+                                    <p:cond delay="0"/>
+                                  </p:stCondLst>
+                                  <p:childTnLst>
+                                    <p:set>
+                                      <p:cBhvr>
+                                        <p:cTn id="189" dur="1" fill="hold">
+                                          <p:stCondLst>
+                                            <p:cond delay="0"/>
+                                          </p:stCondLst>
+                                        </p:cTn>
+                                        <p:tgtEl>
+                                          <p:spTgt spid="59">
+                                            <p:txEl>
+                                              <p:pRg st="0" end="0"/>
+                                            </p:txEl>
+                                          </p:spTgt>
+                                        </p:tgtEl>
+                                        <p:attrNameLst>
+                                          <p:attrName>style.visibility</p:attrName>
+                                        </p:attrNameLst>
+                                      </p:cBhvr>
+                                      <p:to>
+                                        <p:strVal val="visible"/>
+                                      </p:to>
+                                    </p:set>
+                                    <p:animEffect filter="fade" transition="in">
+                                      <p:cBhvr additive="repl">
+                                        <p:cTn id="190" dur="1000"/>
+                                        <p:tgtEl>
+                                          <p:spTgt spid="59">
+                                            <p:txEl>
+                                              <p:pRg st="0" end="0"/>
+                                            </p:txEl>
+                                          </p:spTgt>
+                                        </p:tgtEl>
+                                      </p:cBhvr>
+                                    </p:animEffect>
+                                  </p:childTnLst>
+                                </p:cTn>
+                              </p:par>
+                            </p:childTnLst>
+                          </p:cTn>
+                        </p:par>
+                      </p:childTnLst>
+                    </p:cTn>
+                  </p:par>
+                  <p:par>
+                    <p:cTn id="191" fill="hold">
+                      <p:stCondLst>
+                        <p:cond delay="indefinite"/>
+                      </p:stCondLst>
+                      <p:childTnLst>
+                        <p:par>
+                          <p:cTn id="192" fill="hold">
+                            <p:stCondLst>
+                              <p:cond delay="0"/>
+                            </p:stCondLst>
+                            <p:childTnLst>
+                              <p:par>
+                                <p:cTn id="193" nodeType="clickEffect" fill="hold" presetClass="entr" presetID="10">
+                                  <p:stCondLst>
+                                    <p:cond delay="0"/>
+                                  </p:stCondLst>
+                                  <p:childTnLst>
+                                    <p:set>
+                                      <p:cBhvr>
+                                        <p:cTn id="194" dur="1" fill="hold">
+                                          <p:stCondLst>
+                                            <p:cond delay="0"/>
+                                          </p:stCondLst>
+                                        </p:cTn>
+                                        <p:tgtEl>
+                                          <p:spTgt spid="59">
+                                            <p:txEl>
+                                              <p:pRg st="1" end="1"/>
+                                            </p:txEl>
+                                          </p:spTgt>
+                                        </p:tgtEl>
+                                        <p:attrNameLst>
+                                          <p:attrName>style.visibility</p:attrName>
+                                        </p:attrNameLst>
+                                      </p:cBhvr>
+                                      <p:to>
+                                        <p:strVal val="visible"/>
+                                      </p:to>
+                                    </p:set>
+                                    <p:animEffect filter="fade" transition="in">
+                                      <p:cBhvr additive="repl">
+                                        <p:cTn id="195" dur="1000"/>
+                                        <p:tgtEl>
+                                          <p:spTgt spid="59">
+                                            <p:txEl>
+                                              <p:pRg st="1" end="1"/>
+                                            </p:txEl>
+                                          </p:spTgt>
+                                        </p:tgtEl>
+                                      </p:cBhvr>
+                                    </p:animEffect>
+                                  </p:childTnLst>
+                                </p:cTn>
+                              </p:par>
+                            </p:childTnLst>
+                          </p:cTn>
+                        </p:par>
+                      </p:childTnLst>
+                    </p:cTn>
+                  </p:par>
+                  <p:par>
+                    <p:cTn id="196" fill="hold">
+                      <p:stCondLst>
+                        <p:cond delay="indefinite"/>
+                      </p:stCondLst>
+                      <p:childTnLst>
+                        <p:par>
+                          <p:cTn id="197" fill="hold">
+                            <p:stCondLst>
+                              <p:cond delay="0"/>
+                            </p:stCondLst>
+                            <p:childTnLst>
+                              <p:par>
+                                <p:cTn id="198" nodeType="clickEffect" fill="hold" presetClass="entr" presetID="10">
+                                  <p:stCondLst>
+                                    <p:cond delay="0"/>
+                                  </p:stCondLst>
+                                  <p:childTnLst>
+                                    <p:set>
+                                      <p:cBhvr>
+                                        <p:cTn id="199" dur="1" fill="hold">
+                                          <p:stCondLst>
+                                            <p:cond delay="0"/>
+                                          </p:stCondLst>
+                                        </p:cTn>
+                                        <p:tgtEl>
+                                          <p:spTgt spid="59">
+                                            <p:txEl>
+                                              <p:pRg st="2" end="2"/>
+                                            </p:txEl>
+                                          </p:spTgt>
+                                        </p:tgtEl>
+                                        <p:attrNameLst>
+                                          <p:attrName>style.visibility</p:attrName>
+                                        </p:attrNameLst>
+                                      </p:cBhvr>
+                                      <p:to>
+                                        <p:strVal val="visible"/>
+                                      </p:to>
+                                    </p:set>
+                                    <p:animEffect filter="fade" transition="in">
+                                      <p:cBhvr additive="repl">
+                                        <p:cTn id="200" dur="1000"/>
+                                        <p:tgtEl>
+                                          <p:spTgt spid="59">
+                                            <p:txEl>
+                                              <p:pRg st="2" end="2"/>
+                                            </p:txEl>
+                                          </p:spTgt>
+                                        </p:tgtEl>
+                                      </p:cBhvr>
+                                    </p:animEffect>
+                                  </p:childTnLst>
+                                </p:cTn>
+                              </p:par>
+                            </p:childTnLst>
+                          </p:cTn>
+                        </p:par>
+                      </p:childTnLst>
+                    </p:cTn>
+                  </p:par>
+                  <p:par>
+                    <p:cTn id="201" fill="hold">
+                      <p:stCondLst>
+                        <p:cond delay="indefinite"/>
+                      </p:stCondLst>
+                      <p:childTnLst>
+                        <p:par>
+                          <p:cTn id="202" fill="hold">
+                            <p:stCondLst>
+                              <p:cond delay="0"/>
+                            </p:stCondLst>
+                            <p:childTnLst>
+                              <p:par>
+                                <p:cTn id="203" nodeType="clickEffect" fill="hold" presetClass="entr" presetID="10">
+                                  <p:stCondLst>
+                                    <p:cond delay="0"/>
+                                  </p:stCondLst>
+                                  <p:childTnLst>
+                                    <p:set>
+                                      <p:cBhvr>
+                                        <p:cTn id="204" dur="1" fill="hold">
+                                          <p:stCondLst>
+                                            <p:cond delay="0"/>
+                                          </p:stCondLst>
+                                        </p:cTn>
+                                        <p:tgtEl>
+                                          <p:spTgt spid="59">
+                                            <p:txEl>
+                                              <p:pRg st="3" end="3"/>
+                                            </p:txEl>
+                                          </p:spTgt>
+                                        </p:tgtEl>
+                                        <p:attrNameLst>
+                                          <p:attrName>style.visibility</p:attrName>
+                                        </p:attrNameLst>
+                                      </p:cBhvr>
+                                      <p:to>
+                                        <p:strVal val="visible"/>
+                                      </p:to>
+                                    </p:set>
+                                    <p:animEffect filter="fade" transition="in">
+                                      <p:cBhvr additive="repl">
+                                        <p:cTn id="205" dur="1000"/>
+                                        <p:tgtEl>
+                                          <p:spTgt spid="59">
+                                            <p:txEl>
+                                              <p:pRg st="3" end="3"/>
+                                            </p:txEl>
+                                          </p:spTgt>
+                                        </p:tgtEl>
+                                      </p:cBhvr>
+                                    </p:animEffect>
+                                  </p:childTnLst>
+                                </p:cTn>
+                              </p:par>
+                            </p:childTnLst>
+                          </p:cTn>
+                        </p:par>
+                      </p:childTnLst>
+                    </p:cTn>
+                  </p:par>
+                  <p:par>
+                    <p:cTn id="206" fill="hold">
+                      <p:stCondLst>
+                        <p:cond delay="indefinite"/>
+                      </p:stCondLst>
+                      <p:childTnLst>
+                        <p:par>
+                          <p:cTn id="207" fill="hold">
+                            <p:stCondLst>
+                              <p:cond delay="0"/>
+                            </p:stCondLst>
+                            <p:childTnLst>
+                              <p:par>
+                                <p:cTn id="208" nodeType="clickEffect" fill="hold" presetClass="entr" presetID="10">
+                                  <p:stCondLst>
+                                    <p:cond delay="0"/>
+                                  </p:stCondLst>
+                                  <p:childTnLst>
+                                    <p:set>
+                                      <p:cBhvr>
+                                        <p:cTn id="209" dur="1" fill="hold">
+                                          <p:stCondLst>
+                                            <p:cond delay="0"/>
+                                          </p:stCondLst>
+                                        </p:cTn>
+                                        <p:tgtEl>
+                                          <p:spTgt spid="59">
+                                            <p:txEl>
+                                              <p:pRg st="4" end="4"/>
+                                            </p:txEl>
+                                          </p:spTgt>
+                                        </p:tgtEl>
+                                        <p:attrNameLst>
+                                          <p:attrName>style.visibility</p:attrName>
+                                        </p:attrNameLst>
+                                      </p:cBhvr>
+                                      <p:to>
+                                        <p:strVal val="visible"/>
+                                      </p:to>
+                                    </p:set>
+                                    <p:animEffect filter="fade" transition="in">
+                                      <p:cBhvr additive="repl">
+                                        <p:cTn id="210" dur="1000"/>
+                                        <p:tgtEl>
+                                          <p:spTgt spid="59">
+                                            <p:txEl>
+                                              <p:pRg st="4" end="4"/>
+                                            </p:txEl>
+                                          </p:spTgt>
+                                        </p:tgtEl>
+                                      </p:cBhvr>
+                                    </p:animEffect>
+                                  </p:childTnLst>
+                                </p:cTn>
+                              </p:par>
+                            </p:childTnLst>
+                          </p:cTn>
+                        </p:par>
+                      </p:childTnLst>
+                    </p:cTn>
+                  </p:par>
+                  <p:par>
+                    <p:cTn id="211" fill="hold">
+                      <p:stCondLst>
+                        <p:cond delay="indefinite"/>
+                      </p:stCondLst>
+                      <p:childTnLst>
+                        <p:par>
+                          <p:cTn id="212" fill="hold">
+                            <p:stCondLst>
+                              <p:cond delay="0"/>
+                            </p:stCondLst>
+                            <p:childTnLst>
+                              <p:par>
+                                <p:cTn id="213" nodeType="clickEffect" fill="hold" presetClass="entr" presetID="10">
+                                  <p:stCondLst>
+                                    <p:cond delay="0"/>
+                                  </p:stCondLst>
+                                  <p:childTnLst>
+                                    <p:set>
+                                      <p:cBhvr>
+                                        <p:cTn id="214" dur="1" fill="hold">
+                                          <p:stCondLst>
+                                            <p:cond delay="0"/>
+                                          </p:stCondLst>
+                                        </p:cTn>
+                                        <p:tgtEl>
+                                          <p:spTgt spid="59">
+                                            <p:txEl>
+                                              <p:pRg st="5" end="5"/>
+                                            </p:txEl>
+                                          </p:spTgt>
+                                        </p:tgtEl>
+                                        <p:attrNameLst>
+                                          <p:attrName>style.visibility</p:attrName>
+                                        </p:attrNameLst>
+                                      </p:cBhvr>
+                                      <p:to>
+                                        <p:strVal val="visible"/>
+                                      </p:to>
+                                    </p:set>
+                                    <p:animEffect filter="fade" transition="in">
+                                      <p:cBhvr additive="repl">
+                                        <p:cTn id="215" dur="1000"/>
+                                        <p:tgtEl>
+                                          <p:spTgt spid="59">
+                                            <p:txEl>
+                                              <p:pRg st="5" end="5"/>
+                                            </p:txEl>
+                                          </p:spTgt>
+                                        </p:tgtEl>
+                                      </p:cBhvr>
+                                    </p:animEffect>
+                                  </p:childTnLst>
+                                </p:cTn>
+                              </p:par>
+                            </p:childTnLst>
+                          </p:cTn>
+                        </p:par>
+                      </p:childTnLst>
+                    </p:cTn>
+                  </p:par>
+                </p:childTnLst>
+              </p:cTn>
+              <p:prevCondLst>
+                <p:cond evt="onPrev">
+                  <p:tgtEl>
+                    <p:sldTgt/>
+                  </p:tgtEl>
+                </p:cond>
+              </p:prevCondLst>
+              <p:nextCondLst>
+                <p:cond evt="onNext">
+                  <p:tgtEl>
+                    <p:sldTgt/>
+                  </p:tgtEl>
+                </p:cond>
+              </p:nextCondLst>
+            </p:seq>
+          </p:childTnLst>
+        </p:cTn>
+      </p:par>
+    </p:tnLst>
+  </p:timing>
 </p:sld>
 </file>
 
@@ -10069,7 +9524,7 @@
       </p:grpSpPr>
       <p:sp>
         <p:nvSpPr>
-          <p:cNvPr id="66" name="PlaceHolder 1"/>
+          <p:cNvPr id="60" name="PlaceHolder 1"/>
           <p:cNvSpPr>
             <a:spLocks noGrp="1"/>
           </p:cNvSpPr>
@@ -10080,7 +9535,7 @@
         <p:spPr>
           <a:xfrm>
             <a:off x="311760" y="2151000"/>
-            <a:ext cx="8520120" cy="841320"/>
+            <a:ext cx="8519760" cy="840960"/>
           </a:xfrm>
           <a:prstGeom prst="rect">
             <a:avLst/>
@@ -10112,11 +9567,11 @@
                 <a:latin typeface="Arial"/>
                 <a:ea typeface="Arial"/>
               </a:rPr>
-              <a:t>Questions?</a:t>
+              <a:t>LIVE DEMO TIME!</a:t>
             </a:r>
             <a:endParaRPr b="0" lang="en-US" sz="3600" spc="-1" strike="noStrike">
               <a:solidFill>
-                <a:srgbClr val="000000"/>
+                <a:srgbClr val="ffffff"/>
               </a:solidFill>
               <a:latin typeface="Arial"/>
             </a:endParaRPr>
@@ -10150,7 +9605,7 @@
       </p:grpSpPr>
       <p:sp>
         <p:nvSpPr>
-          <p:cNvPr id="67" name="PlaceHolder 1"/>
+          <p:cNvPr id="61" name="PlaceHolder 1"/>
           <p:cNvSpPr>
             <a:spLocks noGrp="1"/>
           </p:cNvSpPr>
@@ -10160,8 +9615,8 @@
         </p:nvSpPr>
         <p:spPr>
           <a:xfrm>
-            <a:off x="311760" y="444960"/>
-            <a:ext cx="8520120" cy="572400"/>
+            <a:off x="311760" y="2151000"/>
+            <a:ext cx="8519760" cy="840960"/>
           </a:xfrm>
           <a:prstGeom prst="rect">
             <a:avLst/>
@@ -10172,11 +9627,11 @@
           </a:ln>
         </p:spPr>
         <p:txBody>
-          <a:bodyPr lIns="91440" rIns="91440" tIns="91440" bIns="91440" anchor="t">
-            <a:normAutofit fontScale="93550"/>
+          <a:bodyPr lIns="91440" rIns="91440" tIns="91440" bIns="91440" anchor="ctr">
+            <a:normAutofit/>
           </a:bodyPr>
           <a:p>
-            <a:pPr indent="0">
+            <a:pPr indent="0" algn="ctr">
               <a:lnSpc>
                 <a:spcPct val="100000"/>
               </a:lnSpc>
@@ -10186,252 +9641,24 @@
               </a:tabLst>
             </a:pPr>
             <a:r>
-              <a:rPr b="0" lang="en" sz="2800" spc="-1" strike="noStrike">
+              <a:rPr b="0" lang="en" sz="3600" spc="-1" strike="noStrike">
                 <a:solidFill>
                   <a:schemeClr val="dk1"/>
                 </a:solidFill>
                 <a:latin typeface="Arial"/>
                 <a:ea typeface="Arial"/>
               </a:rPr>
-              <a:t>Join the Community!</a:t>
-            </a:r>
-            <a:endParaRPr b="0" lang="en-US" sz="2800" spc="-1" strike="noStrike">
-              <a:solidFill>
-                <a:srgbClr val="000000"/>
+              <a:t>Questions?</a:t>
+            </a:r>
+            <a:endParaRPr b="0" lang="en-US" sz="3600" spc="-1" strike="noStrike">
+              <a:solidFill>
+                <a:srgbClr val="ffffff"/>
               </a:solidFill>
               <a:latin typeface="Arial"/>
             </a:endParaRPr>
           </a:p>
         </p:txBody>
       </p:sp>
-      <p:sp>
-        <p:nvSpPr>
-          <p:cNvPr id="68" name="PlaceHolder 2"/>
-          <p:cNvSpPr>
-            <a:spLocks noGrp="1"/>
-          </p:cNvSpPr>
-          <p:nvPr>
-            <p:ph/>
-          </p:nvPr>
-        </p:nvSpPr>
-        <p:spPr>
-          <a:xfrm>
-            <a:off x="311760" y="1152360"/>
-            <a:ext cx="4717440" cy="3416040"/>
-          </a:xfrm>
-          <a:prstGeom prst="rect">
-            <a:avLst/>
-          </a:prstGeom>
-          <a:noFill/>
-          <a:ln w="0">
-            <a:noFill/>
-          </a:ln>
-        </p:spPr>
-        <p:txBody>
-          <a:bodyPr lIns="91440" rIns="91440" tIns="91440" bIns="91440" anchor="t">
-            <a:normAutofit/>
-          </a:bodyPr>
-          <a:p>
-            <a:pPr indent="0">
-              <a:lnSpc>
-                <a:spcPct val="115000"/>
-              </a:lnSpc>
-              <a:buNone/>
-              <a:tabLst>
-                <a:tab algn="l" pos="0"/>
-              </a:tabLst>
-            </a:pPr>
-            <a:r>
-              <a:rPr b="0" lang="en" sz="1800" spc="-1" strike="noStrike">
-                <a:solidFill>
-                  <a:schemeClr val="lt2"/>
-                </a:solidFill>
-                <a:latin typeface="Arial"/>
-                <a:ea typeface="Arial"/>
-              </a:rPr>
-              <a:t>Bazzite: </a:t>
-            </a:r>
-            <a:r>
-              <a:rPr b="0" lang="en" sz="1800" spc="-1" strike="noStrike" u="sng">
-                <a:solidFill>
-                  <a:schemeClr val="hlink"/>
-                </a:solidFill>
-                <a:uFillTx/>
-                <a:latin typeface="Arial"/>
-                <a:ea typeface="Arial"/>
-                <a:hlinkClick r:id="rId1"/>
-              </a:rPr>
-              <a:t>https://bazzite.gg</a:t>
-            </a:r>
-            <a:r>
-              <a:rPr b="0" lang="en" sz="1800" spc="-1" strike="noStrike">
-                <a:solidFill>
-                  <a:schemeClr val="lt2"/>
-                </a:solidFill>
-                <a:latin typeface="Arial"/>
-                <a:ea typeface="Arial"/>
-              </a:rPr>
-              <a:t> </a:t>
-            </a:r>
-            <a:endParaRPr b="0" lang="en-US" sz="1800" spc="-1" strike="noStrike">
-              <a:solidFill>
-                <a:srgbClr val="000000"/>
-              </a:solidFill>
-              <a:latin typeface="Arial"/>
-            </a:endParaRPr>
-          </a:p>
-          <a:p>
-            <a:pPr indent="0">
-              <a:lnSpc>
-                <a:spcPct val="115000"/>
-              </a:lnSpc>
-              <a:spcBef>
-                <a:spcPts val="1199"/>
-              </a:spcBef>
-              <a:buNone/>
-              <a:tabLst>
-                <a:tab algn="l" pos="0"/>
-              </a:tabLst>
-            </a:pPr>
-            <a:r>
-              <a:rPr b="0" lang="en" sz="1800" spc="-1" strike="noStrike">
-                <a:solidFill>
-                  <a:schemeClr val="lt2"/>
-                </a:solidFill>
-                <a:latin typeface="Arial"/>
-                <a:ea typeface="Arial"/>
-              </a:rPr>
-              <a:t>Universal Blue: </a:t>
-            </a:r>
-            <a:r>
-              <a:rPr b="0" lang="en" sz="1800" spc="-1" strike="noStrike" u="sng">
-                <a:solidFill>
-                  <a:schemeClr val="hlink"/>
-                </a:solidFill>
-                <a:uFillTx/>
-                <a:latin typeface="Arial"/>
-                <a:ea typeface="Arial"/>
-                <a:hlinkClick r:id="rId2"/>
-              </a:rPr>
-              <a:t>https://universal-blue.org</a:t>
-            </a:r>
-            <a:r>
-              <a:rPr b="0" lang="en" sz="1800" spc="-1" strike="noStrike">
-                <a:solidFill>
-                  <a:schemeClr val="lt2"/>
-                </a:solidFill>
-                <a:latin typeface="Arial"/>
-                <a:ea typeface="Arial"/>
-              </a:rPr>
-              <a:t> </a:t>
-            </a:r>
-            <a:endParaRPr b="0" lang="en-US" sz="1800" spc="-1" strike="noStrike">
-              <a:solidFill>
-                <a:srgbClr val="000000"/>
-              </a:solidFill>
-              <a:latin typeface="Arial"/>
-            </a:endParaRPr>
-          </a:p>
-          <a:p>
-            <a:pPr indent="0">
-              <a:lnSpc>
-                <a:spcPct val="115000"/>
-              </a:lnSpc>
-              <a:spcBef>
-                <a:spcPts val="1199"/>
-              </a:spcBef>
-              <a:buNone/>
-              <a:tabLst>
-                <a:tab algn="l" pos="0"/>
-              </a:tabLst>
-            </a:pPr>
-            <a:r>
-              <a:rPr b="0" lang="en" sz="1800" spc="-1" strike="noStrike">
-                <a:solidFill>
-                  <a:schemeClr val="lt2"/>
-                </a:solidFill>
-                <a:latin typeface="Arial"/>
-                <a:ea typeface="Arial"/>
-              </a:rPr>
-              <a:t>Discord: </a:t>
-            </a:r>
-            <a:r>
-              <a:rPr b="0" lang="en" sz="1800" spc="-1" strike="noStrike" u="sng">
-                <a:solidFill>
-                  <a:schemeClr val="hlink"/>
-                </a:solidFill>
-                <a:uFillTx/>
-                <a:latin typeface="Arial"/>
-                <a:ea typeface="Arial"/>
-                <a:hlinkClick r:id="rId3"/>
-              </a:rPr>
-              <a:t>https://discord.gg/HbUWTNcm</a:t>
-            </a:r>
-            <a:r>
-              <a:rPr b="0" lang="en" sz="1800" spc="-1" strike="noStrike">
-                <a:solidFill>
-                  <a:schemeClr val="lt2"/>
-                </a:solidFill>
-                <a:latin typeface="Arial"/>
-                <a:ea typeface="Arial"/>
-              </a:rPr>
-              <a:t> </a:t>
-            </a:r>
-            <a:endParaRPr b="0" lang="en-US" sz="1800" spc="-1" strike="noStrike">
-              <a:solidFill>
-                <a:srgbClr val="000000"/>
-              </a:solidFill>
-              <a:latin typeface="Arial"/>
-            </a:endParaRPr>
-          </a:p>
-          <a:p>
-            <a:pPr indent="0">
-              <a:lnSpc>
-                <a:spcPct val="115000"/>
-              </a:lnSpc>
-              <a:spcBef>
-                <a:spcPts val="1199"/>
-              </a:spcBef>
-              <a:spcAft>
-                <a:spcPts val="1199"/>
-              </a:spcAft>
-              <a:buNone/>
-              <a:tabLst>
-                <a:tab algn="l" pos="0"/>
-              </a:tabLst>
-            </a:pPr>
-            <a:endParaRPr b="0" lang="en-US" sz="1800" spc="-1" strike="noStrike">
-              <a:solidFill>
-                <a:srgbClr val="000000"/>
-              </a:solidFill>
-              <a:latin typeface="Arial"/>
-            </a:endParaRPr>
-          </a:p>
-        </p:txBody>
-      </p:sp>
-      <p:pic>
-        <p:nvPicPr>
-          <p:cNvPr id="69" name="" descr=""/>
-          <p:cNvPicPr/>
-          <p:nvPr/>
-        </p:nvPicPr>
-        <p:blipFill>
-          <a:blip r:embed="rId4"/>
-          <a:stretch/>
-        </p:blipFill>
-        <p:spPr>
-          <a:xfrm>
-            <a:off x="5373000" y="801000"/>
-            <a:ext cx="2856600" cy="2856600"/>
-          </a:xfrm>
-          <a:prstGeom prst="rect">
-            <a:avLst/>
-          </a:prstGeom>
-          <a:ln w="0">
-            <a:noFill/>
-          </a:ln>
-        </p:spPr>
-      </p:pic>
     </p:spTree>
   </p:cSld>
   <p:transition spd="med">
